--- a/trabajos/06-unit-tests.pptx
+++ b/trabajos/06-unit-tests.pptx
@@ -23,16 +23,16 @@
     <p:sldId id="3829" r:id="rId14"/>
     <p:sldId id="3830" r:id="rId15"/>
     <p:sldId id="3831" r:id="rId16"/>
-    <p:sldId id="3834" r:id="rId17"/>
-    <p:sldId id="3835" r:id="rId18"/>
-    <p:sldId id="3836" r:id="rId19"/>
-    <p:sldId id="3837" r:id="rId20"/>
-    <p:sldId id="3838" r:id="rId21"/>
-    <p:sldId id="3839" r:id="rId22"/>
-    <p:sldId id="3840" r:id="rId23"/>
-    <p:sldId id="3816" r:id="rId24"/>
-    <p:sldId id="3832" r:id="rId25"/>
-    <p:sldId id="3817" r:id="rId26"/>
+    <p:sldId id="3816" r:id="rId17"/>
+    <p:sldId id="3832" r:id="rId18"/>
+    <p:sldId id="3817" r:id="rId19"/>
+    <p:sldId id="3834" r:id="rId20"/>
+    <p:sldId id="3835" r:id="rId21"/>
+    <p:sldId id="3836" r:id="rId22"/>
+    <p:sldId id="3837" r:id="rId23"/>
+    <p:sldId id="3838" r:id="rId24"/>
+    <p:sldId id="3839" r:id="rId25"/>
+    <p:sldId id="3840" r:id="rId26"/>
   </p:sldIdLst>
   <p:sldSz cx="12436475" cy="6994525"/>
   <p:notesSz cx="6858000" cy="9144000"/>
@@ -155,6 +155,9 @@
             <p14:sldId id="3829"/>
             <p14:sldId id="3830"/>
             <p14:sldId id="3831"/>
+            <p14:sldId id="3816"/>
+            <p14:sldId id="3832"/>
+            <p14:sldId id="3817"/>
             <p14:sldId id="3834"/>
             <p14:sldId id="3835"/>
             <p14:sldId id="3836"/>
@@ -162,9 +165,6 @@
             <p14:sldId id="3838"/>
             <p14:sldId id="3839"/>
             <p14:sldId id="3840"/>
-            <p14:sldId id="3816"/>
-            <p14:sldId id="3832"/>
-            <p14:sldId id="3817"/>
           </p14:sldIdLst>
         </p14:section>
         <p14:section name="Resources" id="{70880312-720E-4407-89FB-6858A2EF484D}">
@@ -305,7 +305,7 @@
           <a:p>
             <a:fld id="{2B750920-92A4-224B-9AE0-2C8C93DBE13A}" type="datetimeFigureOut">
               <a:rPr lang="en-US" smtClean="0"/>
-              <a:t>9/8/24</a:t>
+              <a:t>9/9/24</a:t>
             </a:fld>
             <a:endParaRPr lang="en-US"/>
           </a:p>
@@ -482,7 +482,7 @@
           <a:p>
             <a:fld id="{68BF023B-10D3-4BAF-A407-4B4ABDDCF7DA}" type="datetimeFigureOut">
               <a:rPr lang="en-US" smtClean="0"/>
-              <a:t>9/8/24</a:t>
+              <a:t>9/9/24</a:t>
             </a:fld>
             <a:endParaRPr lang="en-US"/>
           </a:p>
@@ -2723,7 +2723,7 @@
           <a:p>
             <a:fld id="{5F2D3714-B553-A044-BA72-366907BA36B5}" type="slidenum">
               <a:rPr lang="en-US" smtClean="0"/>
-              <a:t>20</a:t>
+              <a:t>13</a:t>
             </a:fld>
             <a:endParaRPr lang="en-US"/>
           </a:p>
@@ -3212,7 +3212,7 @@
           <a:p>
             <a:fld id="{5F2D3714-B553-A044-BA72-366907BA36B5}" type="slidenum">
               <a:rPr lang="en-US" smtClean="0"/>
-              <a:t>21</a:t>
+              <a:t>14</a:t>
             </a:fld>
             <a:endParaRPr lang="en-US"/>
           </a:p>
@@ -3300,7 +3300,7 @@
           <a:p>
             <a:fld id="{5F2D3714-B553-A044-BA72-366907BA36B5}" type="slidenum">
               <a:rPr lang="en-US" smtClean="0"/>
-              <a:t>22</a:t>
+              <a:t>15</a:t>
             </a:fld>
             <a:endParaRPr lang="en-US"/>
           </a:p>
@@ -18167,7 +18167,7 @@
             <a:fld id="{3D5F6CB2-3771-4ADD-A627-914030C613EC}" type="datetimeFigureOut">
               <a:rPr lang="es-AR" smtClean="0"/>
               <a:pPr/>
-              <a:t>8/9/24</a:t>
+              <a:t>9/9/24</a:t>
             </a:fld>
             <a:endParaRPr lang="es-AR"/>
           </a:p>
@@ -22933,13 +22933,13 @@
   <p:clrMapOvr>
     <a:masterClrMapping/>
   </p:clrMapOvr>
-  <mc:AlternateContent xmlns:mc="http://schemas.openxmlformats.org/markup-compatibility/2006">
-    <mc:Choice xmlns:p14="http://schemas.microsoft.com/office/powerpoint/2010/main" Requires="p14">
+  <mc:AlternateContent xmlns:mc="http://schemas.openxmlformats.org/markup-compatibility/2006" xmlns:p14="http://schemas.microsoft.com/office/powerpoint/2010/main">
+    <mc:Choice Requires="p14">
       <p:transition spd="med" p14:dur="700">
         <p:fade/>
       </p:transition>
     </mc:Choice>
-    <mc:Fallback>
+    <mc:Fallback xmlns="">
       <p:transition spd="med">
         <p:fade/>
       </p:transition>
@@ -23329,13 +23329,13 @@
   <p:clrMapOvr>
     <a:masterClrMapping/>
   </p:clrMapOvr>
-  <mc:AlternateContent xmlns:mc="http://schemas.openxmlformats.org/markup-compatibility/2006">
-    <mc:Choice xmlns:p14="http://schemas.microsoft.com/office/powerpoint/2010/main" Requires="p14">
+  <mc:AlternateContent xmlns:mc="http://schemas.openxmlformats.org/markup-compatibility/2006" xmlns:p14="http://schemas.microsoft.com/office/powerpoint/2010/main">
+    <mc:Choice Requires="p14">
       <p:transition spd="med" p14:dur="700">
         <p:fade/>
       </p:transition>
     </mc:Choice>
-    <mc:Fallback>
+    <mc:Fallback xmlns="">
       <p:transition spd="med">
         <p:fade/>
       </p:transition>
@@ -23900,13 +23900,13 @@
   <p:clrMapOvr>
     <a:masterClrMapping/>
   </p:clrMapOvr>
-  <mc:AlternateContent xmlns:mc="http://schemas.openxmlformats.org/markup-compatibility/2006">
-    <mc:Choice xmlns:p14="http://schemas.microsoft.com/office/powerpoint/2010/main" Requires="p14">
+  <mc:AlternateContent xmlns:mc="http://schemas.openxmlformats.org/markup-compatibility/2006" xmlns:p14="http://schemas.microsoft.com/office/powerpoint/2010/main">
+    <mc:Choice Requires="p14">
       <p:transition spd="med" p14:dur="700">
         <p:fade/>
       </p:transition>
     </mc:Choice>
-    <mc:Fallback>
+    <mc:Fallback xmlns="">
       <p:transition spd="med">
         <p:fade/>
       </p:transition>
@@ -23916,6 +23916,734 @@
 </file>
 
 <file path=ppt/slides/slide13.xml><?xml version="1.0" encoding="utf-8"?>
+<p:sld xmlns:a="http://schemas.openxmlformats.org/drawingml/2006/main" xmlns:r="http://schemas.openxmlformats.org/officeDocument/2006/relationships" xmlns:p="http://schemas.openxmlformats.org/presentationml/2006/main" showMasterSp="0">
+  <p:cSld>
+    <p:spTree>
+      <p:nvGrpSpPr>
+        <p:cNvPr id="1" name=""/>
+        <p:cNvGrpSpPr/>
+        <p:nvPr/>
+      </p:nvGrpSpPr>
+      <p:grpSpPr>
+        <a:xfrm>
+          <a:off x="0" y="0"/>
+          <a:ext cx="0" cy="0"/>
+          <a:chOff x="0" y="0"/>
+          <a:chExt cx="0" cy="0"/>
+        </a:xfrm>
+      </p:grpSpPr>
+      <p:sp>
+        <p:nvSpPr>
+          <p:cNvPr id="4" name="Title 3">
+            <a:extLst>
+              <a:ext uri="{FF2B5EF4-FFF2-40B4-BE49-F238E27FC236}">
+                <a16:creationId xmlns:a16="http://schemas.microsoft.com/office/drawing/2014/main" id="{DA6A65AD-43AA-423E-8D08-19A36B5745EF}"/>
+              </a:ext>
+            </a:extLst>
+          </p:cNvPr>
+          <p:cNvSpPr>
+            <a:spLocks noGrp="1"/>
+          </p:cNvSpPr>
+          <p:nvPr>
+            <p:ph type="title"/>
+          </p:nvPr>
+        </p:nvSpPr>
+        <p:spPr>
+          <a:xfrm>
+            <a:off x="434974" y="227014"/>
+            <a:ext cx="11802421" cy="754061"/>
+          </a:xfrm>
+        </p:spPr>
+        <p:txBody>
+          <a:bodyPr/>
+          <a:lstStyle/>
+          <a:p>
+            <a:r>
+              <a:rPr lang="es-AR" dirty="0"/>
+              <a:t>Presentación del TP</a:t>
+            </a:r>
+            <a:endParaRPr lang="en-US" dirty="0">
+              <a:solidFill>
+                <a:srgbClr val="2C65E1"/>
+              </a:solidFill>
+            </a:endParaRPr>
+          </a:p>
+        </p:txBody>
+      </p:sp>
+      <p:pic>
+        <p:nvPicPr>
+          <p:cNvPr id="24" name="Imagen 23">
+            <a:extLst>
+              <a:ext uri="{FF2B5EF4-FFF2-40B4-BE49-F238E27FC236}">
+                <a16:creationId xmlns:a16="http://schemas.microsoft.com/office/drawing/2014/main" id="{6380FFF8-722E-A863-F0A5-558D5BC3638A}"/>
+              </a:ext>
+            </a:extLst>
+          </p:cNvPr>
+          <p:cNvPicPr>
+            <a:picLocks noChangeAspect="1"/>
+          </p:cNvPicPr>
+          <p:nvPr/>
+        </p:nvPicPr>
+        <p:blipFill>
+          <a:blip r:embed="rId3">
+            <a:extLst>
+              <a:ext uri="{28A0092B-C50C-407E-A947-70E740481C1C}">
+                <a14:useLocalDpi xmlns:a14="http://schemas.microsoft.com/office/drawing/2010/main" val="0"/>
+              </a:ext>
+              <a:ext uri="{837473B0-CC2E-450A-ABE3-18F120FF3D39}">
+                <a1611:picAttrSrcUrl xmlns:a1611="http://schemas.microsoft.com/office/drawing/2016/11/main" r:id="rId4"/>
+              </a:ext>
+            </a:extLst>
+          </a:blip>
+          <a:srcRect/>
+          <a:stretch/>
+        </p:blipFill>
+        <p:spPr>
+          <a:xfrm>
+            <a:off x="4787248" y="1661287"/>
+            <a:ext cx="3097871" cy="2789626"/>
+          </a:xfrm>
+          <a:prstGeom prst="rect">
+            <a:avLst/>
+          </a:prstGeom>
+        </p:spPr>
+      </p:pic>
+    </p:spTree>
+    <p:extLst>
+      <p:ext uri="{BB962C8B-B14F-4D97-AF65-F5344CB8AC3E}">
+        <p14:creationId xmlns:p14="http://schemas.microsoft.com/office/powerpoint/2010/main" val="1146899652"/>
+      </p:ext>
+    </p:extLst>
+  </p:cSld>
+  <p:clrMapOvr>
+    <a:masterClrMapping/>
+  </p:clrMapOvr>
+  <mc:AlternateContent xmlns:mc="http://schemas.openxmlformats.org/markup-compatibility/2006" xmlns:p14="http://schemas.microsoft.com/office/powerpoint/2010/main">
+    <mc:Choice Requires="p14">
+      <p:transition spd="med" p14:dur="700">
+        <p:fade/>
+      </p:transition>
+    </mc:Choice>
+    <mc:Fallback xmlns="">
+      <p:transition spd="med">
+        <p:fade/>
+      </p:transition>
+    </mc:Fallback>
+  </mc:AlternateContent>
+</p:sld>
+</file>
+
+<file path=ppt/slides/slide14.xml><?xml version="1.0" encoding="utf-8"?>
+<p:sld xmlns:a="http://schemas.openxmlformats.org/drawingml/2006/main" xmlns:r="http://schemas.openxmlformats.org/officeDocument/2006/relationships" xmlns:p="http://schemas.openxmlformats.org/presentationml/2006/main" showMasterSp="0">
+  <p:cSld>
+    <p:spTree>
+      <p:nvGrpSpPr>
+        <p:cNvPr id="1" name="">
+          <a:extLst>
+            <a:ext uri="{FF2B5EF4-FFF2-40B4-BE49-F238E27FC236}">
+              <a16:creationId xmlns:a16="http://schemas.microsoft.com/office/drawing/2014/main" id="{8236D03A-225A-22D8-C4BD-90AD0EC909A6}"/>
+            </a:ext>
+          </a:extLst>
+        </p:cNvPr>
+        <p:cNvGrpSpPr/>
+        <p:nvPr/>
+      </p:nvGrpSpPr>
+      <p:grpSpPr>
+        <a:xfrm>
+          <a:off x="0" y="0"/>
+          <a:ext cx="0" cy="0"/>
+          <a:chOff x="0" y="0"/>
+          <a:chExt cx="0" cy="0"/>
+        </a:xfrm>
+      </p:grpSpPr>
+      <p:sp>
+        <p:nvSpPr>
+          <p:cNvPr id="4" name="Title 3">
+            <a:extLst>
+              <a:ext uri="{FF2B5EF4-FFF2-40B4-BE49-F238E27FC236}">
+                <a16:creationId xmlns:a16="http://schemas.microsoft.com/office/drawing/2014/main" id="{2810C4D7-9248-7043-EFF3-EDF39D288676}"/>
+              </a:ext>
+            </a:extLst>
+          </p:cNvPr>
+          <p:cNvSpPr>
+            <a:spLocks noGrp="1"/>
+          </p:cNvSpPr>
+          <p:nvPr>
+            <p:ph type="title"/>
+          </p:nvPr>
+        </p:nvSpPr>
+        <p:spPr>
+          <a:xfrm>
+            <a:off x="434975" y="227014"/>
+            <a:ext cx="11563350" cy="754061"/>
+          </a:xfrm>
+        </p:spPr>
+        <p:txBody>
+          <a:bodyPr/>
+          <a:lstStyle/>
+          <a:p>
+            <a:r>
+              <a:rPr lang="es-AR" dirty="0"/>
+              <a:t>Consigna y Desarrollo del Trabajo Práctico</a:t>
+            </a:r>
+            <a:endParaRPr lang="en-US" dirty="0">
+              <a:solidFill>
+                <a:srgbClr val="2C65E1"/>
+              </a:solidFill>
+            </a:endParaRPr>
+          </a:p>
+        </p:txBody>
+      </p:sp>
+      <p:sp>
+        <p:nvSpPr>
+          <p:cNvPr id="5" name="Text Placeholder 4">
+            <a:extLst>
+              <a:ext uri="{FF2B5EF4-FFF2-40B4-BE49-F238E27FC236}">
+                <a16:creationId xmlns:a16="http://schemas.microsoft.com/office/drawing/2014/main" id="{E4510C4A-DFF3-D93A-97F5-C9DEAD0882F7}"/>
+              </a:ext>
+            </a:extLst>
+          </p:cNvPr>
+          <p:cNvSpPr>
+            <a:spLocks noGrp="1"/>
+          </p:cNvSpPr>
+          <p:nvPr>
+            <p:ph type="body" sz="quarter" idx="10"/>
+          </p:nvPr>
+        </p:nvSpPr>
+        <p:spPr>
+          <a:xfrm>
+            <a:off x="445129" y="972295"/>
+            <a:ext cx="11405976" cy="544162"/>
+          </a:xfrm>
+        </p:spPr>
+        <p:txBody>
+          <a:bodyPr/>
+          <a:lstStyle/>
+          <a:p>
+            <a:r>
+              <a:rPr lang="es-AR" sz="1800" dirty="0">
+                <a:solidFill>
+                  <a:schemeClr val="tx1">
+                    <a:lumMod val="65000"/>
+                    <a:lumOff val="35000"/>
+                  </a:schemeClr>
+                </a:solidFill>
+              </a:rPr>
+              <a:t>Pruebas Unitarias en </a:t>
+            </a:r>
+            <a:r>
+              <a:rPr lang="es-AR" sz="1800" dirty="0" err="1">
+                <a:solidFill>
+                  <a:schemeClr val="tx1">
+                    <a:lumMod val="65000"/>
+                    <a:lumOff val="35000"/>
+                  </a:schemeClr>
+                </a:solidFill>
+              </a:rPr>
+              <a:t>Backend</a:t>
+            </a:r>
+            <a:r>
+              <a:rPr lang="es-AR" sz="1800" dirty="0">
+                <a:solidFill>
+                  <a:schemeClr val="tx1">
+                    <a:lumMod val="65000"/>
+                    <a:lumOff val="35000"/>
+                  </a:schemeClr>
+                </a:solidFill>
+              </a:rPr>
+              <a:t> y </a:t>
+            </a:r>
+            <a:r>
+              <a:rPr lang="es-AR" sz="1800" dirty="0" err="1">
+                <a:solidFill>
+                  <a:schemeClr val="tx1">
+                    <a:lumMod val="65000"/>
+                    <a:lumOff val="35000"/>
+                  </a:schemeClr>
+                </a:solidFill>
+              </a:rPr>
+              <a:t>Frontend</a:t>
+            </a:r>
+            <a:r>
+              <a:rPr lang="es-AR" sz="1800" dirty="0">
+                <a:solidFill>
+                  <a:schemeClr val="tx1">
+                    <a:lumMod val="65000"/>
+                    <a:lumOff val="35000"/>
+                  </a:schemeClr>
+                </a:solidFill>
+              </a:rPr>
+              <a:t> con Simulación de Dependencias.</a:t>
+            </a:r>
+          </a:p>
+          <a:p>
+            <a:pPr>
+              <a:lnSpc>
+                <a:spcPct val="100000"/>
+              </a:lnSpc>
+              <a:spcAft>
+                <a:spcPts val="800"/>
+              </a:spcAft>
+            </a:pPr>
+            <a:endParaRPr lang="es-AR" sz="1800" dirty="0">
+              <a:solidFill>
+                <a:schemeClr val="tx1">
+                  <a:lumMod val="65000"/>
+                  <a:lumOff val="35000"/>
+                </a:schemeClr>
+              </a:solidFill>
+            </a:endParaRPr>
+          </a:p>
+        </p:txBody>
+      </p:sp>
+      <p:sp>
+        <p:nvSpPr>
+          <p:cNvPr id="3" name="CuadroTexto 2">
+            <a:extLst>
+              <a:ext uri="{FF2B5EF4-FFF2-40B4-BE49-F238E27FC236}">
+                <a16:creationId xmlns:a16="http://schemas.microsoft.com/office/drawing/2014/main" id="{A132146F-1E7D-A134-F16E-9594298EBB8F}"/>
+              </a:ext>
+            </a:extLst>
+          </p:cNvPr>
+          <p:cNvSpPr txBox="1"/>
+          <p:nvPr/>
+        </p:nvSpPr>
+        <p:spPr>
+          <a:xfrm>
+            <a:off x="297909" y="1307427"/>
+            <a:ext cx="11553196" cy="5016758"/>
+          </a:xfrm>
+          <a:prstGeom prst="rect">
+            <a:avLst/>
+          </a:prstGeom>
+          <a:noFill/>
+        </p:spPr>
+        <p:txBody>
+          <a:bodyPr wrap="square">
+            <a:spAutoFit/>
+          </a:bodyPr>
+          <a:lstStyle/>
+          <a:p>
+            <a:r>
+              <a:rPr lang="es-AR" sz="1600" b="1" dirty="0" err="1"/>
+              <a:t>Backend</a:t>
+            </a:r>
+            <a:r>
+              <a:rPr lang="es-AR" sz="1600" b="1" dirty="0"/>
+              <a:t>: Pruebas Unitarias con </a:t>
+            </a:r>
+            <a:r>
+              <a:rPr lang="es-AR" sz="1600" b="1" dirty="0" err="1"/>
+              <a:t>xUnit</a:t>
+            </a:r>
+            <a:r>
+              <a:rPr lang="es-AR" sz="1600" b="1" dirty="0"/>
+              <a:t> y </a:t>
+            </a:r>
+            <a:r>
+              <a:rPr lang="es-AR" sz="1600" b="1" dirty="0" err="1"/>
+              <a:t>Moq</a:t>
+            </a:r>
+            <a:endParaRPr lang="es-AR" sz="1600" b="1" dirty="0"/>
+          </a:p>
+          <a:p>
+            <a:endParaRPr lang="es-AR" sz="1600" b="1" dirty="0"/>
+          </a:p>
+          <a:p>
+            <a:pPr marL="285750" indent="-285750">
+              <a:buFont typeface="Arial" panose="020B0604020202020204" pitchFamily="34" charset="0"/>
+              <a:buChar char="•"/>
+            </a:pPr>
+            <a:r>
+              <a:rPr lang="es-AR" sz="1600" b="1" dirty="0"/>
+              <a:t>Objetivo</a:t>
+            </a:r>
+            <a:r>
+              <a:rPr lang="es-AR" sz="1600" dirty="0"/>
+              <a:t>: Crear un proyecto de pruebas unitarias para la API utilizando </a:t>
+            </a:r>
+            <a:r>
+              <a:rPr lang="es-AR" sz="1600" b="1" dirty="0" err="1"/>
+              <a:t>xUnit</a:t>
+            </a:r>
+            <a:r>
+              <a:rPr lang="es-AR" sz="1600" dirty="0"/>
+              <a:t> y </a:t>
+            </a:r>
+            <a:r>
+              <a:rPr lang="es-AR" sz="1600" b="1" dirty="0" err="1"/>
+              <a:t>Moq</a:t>
+            </a:r>
+            <a:r>
+              <a:rPr lang="es-AR" sz="1600" dirty="0"/>
+              <a:t>.</a:t>
+            </a:r>
+          </a:p>
+          <a:p>
+            <a:pPr marL="285750" indent="-285750">
+              <a:buFont typeface="Arial" panose="020B0604020202020204" pitchFamily="34" charset="0"/>
+              <a:buChar char="•"/>
+            </a:pPr>
+            <a:r>
+              <a:rPr lang="es-AR" sz="1600" b="1" dirty="0"/>
+              <a:t>Desarrollo</a:t>
+            </a:r>
+            <a:r>
+              <a:rPr lang="es-AR" sz="1600" dirty="0"/>
+              <a:t>:</a:t>
+            </a:r>
+          </a:p>
+          <a:p>
+            <a:pPr marL="742950" lvl="1" indent="-285750">
+              <a:buFont typeface="Arial" panose="020B0604020202020204" pitchFamily="34" charset="0"/>
+              <a:buChar char="•"/>
+            </a:pPr>
+            <a:r>
+              <a:rPr lang="es-AR" sz="1600" dirty="0"/>
+              <a:t>Implementar pruebas sobre los métodos CRUD del controlador, simulando la base de datos con </a:t>
+            </a:r>
+            <a:r>
+              <a:rPr lang="es-AR" sz="1600" b="1" dirty="0" err="1"/>
+              <a:t>Entity</a:t>
+            </a:r>
+            <a:r>
+              <a:rPr lang="es-AR" sz="1600" b="1" dirty="0"/>
+              <a:t> Framework Core </a:t>
+            </a:r>
+            <a:r>
+              <a:rPr lang="es-AR" sz="1600" b="1" dirty="0" err="1"/>
+              <a:t>InMemory</a:t>
+            </a:r>
+            <a:r>
+              <a:rPr lang="es-AR" sz="1600" dirty="0"/>
+              <a:t>.</a:t>
+            </a:r>
+          </a:p>
+          <a:p>
+            <a:pPr marL="742950" lvl="1" indent="-285750">
+              <a:buFont typeface="Arial" panose="020B0604020202020204" pitchFamily="34" charset="0"/>
+              <a:buChar char="•"/>
+            </a:pPr>
+            <a:r>
+              <a:rPr lang="es-AR" sz="1600" dirty="0"/>
+              <a:t>Probar operaciones como obtener empleados, agregar, actualizar y eliminar.</a:t>
+            </a:r>
+          </a:p>
+          <a:p>
+            <a:pPr marL="742950" lvl="1" indent="-285750">
+              <a:buFont typeface="Arial" panose="020B0604020202020204" pitchFamily="34" charset="0"/>
+              <a:buChar char="•"/>
+            </a:pPr>
+            <a:r>
+              <a:rPr lang="es-AR" sz="1600" dirty="0"/>
+              <a:t>Validar que no se puedan agregar empleados duplicados y que los nombres y apellidos tengan el formato correcto.</a:t>
+            </a:r>
+          </a:p>
+          <a:p>
+            <a:pPr marL="276606" indent="-285750">
+              <a:buFont typeface="Arial" panose="020B0604020202020204" pitchFamily="34" charset="0"/>
+              <a:buChar char="•"/>
+            </a:pPr>
+            <a:r>
+              <a:rPr lang="es-AR" sz="1600" b="1" dirty="0"/>
+              <a:t>Resultado esperado</a:t>
+            </a:r>
+            <a:r>
+              <a:rPr lang="es-AR" sz="1600" dirty="0"/>
+              <a:t>: Las operaciones CRUD funcionen correctamente en aislamiento y las validaciones indicadas estén implementadas.</a:t>
+            </a:r>
+          </a:p>
+          <a:p>
+            <a:endParaRPr lang="es-AR" sz="1600" b="1" dirty="0"/>
+          </a:p>
+          <a:p>
+            <a:r>
+              <a:rPr lang="es-AR" sz="1600" b="1" dirty="0" err="1"/>
+              <a:t>Frontend</a:t>
+            </a:r>
+            <a:r>
+              <a:rPr lang="es-AR" sz="1600" b="1" dirty="0"/>
+              <a:t>: Pruebas Unitarias con Jasmine y </a:t>
+            </a:r>
+            <a:r>
+              <a:rPr lang="es-AR" sz="1600" b="1" dirty="0" err="1"/>
+              <a:t>HttpClientTestingModule</a:t>
+            </a:r>
+            <a:endParaRPr lang="es-AR" sz="1600" b="1" dirty="0"/>
+          </a:p>
+          <a:p>
+            <a:endParaRPr lang="es-AR" sz="1600" b="1" dirty="0"/>
+          </a:p>
+          <a:p>
+            <a:pPr marL="285750" indent="-285750">
+              <a:buFont typeface="Arial" panose="020B0604020202020204" pitchFamily="34" charset="0"/>
+              <a:buChar char="•"/>
+            </a:pPr>
+            <a:r>
+              <a:rPr lang="es-AR" sz="1600" b="1" dirty="0"/>
+              <a:t>Objetivo</a:t>
+            </a:r>
+            <a:r>
+              <a:rPr lang="es-AR" sz="1600" dirty="0"/>
+              <a:t>: Crear pruebas unitarias para el </a:t>
+            </a:r>
+            <a:r>
+              <a:rPr lang="es-AR" sz="1600" dirty="0" err="1"/>
+              <a:t>frontend</a:t>
+            </a:r>
+            <a:r>
+              <a:rPr lang="es-AR" sz="1600" dirty="0"/>
+              <a:t> en </a:t>
+            </a:r>
+            <a:r>
+              <a:rPr lang="es-AR" sz="1600" b="1" dirty="0"/>
+              <a:t>Angular</a:t>
+            </a:r>
+            <a:r>
+              <a:rPr lang="es-AR" sz="1600" dirty="0"/>
+              <a:t> utilizando </a:t>
+            </a:r>
+            <a:r>
+              <a:rPr lang="es-AR" sz="1600" b="1" dirty="0"/>
+              <a:t>Jasmine</a:t>
+            </a:r>
+            <a:r>
+              <a:rPr lang="es-AR" sz="1600" dirty="0"/>
+              <a:t>.</a:t>
+            </a:r>
+          </a:p>
+          <a:p>
+            <a:pPr marL="285750" indent="-285750">
+              <a:buFont typeface="Arial" panose="020B0604020202020204" pitchFamily="34" charset="0"/>
+              <a:buChar char="•"/>
+            </a:pPr>
+            <a:r>
+              <a:rPr lang="es-AR" sz="1600" b="1" dirty="0"/>
+              <a:t>Desarrollo</a:t>
+            </a:r>
+            <a:r>
+              <a:rPr lang="es-AR" sz="1600" dirty="0"/>
+              <a:t>:</a:t>
+            </a:r>
+          </a:p>
+          <a:p>
+            <a:pPr marL="742950" lvl="1" indent="-285750">
+              <a:buFont typeface="Arial" panose="020B0604020202020204" pitchFamily="34" charset="0"/>
+              <a:buChar char="•"/>
+            </a:pPr>
+            <a:r>
+              <a:rPr lang="es-AR" sz="1600" dirty="0"/>
+              <a:t>Verificar la correcta funcionalidad de los componentes y las validaciones de nombres sin caracteres especiales.</a:t>
+            </a:r>
+          </a:p>
+          <a:p>
+            <a:pPr marL="742950" lvl="1" indent="-285750">
+              <a:buFont typeface="Arial" panose="020B0604020202020204" pitchFamily="34" charset="0"/>
+              <a:buChar char="•"/>
+            </a:pPr>
+            <a:r>
+              <a:rPr lang="es-AR" sz="1600" dirty="0" err="1"/>
+              <a:t>Mockear</a:t>
+            </a:r>
+            <a:r>
+              <a:rPr lang="es-AR" sz="1600" dirty="0"/>
+              <a:t> servicios HTTP usando </a:t>
+            </a:r>
+            <a:r>
+              <a:rPr lang="es-AR" sz="1600" b="1" dirty="0" err="1"/>
+              <a:t>HttpClientTestingModule</a:t>
+            </a:r>
+            <a:r>
+              <a:rPr lang="es-AR" sz="1600" dirty="0"/>
+              <a:t>.</a:t>
+            </a:r>
+          </a:p>
+          <a:p>
+            <a:pPr marL="742950" lvl="1" indent="-285750">
+              <a:buFont typeface="Arial" panose="020B0604020202020204" pitchFamily="34" charset="0"/>
+              <a:buChar char="•"/>
+            </a:pPr>
+            <a:r>
+              <a:rPr lang="es-AR" sz="1600" dirty="0"/>
+              <a:t>Probar que los componentes manejen correctamente los datos y visualicen errores en un </a:t>
+            </a:r>
+            <a:r>
+              <a:rPr lang="es-AR" sz="1600" dirty="0" err="1"/>
+              <a:t>toast</a:t>
+            </a:r>
+            <a:r>
+              <a:rPr lang="es-AR" sz="1600" dirty="0"/>
+              <a:t> antes de enviar datos a la API.</a:t>
+            </a:r>
+          </a:p>
+          <a:p>
+            <a:pPr marL="276606" indent="-285750">
+              <a:buFont typeface="Arial" panose="020B0604020202020204" pitchFamily="34" charset="0"/>
+              <a:buChar char="•"/>
+            </a:pPr>
+            <a:r>
+              <a:rPr lang="es-AR" sz="1600" b="1" dirty="0"/>
+              <a:t>Resultado esperado</a:t>
+            </a:r>
+            <a:r>
+              <a:rPr lang="es-AR" sz="1600" dirty="0"/>
+              <a:t>: Las validaciones del </a:t>
+            </a:r>
+            <a:r>
+              <a:rPr lang="es-AR" sz="1600" dirty="0" err="1"/>
+              <a:t>frontend</a:t>
+            </a:r>
+            <a:r>
+              <a:rPr lang="es-AR" sz="1600" dirty="0"/>
+              <a:t> funcionen correctamente antes de interactuar con la API.</a:t>
+            </a:r>
+          </a:p>
+        </p:txBody>
+      </p:sp>
+    </p:spTree>
+    <p:extLst>
+      <p:ext uri="{BB962C8B-B14F-4D97-AF65-F5344CB8AC3E}">
+        <p14:creationId xmlns:p14="http://schemas.microsoft.com/office/powerpoint/2010/main" val="2855033522"/>
+      </p:ext>
+    </p:extLst>
+  </p:cSld>
+  <p:clrMapOvr>
+    <a:masterClrMapping/>
+  </p:clrMapOvr>
+  <mc:AlternateContent xmlns:mc="http://schemas.openxmlformats.org/markup-compatibility/2006" xmlns:p14="http://schemas.microsoft.com/office/powerpoint/2010/main">
+    <mc:Choice Requires="p14">
+      <p:transition spd="med" p14:dur="700">
+        <p:fade/>
+      </p:transition>
+    </mc:Choice>
+    <mc:Fallback xmlns="">
+      <p:transition spd="med">
+        <p:fade/>
+      </p:transition>
+    </mc:Fallback>
+  </mc:AlternateContent>
+</p:sld>
+</file>
+
+<file path=ppt/slides/slide15.xml><?xml version="1.0" encoding="utf-8"?>
+<p:sld xmlns:a="http://schemas.openxmlformats.org/drawingml/2006/main" xmlns:r="http://schemas.openxmlformats.org/officeDocument/2006/relationships" xmlns:p="http://schemas.openxmlformats.org/presentationml/2006/main" showMasterSp="0">
+  <p:cSld>
+    <p:spTree>
+      <p:nvGrpSpPr>
+        <p:cNvPr id="1" name=""/>
+        <p:cNvGrpSpPr/>
+        <p:nvPr/>
+      </p:nvGrpSpPr>
+      <p:grpSpPr>
+        <a:xfrm>
+          <a:off x="0" y="0"/>
+          <a:ext cx="0" cy="0"/>
+          <a:chOff x="0" y="0"/>
+          <a:chExt cx="0" cy="0"/>
+        </a:xfrm>
+      </p:grpSpPr>
+      <p:sp>
+        <p:nvSpPr>
+          <p:cNvPr id="4" name="Title 3">
+            <a:extLst>
+              <a:ext uri="{FF2B5EF4-FFF2-40B4-BE49-F238E27FC236}">
+                <a16:creationId xmlns:a16="http://schemas.microsoft.com/office/drawing/2014/main" id="{DA6A65AD-43AA-423E-8D08-19A36B5745EF}"/>
+              </a:ext>
+            </a:extLst>
+          </p:cNvPr>
+          <p:cNvSpPr>
+            <a:spLocks noGrp="1"/>
+          </p:cNvSpPr>
+          <p:nvPr>
+            <p:ph type="title"/>
+          </p:nvPr>
+        </p:nvSpPr>
+        <p:spPr>
+          <a:xfrm>
+            <a:off x="434974" y="227014"/>
+            <a:ext cx="11802421" cy="754061"/>
+          </a:xfrm>
+        </p:spPr>
+        <p:txBody>
+          <a:bodyPr/>
+          <a:lstStyle/>
+          <a:p>
+            <a:r>
+              <a:rPr lang="es-AR" dirty="0"/>
+              <a:t>Espacio para preguntas, dudas y consultas</a:t>
+            </a:r>
+            <a:endParaRPr lang="en-US" dirty="0">
+              <a:solidFill>
+                <a:srgbClr val="2C65E1"/>
+              </a:solidFill>
+            </a:endParaRPr>
+          </a:p>
+        </p:txBody>
+      </p:sp>
+      <p:pic>
+        <p:nvPicPr>
+          <p:cNvPr id="24" name="Imagen 23">
+            <a:extLst>
+              <a:ext uri="{FF2B5EF4-FFF2-40B4-BE49-F238E27FC236}">
+                <a16:creationId xmlns:a16="http://schemas.microsoft.com/office/drawing/2014/main" id="{6380FFF8-722E-A863-F0A5-558D5BC3638A}"/>
+              </a:ext>
+            </a:extLst>
+          </p:cNvPr>
+          <p:cNvPicPr>
+            <a:picLocks noChangeAspect="1"/>
+          </p:cNvPicPr>
+          <p:nvPr/>
+        </p:nvPicPr>
+        <p:blipFill>
+          <a:blip r:embed="rId3">
+            <a:extLst>
+              <a:ext uri="{28A0092B-C50C-407E-A947-70E740481C1C}">
+                <a14:useLocalDpi xmlns:a14="http://schemas.microsoft.com/office/drawing/2010/main" val="0"/>
+              </a:ext>
+              <a:ext uri="{837473B0-CC2E-450A-ABE3-18F120FF3D39}">
+                <a1611:picAttrSrcUrl xmlns:a1611="http://schemas.microsoft.com/office/drawing/2016/11/main" r:id="rId4"/>
+              </a:ext>
+            </a:extLst>
+          </a:blip>
+          <a:srcRect/>
+          <a:stretch/>
+        </p:blipFill>
+        <p:spPr>
+          <a:xfrm>
+            <a:off x="3836785" y="1910896"/>
+            <a:ext cx="4762904" cy="3172732"/>
+          </a:xfrm>
+          <a:prstGeom prst="rect">
+            <a:avLst/>
+          </a:prstGeom>
+        </p:spPr>
+      </p:pic>
+    </p:spTree>
+    <p:extLst>
+      <p:ext uri="{BB962C8B-B14F-4D97-AF65-F5344CB8AC3E}">
+        <p14:creationId xmlns:p14="http://schemas.microsoft.com/office/powerpoint/2010/main" val="2961903864"/>
+      </p:ext>
+    </p:extLst>
+  </p:cSld>
+  <p:clrMapOvr>
+    <a:masterClrMapping/>
+  </p:clrMapOvr>
+  <mc:AlternateContent xmlns:mc="http://schemas.openxmlformats.org/markup-compatibility/2006" xmlns:p14="http://schemas.microsoft.com/office/powerpoint/2010/main">
+    <mc:Choice Requires="p14">
+      <p:transition spd="med" p14:dur="700">
+        <p:fade/>
+      </p:transition>
+    </mc:Choice>
+    <mc:Fallback xmlns="">
+      <p:transition spd="med">
+        <p:fade/>
+      </p:transition>
+    </mc:Fallback>
+  </mc:AlternateContent>
+</p:sld>
+</file>
+
+<file path=ppt/slides/slide16.xml><?xml version="1.0" encoding="utf-8"?>
 <p:sld xmlns:a="http://schemas.openxmlformats.org/drawingml/2006/main" xmlns:r="http://schemas.openxmlformats.org/officeDocument/2006/relationships" xmlns:p="http://schemas.openxmlformats.org/presentationml/2006/main" showMasterSp="0">
   <p:cSld>
     <p:bg>
@@ -24392,7 +25120,7 @@
 </p:sld>
 </file>
 
-<file path=ppt/slides/slide14.xml><?xml version="1.0" encoding="utf-8"?>
+<file path=ppt/slides/slide17.xml><?xml version="1.0" encoding="utf-8"?>
 <p:sld xmlns:a="http://schemas.openxmlformats.org/drawingml/2006/main" xmlns:r="http://schemas.openxmlformats.org/officeDocument/2006/relationships" xmlns:p="http://schemas.openxmlformats.org/presentationml/2006/main" showMasterSp="0">
   <p:cSld>
     <p:bg>
@@ -25049,7 +25777,7 @@
 </p:sld>
 </file>
 
-<file path=ppt/slides/slide15.xml><?xml version="1.0" encoding="utf-8"?>
+<file path=ppt/slides/slide18.xml><?xml version="1.0" encoding="utf-8"?>
 <p:sld xmlns:a="http://schemas.openxmlformats.org/drawingml/2006/main" xmlns:r="http://schemas.openxmlformats.org/officeDocument/2006/relationships" xmlns:p="http://schemas.openxmlformats.org/presentationml/2006/main" showMasterSp="0">
   <p:cSld>
     <p:bg>
@@ -25475,2049 +26203,6 @@
     <p:extLst>
       <p:ext uri="{BB962C8B-B14F-4D97-AF65-F5344CB8AC3E}">
         <p14:creationId xmlns:p14="http://schemas.microsoft.com/office/powerpoint/2010/main" val="4242909306"/>
-      </p:ext>
-    </p:extLst>
-  </p:cSld>
-  <p:clrMapOvr>
-    <a:masterClrMapping/>
-  </p:clrMapOvr>
-  <p:transition>
-    <p:fade/>
-  </p:transition>
-  <p:timing>
-    <p:tnLst>
-      <p:par>
-        <p:cTn id="1" dur="indefinite" restart="never" nodeType="tmRoot">
-          <p:childTnLst>
-            <p:seq concurrent="1" nextAc="seek">
-              <p:cTn id="2" dur="indefinite" nodeType="mainSeq">
-                <p:childTnLst>
-                  <p:par>
-                    <p:cTn id="3" fill="hold">
-                      <p:stCondLst>
-                        <p:cond delay="indefinite"/>
-                      </p:stCondLst>
-                      <p:childTnLst>
-                        <p:par>
-                          <p:cTn id="4" fill="hold">
-                            <p:stCondLst>
-                              <p:cond delay="0"/>
-                            </p:stCondLst>
-                            <p:childTnLst>
-                              <p:par>
-                                <p:cTn id="5" presetID="26" presetClass="emph" presetSubtype="0" fill="hold" grpId="0" nodeType="clickEffect">
-                                  <p:stCondLst>
-                                    <p:cond delay="0"/>
-                                  </p:stCondLst>
-                                  <p:childTnLst>
-                                    <p:animEffect transition="out" filter="fade">
-                                      <p:cBhvr>
-                                        <p:cTn id="6" dur="50" tmFilter="0, 0; .2, .5; .8, .5; 1, 0"/>
-                                        <p:tgtEl>
-                                          <p:spTgt spid="6"/>
-                                        </p:tgtEl>
-                                      </p:cBhvr>
-                                    </p:animEffect>
-                                    <p:animScale>
-                                      <p:cBhvr>
-                                        <p:cTn id="7" dur="25" autoRev="1" fill="hold"/>
-                                        <p:tgtEl>
-                                          <p:spTgt spid="6"/>
-                                        </p:tgtEl>
-                                      </p:cBhvr>
-                                      <p:by x="105000" y="105000"/>
-                                    </p:animScale>
-                                  </p:childTnLst>
-                                </p:cTn>
-                              </p:par>
-                            </p:childTnLst>
-                          </p:cTn>
-                        </p:par>
-                      </p:childTnLst>
-                    </p:cTn>
-                  </p:par>
-                  <p:par>
-                    <p:cTn id="8" fill="hold">
-                      <p:stCondLst>
-                        <p:cond delay="indefinite"/>
-                      </p:stCondLst>
-                      <p:childTnLst>
-                        <p:par>
-                          <p:cTn id="9" fill="hold">
-                            <p:stCondLst>
-                              <p:cond delay="0"/>
-                            </p:stCondLst>
-                            <p:childTnLst>
-                              <p:par>
-                                <p:cTn id="10" presetID="26" presetClass="emph" presetSubtype="0" fill="hold" grpId="1" nodeType="clickEffect">
-                                  <p:stCondLst>
-                                    <p:cond delay="0"/>
-                                  </p:stCondLst>
-                                  <p:childTnLst>
-                                    <p:animEffect transition="out" filter="fade">
-                                      <p:cBhvr>
-                                        <p:cTn id="11" dur="50" tmFilter="0, 0; .2, .5; .8, .5; 1, 0"/>
-                                        <p:tgtEl>
-                                          <p:spTgt spid="6"/>
-                                        </p:tgtEl>
-                                      </p:cBhvr>
-                                    </p:animEffect>
-                                    <p:animScale>
-                                      <p:cBhvr>
-                                        <p:cTn id="12" dur="25" autoRev="1" fill="hold"/>
-                                        <p:tgtEl>
-                                          <p:spTgt spid="6"/>
-                                        </p:tgtEl>
-                                      </p:cBhvr>
-                                      <p:by x="105000" y="105000"/>
-                                    </p:animScale>
-                                  </p:childTnLst>
-                                </p:cTn>
-                              </p:par>
-                            </p:childTnLst>
-                          </p:cTn>
-                        </p:par>
-                      </p:childTnLst>
-                    </p:cTn>
-                  </p:par>
-                  <p:par>
-                    <p:cTn id="13" fill="hold">
-                      <p:stCondLst>
-                        <p:cond delay="indefinite"/>
-                      </p:stCondLst>
-                      <p:childTnLst>
-                        <p:par>
-                          <p:cTn id="14" fill="hold">
-                            <p:stCondLst>
-                              <p:cond delay="0"/>
-                            </p:stCondLst>
-                            <p:childTnLst>
-                              <p:par>
-                                <p:cTn id="15" presetID="26" presetClass="emph" presetSubtype="0" fill="hold" grpId="2" nodeType="clickEffect">
-                                  <p:stCondLst>
-                                    <p:cond delay="0"/>
-                                  </p:stCondLst>
-                                  <p:childTnLst>
-                                    <p:animEffect transition="out" filter="fade">
-                                      <p:cBhvr>
-                                        <p:cTn id="16" dur="50" tmFilter="0, 0; .2, .5; .8, .5; 1, 0"/>
-                                        <p:tgtEl>
-                                          <p:spTgt spid="6"/>
-                                        </p:tgtEl>
-                                      </p:cBhvr>
-                                    </p:animEffect>
-                                    <p:animScale>
-                                      <p:cBhvr>
-                                        <p:cTn id="17" dur="25" autoRev="1" fill="hold"/>
-                                        <p:tgtEl>
-                                          <p:spTgt spid="6"/>
-                                        </p:tgtEl>
-                                      </p:cBhvr>
-                                      <p:by x="105000" y="105000"/>
-                                    </p:animScale>
-                                  </p:childTnLst>
-                                </p:cTn>
-                              </p:par>
-                            </p:childTnLst>
-                          </p:cTn>
-                        </p:par>
-                      </p:childTnLst>
-                    </p:cTn>
-                  </p:par>
-                </p:childTnLst>
-              </p:cTn>
-              <p:prevCondLst>
-                <p:cond evt="onPrev" delay="0">
-                  <p:tgtEl>
-                    <p:sldTgt/>
-                  </p:tgtEl>
-                </p:cond>
-              </p:prevCondLst>
-              <p:nextCondLst>
-                <p:cond evt="onNext" delay="0">
-                  <p:tgtEl>
-                    <p:sldTgt/>
-                  </p:tgtEl>
-                </p:cond>
-              </p:nextCondLst>
-            </p:seq>
-          </p:childTnLst>
-        </p:cTn>
-      </p:par>
-    </p:tnLst>
-    <p:bldLst>
-      <p:bldP spid="6" grpId="0"/>
-      <p:bldP spid="6" grpId="1"/>
-      <p:bldP spid="6" grpId="2"/>
-    </p:bldLst>
-  </p:timing>
-</p:sld>
-</file>
-
-<file path=ppt/slides/slide16.xml><?xml version="1.0" encoding="utf-8"?>
-<p:sld xmlns:a="http://schemas.openxmlformats.org/drawingml/2006/main" xmlns:r="http://schemas.openxmlformats.org/officeDocument/2006/relationships" xmlns:p="http://schemas.openxmlformats.org/presentationml/2006/main" showMasterSp="0">
-  <p:cSld>
-    <p:bg>
-      <p:bgPr>
-        <a:solidFill>
-          <a:srgbClr val="FFFFFF"/>
-        </a:solidFill>
-        <a:effectLst/>
-      </p:bgPr>
-    </p:bg>
-    <p:spTree>
-      <p:nvGrpSpPr>
-        <p:cNvPr id="1" name=""/>
-        <p:cNvGrpSpPr/>
-        <p:nvPr/>
-      </p:nvGrpSpPr>
-      <p:grpSpPr>
-        <a:xfrm>
-          <a:off x="0" y="0"/>
-          <a:ext cx="0" cy="0"/>
-          <a:chOff x="0" y="0"/>
-          <a:chExt cx="0" cy="0"/>
-        </a:xfrm>
-      </p:grpSpPr>
-      <p:pic>
-        <p:nvPicPr>
-          <p:cNvPr id="3" name="Gráfico 2">
-            <a:extLst>
-              <a:ext uri="{FF2B5EF4-FFF2-40B4-BE49-F238E27FC236}">
-                <a16:creationId xmlns:a16="http://schemas.microsoft.com/office/drawing/2014/main" id="{7DF09267-F825-549B-54A9-6714F711CF0D}"/>
-              </a:ext>
-            </a:extLst>
-          </p:cNvPr>
-          <p:cNvPicPr>
-            <a:picLocks/>
-          </p:cNvPicPr>
-          <p:nvPr>
-            <p:custDataLst>
-              <p:tags r:id="rId2"/>
-            </p:custDataLst>
-          </p:nvPr>
-        </p:nvPicPr>
-        <p:blipFill>
-          <a:blip r:embed="rId9">
-            <a:extLst>
-              <a:ext uri="{96DAC541-7B7A-43D3-8B79-37D633B846F1}">
-                <asvg:svgBlip xmlns:asvg="http://schemas.microsoft.com/office/drawing/2016/SVG/main" r:embed="rId10"/>
-              </a:ext>
-            </a:extLst>
-          </a:blip>
-          <a:stretch>
-            <a:fillRect/>
-          </a:stretch>
-        </p:blipFill>
-        <p:spPr>
-          <a:xfrm>
-            <a:off x="3979672" y="629507"/>
-            <a:ext cx="1057100" cy="528550"/>
-          </a:xfrm>
-          <a:prstGeom prst="rect">
-            <a:avLst/>
-          </a:prstGeom>
-        </p:spPr>
-      </p:pic>
-      <p:pic>
-        <p:nvPicPr>
-          <p:cNvPr id="5" name="Gráfico 4">
-            <a:extLst>
-              <a:ext uri="{FF2B5EF4-FFF2-40B4-BE49-F238E27FC236}">
-                <a16:creationId xmlns:a16="http://schemas.microsoft.com/office/drawing/2014/main" id="{1A066EC6-7344-D77D-715F-5CF94D2B3154}"/>
-              </a:ext>
-            </a:extLst>
-          </p:cNvPr>
-          <p:cNvPicPr>
-            <a:picLocks/>
-          </p:cNvPicPr>
-          <p:nvPr>
-            <p:custDataLst>
-              <p:tags r:id="rId3"/>
-            </p:custDataLst>
-          </p:nvPr>
-        </p:nvPicPr>
-        <p:blipFill>
-          <a:blip r:embed="rId11">
-            <a:extLst>
-              <a:ext uri="{96DAC541-7B7A-43D3-8B79-37D633B846F1}">
-                <asvg:svgBlip xmlns:asvg="http://schemas.microsoft.com/office/drawing/2016/SVG/main" r:embed="rId12"/>
-              </a:ext>
-            </a:extLst>
-          </a:blip>
-          <a:stretch>
-            <a:fillRect/>
-          </a:stretch>
-        </p:blipFill>
-        <p:spPr>
-          <a:xfrm>
-            <a:off x="1181465" y="2315797"/>
-            <a:ext cx="2362930" cy="2362930"/>
-          </a:xfrm>
-          <a:prstGeom prst="rect">
-            <a:avLst/>
-          </a:prstGeom>
-        </p:spPr>
-      </p:pic>
-      <p:sp>
-        <p:nvSpPr>
-          <p:cNvPr id="6" name="Rectángulo 5">
-            <a:extLst>
-              <a:ext uri="{FF2B5EF4-FFF2-40B4-BE49-F238E27FC236}">
-                <a16:creationId xmlns:a16="http://schemas.microsoft.com/office/drawing/2014/main" id="{CE1F7B41-A6A2-9A34-9E72-88FC59425E97}"/>
-              </a:ext>
-            </a:extLst>
-          </p:cNvPr>
-          <p:cNvSpPr/>
-          <p:nvPr>
-            <p:custDataLst>
-              <p:tags r:id="rId4"/>
-            </p:custDataLst>
-          </p:nvPr>
-        </p:nvSpPr>
-        <p:spPr bwMode="auto">
-          <a:xfrm>
-            <a:off x="3979672" y="2622947"/>
-            <a:ext cx="7461885" cy="1748631"/>
-          </a:xfrm>
-          <a:prstGeom prst="rect">
-            <a:avLst/>
-          </a:prstGeom>
-          <a:noFill/>
-          <a:ln>
-            <a:noFill/>
-            <a:headEnd type="none" w="med" len="med"/>
-            <a:tailEnd type="none" w="med" len="med"/>
-          </a:ln>
-          <a:effectLst/>
-          <a:extLst>
-            <a:ext uri="{909E8E84-426E-40DD-AFC4-6F175D3DCCD1}">
-              <a14:hiddenFill xmlns:a14="http://schemas.microsoft.com/office/drawing/2010/main">
-                <a:solidFill>
-                  <a:schemeClr val="accent1"/>
-                </a:solidFill>
-              </a14:hiddenFill>
-            </a:ext>
-          </a:extLst>
-        </p:spPr>
-        <p:style>
-          <a:lnRef idx="1">
-            <a:schemeClr val="accent2"/>
-          </a:lnRef>
-          <a:fillRef idx="3">
-            <a:schemeClr val="accent2"/>
-          </a:fillRef>
-          <a:effectRef idx="2">
-            <a:schemeClr val="accent2"/>
-          </a:effectRef>
-          <a:fontRef idx="minor">
-            <a:schemeClr val="lt1"/>
-          </a:fontRef>
-        </p:style>
-        <p:txBody>
-          <a:bodyPr rot="0" spcFirstLastPara="0" vertOverflow="overflow" horzOverflow="overflow" vert="horz" wrap="square" lIns="182880" tIns="146304" rIns="182880" bIns="146304" numCol="1" spcCol="0" rtlCol="0" fromWordArt="0" anchor="t" anchorCtr="0" forceAA="0" compatLnSpc="1">
-            <a:prstTxWarp prst="textNoShape">
-              <a:avLst/>
-            </a:prstTxWarp>
-            <a:noAutofit/>
-          </a:bodyPr>
-          <a:lstStyle/>
-          <a:p>
-            <a:pPr defTabSz="932472" fontAlgn="base">
-              <a:lnSpc>
-                <a:spcPct val="90000"/>
-              </a:lnSpc>
-              <a:spcBef>
-                <a:spcPct val="0"/>
-              </a:spcBef>
-              <a:spcAft>
-                <a:spcPct val="0"/>
-              </a:spcAft>
-            </a:pPr>
-            <a:r>
-              <a:rPr lang="es-AR" sz="3600" b="1" dirty="0">
-                <a:solidFill>
-                  <a:schemeClr val="tx1"/>
-                </a:solidFill>
-                <a:ea typeface="Segoe UI" pitchFamily="34" charset="0"/>
-                <a:cs typeface="Segoe UI" pitchFamily="34" charset="0"/>
-              </a:rPr>
-              <a:t>¿Qué patrón se sigue generalmente en una prueba unitaria?</a:t>
-            </a:r>
-          </a:p>
-        </p:txBody>
-      </p:sp>
-      <p:sp>
-        <p:nvSpPr>
-          <p:cNvPr id="7" name="Rectángulo redondeado 6">
-            <a:extLst>
-              <a:ext uri="{FF2B5EF4-FFF2-40B4-BE49-F238E27FC236}">
-                <a16:creationId xmlns:a16="http://schemas.microsoft.com/office/drawing/2014/main" id="{7E85F4F1-F204-54C9-5B20-12934207D9EB}"/>
-              </a:ext>
-            </a:extLst>
-          </p:cNvPr>
-          <p:cNvSpPr/>
-          <p:nvPr>
-            <p:custDataLst>
-              <p:tags r:id="rId5"/>
-            </p:custDataLst>
-          </p:nvPr>
-        </p:nvSpPr>
-        <p:spPr bwMode="auto">
-          <a:xfrm>
-            <a:off x="6408738" y="439138"/>
-            <a:ext cx="5646737" cy="909288"/>
-          </a:xfrm>
-          <a:prstGeom prst="roundRect">
-            <a:avLst/>
-          </a:prstGeom>
-          <a:solidFill>
-            <a:srgbClr val="F4F4F4"/>
-          </a:solidFill>
-          <a:ln>
-            <a:noFill/>
-            <a:headEnd type="none" w="med" len="med"/>
-            <a:tailEnd type="none" w="med" len="med"/>
-          </a:ln>
-          <a:effectLst/>
-        </p:spPr>
-        <p:style>
-          <a:lnRef idx="1">
-            <a:schemeClr val="accent2"/>
-          </a:lnRef>
-          <a:fillRef idx="3">
-            <a:schemeClr val="accent2"/>
-          </a:fillRef>
-          <a:effectRef idx="2">
-            <a:schemeClr val="accent2"/>
-          </a:effectRef>
-          <a:fontRef idx="minor">
-            <a:schemeClr val="lt1"/>
-          </a:fontRef>
-        </p:style>
-        <p:txBody>
-          <a:bodyPr rot="0" spcFirstLastPara="0" vertOverflow="overflow" horzOverflow="overflow" vert="horz" wrap="square" lIns="317500" tIns="146304" rIns="1143000" bIns="146304" numCol="1" spcCol="0" rtlCol="0" fromWordArt="0" anchor="t" anchorCtr="0" forceAA="0" compatLnSpc="1">
-            <a:prstTxWarp prst="textNoShape">
-              <a:avLst/>
-            </a:prstTxWarp>
-            <a:normAutofit lnSpcReduction="10000"/>
-          </a:bodyPr>
-          <a:lstStyle/>
-          <a:p>
-            <a:pPr defTabSz="932472" fontAlgn="base">
-              <a:lnSpc>
-                <a:spcPct val="90000"/>
-              </a:lnSpc>
-              <a:spcBef>
-                <a:spcPct val="0"/>
-              </a:spcBef>
-              <a:spcAft>
-                <a:spcPct val="0"/>
-              </a:spcAft>
-            </a:pPr>
-            <a:r>
-              <a:rPr lang="es-AR" sz="2000">
-                <a:solidFill>
-                  <a:schemeClr val="tx1"/>
-                </a:solidFill>
-                <a:ea typeface="Segoe UI" pitchFamily="34" charset="0"/>
-                <a:cs typeface="Segoe UI" pitchFamily="34" charset="0"/>
-              </a:rPr>
-              <a:t>Please download and install the Slido app on all computers you use</a:t>
-            </a:r>
-            <a:endParaRPr lang="es-AR" sz="2000" dirty="0" err="1">
-              <a:solidFill>
-                <a:schemeClr val="tx1"/>
-              </a:solidFill>
-              <a:ea typeface="Segoe UI" pitchFamily="34" charset="0"/>
-              <a:cs typeface="Segoe UI" pitchFamily="34" charset="0"/>
-            </a:endParaRPr>
-          </a:p>
-        </p:txBody>
-      </p:sp>
-      <p:pic>
-        <p:nvPicPr>
-          <p:cNvPr id="9" name="Gráfico 8">
-            <a:extLst>
-              <a:ext uri="{FF2B5EF4-FFF2-40B4-BE49-F238E27FC236}">
-                <a16:creationId xmlns:a16="http://schemas.microsoft.com/office/drawing/2014/main" id="{921E960A-2605-D11F-E6A0-173E4795BB46}"/>
-              </a:ext>
-            </a:extLst>
-          </p:cNvPr>
-          <p:cNvPicPr>
-            <a:picLocks/>
-          </p:cNvPicPr>
-          <p:nvPr>
-            <p:custDataLst>
-              <p:tags r:id="rId6"/>
-            </p:custDataLst>
-          </p:nvPr>
-        </p:nvPicPr>
-        <p:blipFill>
-          <a:blip r:embed="rId13">
-            <a:extLst>
-              <a:ext uri="{96DAC541-7B7A-43D3-8B79-37D633B846F1}">
-                <asvg:svgBlip xmlns:asvg="http://schemas.microsoft.com/office/drawing/2016/SVG/main" r:embed="rId14"/>
-              </a:ext>
-            </a:extLst>
-          </a:blip>
-          <a:stretch>
-            <a:fillRect/>
-          </a:stretch>
-        </p:blipFill>
-        <p:spPr>
-          <a:xfrm>
-            <a:off x="11054708" y="589171"/>
-            <a:ext cx="609223" cy="609223"/>
-          </a:xfrm>
-          <a:prstGeom prst="rect">
-            <a:avLst/>
-          </a:prstGeom>
-        </p:spPr>
-      </p:pic>
-      <p:sp>
-        <p:nvSpPr>
-          <p:cNvPr id="10" name="Rectángulo 9">
-            <a:extLst>
-              <a:ext uri="{FF2B5EF4-FFF2-40B4-BE49-F238E27FC236}">
-                <a16:creationId xmlns:a16="http://schemas.microsoft.com/office/drawing/2014/main" id="{2EEAADF3-0428-B235-854C-70954954EAD5}"/>
-              </a:ext>
-            </a:extLst>
-          </p:cNvPr>
-          <p:cNvSpPr/>
-          <p:nvPr>
-            <p:custDataLst>
-              <p:tags r:id="rId7"/>
-            </p:custDataLst>
-          </p:nvPr>
-        </p:nvSpPr>
-        <p:spPr bwMode="auto">
-          <a:xfrm>
-            <a:off x="3979672" y="6169025"/>
-            <a:ext cx="7461885" cy="528550"/>
-          </a:xfrm>
-          <a:prstGeom prst="rect">
-            <a:avLst/>
-          </a:prstGeom>
-          <a:solidFill>
-            <a:srgbClr val="FFFFFF"/>
-          </a:solidFill>
-          <a:ln>
-            <a:noFill/>
-            <a:headEnd type="none" w="med" len="med"/>
-            <a:tailEnd type="none" w="med" len="med"/>
-          </a:ln>
-          <a:effectLst/>
-        </p:spPr>
-        <p:style>
-          <a:lnRef idx="1">
-            <a:schemeClr val="accent2"/>
-          </a:lnRef>
-          <a:fillRef idx="3">
-            <a:schemeClr val="accent2"/>
-          </a:fillRef>
-          <a:effectRef idx="2">
-            <a:schemeClr val="accent2"/>
-          </a:effectRef>
-          <a:fontRef idx="minor">
-            <a:schemeClr val="lt1"/>
-          </a:fontRef>
-        </p:style>
-        <p:txBody>
-          <a:bodyPr rot="0" spcFirstLastPara="0" vertOverflow="overflow" horzOverflow="overflow" vert="horz" wrap="square" lIns="182880" tIns="146304" rIns="182880" bIns="146304" numCol="1" spcCol="0" rtlCol="0" fromWordArt="0" anchor="t" anchorCtr="0" forceAA="0" compatLnSpc="1">
-            <a:prstTxWarp prst="textNoShape">
-              <a:avLst/>
-            </a:prstTxWarp>
-            <a:normAutofit fontScale="92500" lnSpcReduction="20000"/>
-          </a:bodyPr>
-          <a:lstStyle/>
-          <a:p>
-            <a:pPr defTabSz="932472" fontAlgn="base">
-              <a:lnSpc>
-                <a:spcPct val="90000"/>
-              </a:lnSpc>
-              <a:spcBef>
-                <a:spcPct val="0"/>
-              </a:spcBef>
-              <a:spcAft>
-                <a:spcPct val="0"/>
-              </a:spcAft>
-            </a:pPr>
-            <a:r>
-              <a:rPr lang="es-AR" sz="2200" b="1">
-                <a:gradFill flip="none" rotWithShape="1">
-                  <a:gsLst>
-                    <a:gs pos="0">
-                      <a:srgbClr val="5B5B5B"/>
-                    </a:gs>
-                    <a:gs pos="100000">
-                      <a:srgbClr val="FFFFFF"/>
-                    </a:gs>
-                  </a:gsLst>
-                  <a:lin ang="5400000" scaled="0"/>
-                  <a:tileRect/>
-                </a:gradFill>
-                <a:ea typeface="Segoe UI" pitchFamily="34" charset="0"/>
-                <a:cs typeface="Segoe UI" pitchFamily="34" charset="0"/>
-              </a:rPr>
-              <a:t>ⓘ</a:t>
-            </a:r>
-            <a:r>
-              <a:rPr lang="es-AR" sz="2000">
-                <a:gradFill flip="none" rotWithShape="1">
-                  <a:gsLst>
-                    <a:gs pos="0">
-                      <a:srgbClr val="5B5B5B"/>
-                    </a:gs>
-                    <a:gs pos="100000">
-                      <a:srgbClr val="FFFFFF"/>
-                    </a:gs>
-                  </a:gsLst>
-                  <a:lin ang="5400000" scaled="0"/>
-                  <a:tileRect/>
-                </a:gradFill>
-                <a:ea typeface="Segoe UI" pitchFamily="34" charset="0"/>
-                <a:cs typeface="Segoe UI" pitchFamily="34" charset="0"/>
-              </a:rPr>
-              <a:t> Start presenting to display the poll results on this slide.</a:t>
-            </a:r>
-            <a:endParaRPr lang="es-AR" sz="2000" dirty="0" err="1">
-              <a:gradFill flip="none" rotWithShape="1">
-                <a:gsLst>
-                  <a:gs pos="0">
-                    <a:srgbClr val="5B5B5B"/>
-                  </a:gs>
-                  <a:gs pos="100000">
-                    <a:srgbClr val="FFFFFF"/>
-                  </a:gs>
-                </a:gsLst>
-                <a:lin ang="5400000" scaled="0"/>
-                <a:tileRect/>
-              </a:gradFill>
-              <a:ea typeface="Segoe UI" pitchFamily="34" charset="0"/>
-              <a:cs typeface="Segoe UI" pitchFamily="34" charset="0"/>
-            </a:endParaRPr>
-          </a:p>
-        </p:txBody>
-      </p:sp>
-    </p:spTree>
-    <p:custDataLst>
-      <p:tags r:id="rId1"/>
-    </p:custDataLst>
-    <p:extLst>
-      <p:ext uri="{BB962C8B-B14F-4D97-AF65-F5344CB8AC3E}">
-        <p14:creationId xmlns:p14="http://schemas.microsoft.com/office/powerpoint/2010/main" val="2965543256"/>
-      </p:ext>
-    </p:extLst>
-  </p:cSld>
-  <p:clrMapOvr>
-    <a:masterClrMapping/>
-  </p:clrMapOvr>
-  <p:transition>
-    <p:fade/>
-  </p:transition>
-  <p:timing>
-    <p:tnLst>
-      <p:par>
-        <p:cTn id="1" dur="indefinite" restart="never" nodeType="tmRoot">
-          <p:childTnLst>
-            <p:seq concurrent="1" nextAc="seek">
-              <p:cTn id="2" dur="indefinite" nodeType="mainSeq">
-                <p:childTnLst>
-                  <p:par>
-                    <p:cTn id="3" fill="hold">
-                      <p:stCondLst>
-                        <p:cond delay="indefinite"/>
-                      </p:stCondLst>
-                      <p:childTnLst>
-                        <p:par>
-                          <p:cTn id="4" fill="hold">
-                            <p:stCondLst>
-                              <p:cond delay="0"/>
-                            </p:stCondLst>
-                            <p:childTnLst>
-                              <p:par>
-                                <p:cTn id="5" presetID="26" presetClass="emph" presetSubtype="0" fill="hold" grpId="0" nodeType="clickEffect">
-                                  <p:stCondLst>
-                                    <p:cond delay="0"/>
-                                  </p:stCondLst>
-                                  <p:childTnLst>
-                                    <p:animEffect transition="out" filter="fade">
-                                      <p:cBhvr>
-                                        <p:cTn id="6" dur="50" tmFilter="0, 0; .2, .5; .8, .5; 1, 0"/>
-                                        <p:tgtEl>
-                                          <p:spTgt spid="6"/>
-                                        </p:tgtEl>
-                                      </p:cBhvr>
-                                    </p:animEffect>
-                                    <p:animScale>
-                                      <p:cBhvr>
-                                        <p:cTn id="7" dur="25" autoRev="1" fill="hold"/>
-                                        <p:tgtEl>
-                                          <p:spTgt spid="6"/>
-                                        </p:tgtEl>
-                                      </p:cBhvr>
-                                      <p:by x="105000" y="105000"/>
-                                    </p:animScale>
-                                  </p:childTnLst>
-                                </p:cTn>
-                              </p:par>
-                            </p:childTnLst>
-                          </p:cTn>
-                        </p:par>
-                      </p:childTnLst>
-                    </p:cTn>
-                  </p:par>
-                  <p:par>
-                    <p:cTn id="8" fill="hold">
-                      <p:stCondLst>
-                        <p:cond delay="indefinite"/>
-                      </p:stCondLst>
-                      <p:childTnLst>
-                        <p:par>
-                          <p:cTn id="9" fill="hold">
-                            <p:stCondLst>
-                              <p:cond delay="0"/>
-                            </p:stCondLst>
-                            <p:childTnLst>
-                              <p:par>
-                                <p:cTn id="10" presetID="26" presetClass="emph" presetSubtype="0" fill="hold" grpId="1" nodeType="clickEffect">
-                                  <p:stCondLst>
-                                    <p:cond delay="0"/>
-                                  </p:stCondLst>
-                                  <p:childTnLst>
-                                    <p:animEffect transition="out" filter="fade">
-                                      <p:cBhvr>
-                                        <p:cTn id="11" dur="50" tmFilter="0, 0; .2, .5; .8, .5; 1, 0"/>
-                                        <p:tgtEl>
-                                          <p:spTgt spid="6"/>
-                                        </p:tgtEl>
-                                      </p:cBhvr>
-                                    </p:animEffect>
-                                    <p:animScale>
-                                      <p:cBhvr>
-                                        <p:cTn id="12" dur="25" autoRev="1" fill="hold"/>
-                                        <p:tgtEl>
-                                          <p:spTgt spid="6"/>
-                                        </p:tgtEl>
-                                      </p:cBhvr>
-                                      <p:by x="105000" y="105000"/>
-                                    </p:animScale>
-                                  </p:childTnLst>
-                                </p:cTn>
-                              </p:par>
-                            </p:childTnLst>
-                          </p:cTn>
-                        </p:par>
-                      </p:childTnLst>
-                    </p:cTn>
-                  </p:par>
-                  <p:par>
-                    <p:cTn id="13" fill="hold">
-                      <p:stCondLst>
-                        <p:cond delay="indefinite"/>
-                      </p:stCondLst>
-                      <p:childTnLst>
-                        <p:par>
-                          <p:cTn id="14" fill="hold">
-                            <p:stCondLst>
-                              <p:cond delay="0"/>
-                            </p:stCondLst>
-                            <p:childTnLst>
-                              <p:par>
-                                <p:cTn id="15" presetID="26" presetClass="emph" presetSubtype="0" fill="hold" grpId="2" nodeType="clickEffect">
-                                  <p:stCondLst>
-                                    <p:cond delay="0"/>
-                                  </p:stCondLst>
-                                  <p:childTnLst>
-                                    <p:animEffect transition="out" filter="fade">
-                                      <p:cBhvr>
-                                        <p:cTn id="16" dur="50" tmFilter="0, 0; .2, .5; .8, .5; 1, 0"/>
-                                        <p:tgtEl>
-                                          <p:spTgt spid="6"/>
-                                        </p:tgtEl>
-                                      </p:cBhvr>
-                                    </p:animEffect>
-                                    <p:animScale>
-                                      <p:cBhvr>
-                                        <p:cTn id="17" dur="25" autoRev="1" fill="hold"/>
-                                        <p:tgtEl>
-                                          <p:spTgt spid="6"/>
-                                        </p:tgtEl>
-                                      </p:cBhvr>
-                                      <p:by x="105000" y="105000"/>
-                                    </p:animScale>
-                                  </p:childTnLst>
-                                </p:cTn>
-                              </p:par>
-                            </p:childTnLst>
-                          </p:cTn>
-                        </p:par>
-                      </p:childTnLst>
-                    </p:cTn>
-                  </p:par>
-                </p:childTnLst>
-              </p:cTn>
-              <p:prevCondLst>
-                <p:cond evt="onPrev" delay="0">
-                  <p:tgtEl>
-                    <p:sldTgt/>
-                  </p:tgtEl>
-                </p:cond>
-              </p:prevCondLst>
-              <p:nextCondLst>
-                <p:cond evt="onNext" delay="0">
-                  <p:tgtEl>
-                    <p:sldTgt/>
-                  </p:tgtEl>
-                </p:cond>
-              </p:nextCondLst>
-            </p:seq>
-          </p:childTnLst>
-        </p:cTn>
-      </p:par>
-    </p:tnLst>
-    <p:bldLst>
-      <p:bldP spid="6" grpId="0"/>
-      <p:bldP spid="6" grpId="1"/>
-      <p:bldP spid="6" grpId="2"/>
-    </p:bldLst>
-  </p:timing>
-</p:sld>
-</file>
-
-<file path=ppt/slides/slide17.xml><?xml version="1.0" encoding="utf-8"?>
-<p:sld xmlns:a="http://schemas.openxmlformats.org/drawingml/2006/main" xmlns:r="http://schemas.openxmlformats.org/officeDocument/2006/relationships" xmlns:p="http://schemas.openxmlformats.org/presentationml/2006/main" showMasterSp="0">
-  <p:cSld>
-    <p:bg>
-      <p:bgPr>
-        <a:solidFill>
-          <a:srgbClr val="FFFFFF"/>
-        </a:solidFill>
-        <a:effectLst/>
-      </p:bgPr>
-    </p:bg>
-    <p:spTree>
-      <p:nvGrpSpPr>
-        <p:cNvPr id="1" name=""/>
-        <p:cNvGrpSpPr/>
-        <p:nvPr/>
-      </p:nvGrpSpPr>
-      <p:grpSpPr>
-        <a:xfrm>
-          <a:off x="0" y="0"/>
-          <a:ext cx="0" cy="0"/>
-          <a:chOff x="0" y="0"/>
-          <a:chExt cx="0" cy="0"/>
-        </a:xfrm>
-      </p:grpSpPr>
-      <p:pic>
-        <p:nvPicPr>
-          <p:cNvPr id="3" name="Gráfico 2">
-            <a:extLst>
-              <a:ext uri="{FF2B5EF4-FFF2-40B4-BE49-F238E27FC236}">
-                <a16:creationId xmlns:a16="http://schemas.microsoft.com/office/drawing/2014/main" id="{65D57858-4412-BB88-79E4-F092DB401559}"/>
-              </a:ext>
-            </a:extLst>
-          </p:cNvPr>
-          <p:cNvPicPr>
-            <a:picLocks/>
-          </p:cNvPicPr>
-          <p:nvPr>
-            <p:custDataLst>
-              <p:tags r:id="rId2"/>
-            </p:custDataLst>
-          </p:nvPr>
-        </p:nvPicPr>
-        <p:blipFill>
-          <a:blip r:embed="rId9">
-            <a:extLst>
-              <a:ext uri="{96DAC541-7B7A-43D3-8B79-37D633B846F1}">
-                <asvg:svgBlip xmlns:asvg="http://schemas.microsoft.com/office/drawing/2016/SVG/main" r:embed="rId10"/>
-              </a:ext>
-            </a:extLst>
-          </a:blip>
-          <a:stretch>
-            <a:fillRect/>
-          </a:stretch>
-        </p:blipFill>
-        <p:spPr>
-          <a:xfrm>
-            <a:off x="3979672" y="629507"/>
-            <a:ext cx="1057100" cy="528550"/>
-          </a:xfrm>
-          <a:prstGeom prst="rect">
-            <a:avLst/>
-          </a:prstGeom>
-        </p:spPr>
-      </p:pic>
-      <p:pic>
-        <p:nvPicPr>
-          <p:cNvPr id="5" name="Gráfico 4">
-            <a:extLst>
-              <a:ext uri="{FF2B5EF4-FFF2-40B4-BE49-F238E27FC236}">
-                <a16:creationId xmlns:a16="http://schemas.microsoft.com/office/drawing/2014/main" id="{F49DA989-7C6C-D4A1-95C2-8FC9AD1EAF32}"/>
-              </a:ext>
-            </a:extLst>
-          </p:cNvPr>
-          <p:cNvPicPr>
-            <a:picLocks/>
-          </p:cNvPicPr>
-          <p:nvPr>
-            <p:custDataLst>
-              <p:tags r:id="rId3"/>
-            </p:custDataLst>
-          </p:nvPr>
-        </p:nvPicPr>
-        <p:blipFill>
-          <a:blip r:embed="rId11">
-            <a:extLst>
-              <a:ext uri="{96DAC541-7B7A-43D3-8B79-37D633B846F1}">
-                <asvg:svgBlip xmlns:asvg="http://schemas.microsoft.com/office/drawing/2016/SVG/main" r:embed="rId12"/>
-              </a:ext>
-            </a:extLst>
-          </a:blip>
-          <a:stretch>
-            <a:fillRect/>
-          </a:stretch>
-        </p:blipFill>
-        <p:spPr>
-          <a:xfrm>
-            <a:off x="1181465" y="2315797"/>
-            <a:ext cx="2362930" cy="2362930"/>
-          </a:xfrm>
-          <a:prstGeom prst="rect">
-            <a:avLst/>
-          </a:prstGeom>
-        </p:spPr>
-      </p:pic>
-      <p:sp>
-        <p:nvSpPr>
-          <p:cNvPr id="6" name="Rectángulo 5">
-            <a:extLst>
-              <a:ext uri="{FF2B5EF4-FFF2-40B4-BE49-F238E27FC236}">
-                <a16:creationId xmlns:a16="http://schemas.microsoft.com/office/drawing/2014/main" id="{90D67705-0D6C-AF4C-F301-D75D8B965E28}"/>
-              </a:ext>
-            </a:extLst>
-          </p:cNvPr>
-          <p:cNvSpPr/>
-          <p:nvPr>
-            <p:custDataLst>
-              <p:tags r:id="rId4"/>
-            </p:custDataLst>
-          </p:nvPr>
-        </p:nvSpPr>
-        <p:spPr bwMode="auto">
-          <a:xfrm>
-            <a:off x="3979672" y="2622947"/>
-            <a:ext cx="7461885" cy="1748631"/>
-          </a:xfrm>
-          <a:prstGeom prst="rect">
-            <a:avLst/>
-          </a:prstGeom>
-          <a:noFill/>
-          <a:ln>
-            <a:noFill/>
-            <a:headEnd type="none" w="med" len="med"/>
-            <a:tailEnd type="none" w="med" len="med"/>
-          </a:ln>
-          <a:effectLst/>
-          <a:extLst>
-            <a:ext uri="{909E8E84-426E-40DD-AFC4-6F175D3DCCD1}">
-              <a14:hiddenFill xmlns:a14="http://schemas.microsoft.com/office/drawing/2010/main">
-                <a:solidFill>
-                  <a:schemeClr val="accent1"/>
-                </a:solidFill>
-              </a14:hiddenFill>
-            </a:ext>
-          </a:extLst>
-        </p:spPr>
-        <p:style>
-          <a:lnRef idx="1">
-            <a:schemeClr val="accent2"/>
-          </a:lnRef>
-          <a:fillRef idx="3">
-            <a:schemeClr val="accent2"/>
-          </a:fillRef>
-          <a:effectRef idx="2">
-            <a:schemeClr val="accent2"/>
-          </a:effectRef>
-          <a:fontRef idx="minor">
-            <a:schemeClr val="lt1"/>
-          </a:fontRef>
-        </p:style>
-        <p:txBody>
-          <a:bodyPr rot="0" spcFirstLastPara="0" vertOverflow="overflow" horzOverflow="overflow" vert="horz" wrap="square" lIns="182880" tIns="146304" rIns="182880" bIns="146304" numCol="1" spcCol="0" rtlCol="0" fromWordArt="0" anchor="t" anchorCtr="0" forceAA="0" compatLnSpc="1">
-            <a:prstTxWarp prst="textNoShape">
-              <a:avLst/>
-            </a:prstTxWarp>
-            <a:noAutofit/>
-          </a:bodyPr>
-          <a:lstStyle/>
-          <a:p>
-            <a:pPr defTabSz="932472" fontAlgn="base">
-              <a:lnSpc>
-                <a:spcPct val="90000"/>
-              </a:lnSpc>
-              <a:spcBef>
-                <a:spcPct val="0"/>
-              </a:spcBef>
-              <a:spcAft>
-                <a:spcPct val="0"/>
-              </a:spcAft>
-            </a:pPr>
-            <a:r>
-              <a:rPr lang="es-AR" sz="3600" b="1">
-                <a:solidFill>
-                  <a:schemeClr val="tx1"/>
-                </a:solidFill>
-                <a:ea typeface="Segoe UI" pitchFamily="34" charset="0"/>
-                <a:cs typeface="Segoe UI" pitchFamily="34" charset="0"/>
-              </a:rPr>
-              <a:t>¿Qué NO debe probarse en una prueba unitaria?</a:t>
-            </a:r>
-            <a:endParaRPr lang="es-AR" sz="3600" b="1" dirty="0" err="1">
-              <a:solidFill>
-                <a:schemeClr val="tx1"/>
-              </a:solidFill>
-              <a:ea typeface="Segoe UI" pitchFamily="34" charset="0"/>
-              <a:cs typeface="Segoe UI" pitchFamily="34" charset="0"/>
-            </a:endParaRPr>
-          </a:p>
-        </p:txBody>
-      </p:sp>
-      <p:sp>
-        <p:nvSpPr>
-          <p:cNvPr id="7" name="Rectángulo redondeado 6">
-            <a:extLst>
-              <a:ext uri="{FF2B5EF4-FFF2-40B4-BE49-F238E27FC236}">
-                <a16:creationId xmlns:a16="http://schemas.microsoft.com/office/drawing/2014/main" id="{8403D5D1-C3CF-491D-9BA0-80345E40A45F}"/>
-              </a:ext>
-            </a:extLst>
-          </p:cNvPr>
-          <p:cNvSpPr/>
-          <p:nvPr>
-            <p:custDataLst>
-              <p:tags r:id="rId5"/>
-            </p:custDataLst>
-          </p:nvPr>
-        </p:nvSpPr>
-        <p:spPr bwMode="auto">
-          <a:xfrm>
-            <a:off x="6408738" y="439138"/>
-            <a:ext cx="5646737" cy="909288"/>
-          </a:xfrm>
-          <a:prstGeom prst="roundRect">
-            <a:avLst/>
-          </a:prstGeom>
-          <a:solidFill>
-            <a:srgbClr val="F4F4F4"/>
-          </a:solidFill>
-          <a:ln>
-            <a:noFill/>
-            <a:headEnd type="none" w="med" len="med"/>
-            <a:tailEnd type="none" w="med" len="med"/>
-          </a:ln>
-          <a:effectLst/>
-        </p:spPr>
-        <p:style>
-          <a:lnRef idx="1">
-            <a:schemeClr val="accent2"/>
-          </a:lnRef>
-          <a:fillRef idx="3">
-            <a:schemeClr val="accent2"/>
-          </a:fillRef>
-          <a:effectRef idx="2">
-            <a:schemeClr val="accent2"/>
-          </a:effectRef>
-          <a:fontRef idx="minor">
-            <a:schemeClr val="lt1"/>
-          </a:fontRef>
-        </p:style>
-        <p:txBody>
-          <a:bodyPr rot="0" spcFirstLastPara="0" vertOverflow="overflow" horzOverflow="overflow" vert="horz" wrap="square" lIns="317500" tIns="146304" rIns="1143000" bIns="146304" numCol="1" spcCol="0" rtlCol="0" fromWordArt="0" anchor="t" anchorCtr="0" forceAA="0" compatLnSpc="1">
-            <a:prstTxWarp prst="textNoShape">
-              <a:avLst/>
-            </a:prstTxWarp>
-            <a:normAutofit lnSpcReduction="10000"/>
-          </a:bodyPr>
-          <a:lstStyle/>
-          <a:p>
-            <a:pPr defTabSz="932472" fontAlgn="base">
-              <a:lnSpc>
-                <a:spcPct val="90000"/>
-              </a:lnSpc>
-              <a:spcBef>
-                <a:spcPct val="0"/>
-              </a:spcBef>
-              <a:spcAft>
-                <a:spcPct val="0"/>
-              </a:spcAft>
-            </a:pPr>
-            <a:r>
-              <a:rPr lang="es-AR" sz="2000">
-                <a:solidFill>
-                  <a:schemeClr val="tx1"/>
-                </a:solidFill>
-                <a:ea typeface="Segoe UI" pitchFamily="34" charset="0"/>
-                <a:cs typeface="Segoe UI" pitchFamily="34" charset="0"/>
-              </a:rPr>
-              <a:t>Please download and install the Slido app on all computers you use</a:t>
-            </a:r>
-            <a:endParaRPr lang="es-AR" sz="2000" dirty="0" err="1">
-              <a:solidFill>
-                <a:schemeClr val="tx1"/>
-              </a:solidFill>
-              <a:ea typeface="Segoe UI" pitchFamily="34" charset="0"/>
-              <a:cs typeface="Segoe UI" pitchFamily="34" charset="0"/>
-            </a:endParaRPr>
-          </a:p>
-        </p:txBody>
-      </p:sp>
-      <p:pic>
-        <p:nvPicPr>
-          <p:cNvPr id="9" name="Gráfico 8">
-            <a:extLst>
-              <a:ext uri="{FF2B5EF4-FFF2-40B4-BE49-F238E27FC236}">
-                <a16:creationId xmlns:a16="http://schemas.microsoft.com/office/drawing/2014/main" id="{C5531736-8579-C0AB-67A9-92D25B27D103}"/>
-              </a:ext>
-            </a:extLst>
-          </p:cNvPr>
-          <p:cNvPicPr>
-            <a:picLocks/>
-          </p:cNvPicPr>
-          <p:nvPr>
-            <p:custDataLst>
-              <p:tags r:id="rId6"/>
-            </p:custDataLst>
-          </p:nvPr>
-        </p:nvPicPr>
-        <p:blipFill>
-          <a:blip r:embed="rId13">
-            <a:extLst>
-              <a:ext uri="{96DAC541-7B7A-43D3-8B79-37D633B846F1}">
-                <asvg:svgBlip xmlns:asvg="http://schemas.microsoft.com/office/drawing/2016/SVG/main" r:embed="rId14"/>
-              </a:ext>
-            </a:extLst>
-          </a:blip>
-          <a:stretch>
-            <a:fillRect/>
-          </a:stretch>
-        </p:blipFill>
-        <p:spPr>
-          <a:xfrm>
-            <a:off x="11054708" y="589171"/>
-            <a:ext cx="609223" cy="609223"/>
-          </a:xfrm>
-          <a:prstGeom prst="rect">
-            <a:avLst/>
-          </a:prstGeom>
-        </p:spPr>
-      </p:pic>
-      <p:sp>
-        <p:nvSpPr>
-          <p:cNvPr id="10" name="Rectángulo 9">
-            <a:extLst>
-              <a:ext uri="{FF2B5EF4-FFF2-40B4-BE49-F238E27FC236}">
-                <a16:creationId xmlns:a16="http://schemas.microsoft.com/office/drawing/2014/main" id="{33494546-EE7D-7036-C34E-2A640C177506}"/>
-              </a:ext>
-            </a:extLst>
-          </p:cNvPr>
-          <p:cNvSpPr/>
-          <p:nvPr>
-            <p:custDataLst>
-              <p:tags r:id="rId7"/>
-            </p:custDataLst>
-          </p:nvPr>
-        </p:nvSpPr>
-        <p:spPr bwMode="auto">
-          <a:xfrm>
-            <a:off x="3979672" y="6169025"/>
-            <a:ext cx="7461885" cy="528550"/>
-          </a:xfrm>
-          <a:prstGeom prst="rect">
-            <a:avLst/>
-          </a:prstGeom>
-          <a:solidFill>
-            <a:srgbClr val="FFFFFF"/>
-          </a:solidFill>
-          <a:ln>
-            <a:noFill/>
-            <a:headEnd type="none" w="med" len="med"/>
-            <a:tailEnd type="none" w="med" len="med"/>
-          </a:ln>
-          <a:effectLst/>
-        </p:spPr>
-        <p:style>
-          <a:lnRef idx="1">
-            <a:schemeClr val="accent2"/>
-          </a:lnRef>
-          <a:fillRef idx="3">
-            <a:schemeClr val="accent2"/>
-          </a:fillRef>
-          <a:effectRef idx="2">
-            <a:schemeClr val="accent2"/>
-          </a:effectRef>
-          <a:fontRef idx="minor">
-            <a:schemeClr val="lt1"/>
-          </a:fontRef>
-        </p:style>
-        <p:txBody>
-          <a:bodyPr rot="0" spcFirstLastPara="0" vertOverflow="overflow" horzOverflow="overflow" vert="horz" wrap="square" lIns="182880" tIns="146304" rIns="182880" bIns="146304" numCol="1" spcCol="0" rtlCol="0" fromWordArt="0" anchor="t" anchorCtr="0" forceAA="0" compatLnSpc="1">
-            <a:prstTxWarp prst="textNoShape">
-              <a:avLst/>
-            </a:prstTxWarp>
-            <a:normAutofit fontScale="92500" lnSpcReduction="20000"/>
-          </a:bodyPr>
-          <a:lstStyle/>
-          <a:p>
-            <a:pPr defTabSz="932472" fontAlgn="base">
-              <a:lnSpc>
-                <a:spcPct val="90000"/>
-              </a:lnSpc>
-              <a:spcBef>
-                <a:spcPct val="0"/>
-              </a:spcBef>
-              <a:spcAft>
-                <a:spcPct val="0"/>
-              </a:spcAft>
-            </a:pPr>
-            <a:r>
-              <a:rPr lang="es-AR" sz="2200" b="1">
-                <a:solidFill>
-                  <a:schemeClr val="tx1"/>
-                </a:solidFill>
-                <a:ea typeface="Segoe UI" pitchFamily="34" charset="0"/>
-                <a:cs typeface="Segoe UI" pitchFamily="34" charset="0"/>
-              </a:rPr>
-              <a:t>ⓘ</a:t>
-            </a:r>
-            <a:r>
-              <a:rPr lang="es-AR" sz="2000">
-                <a:solidFill>
-                  <a:schemeClr val="tx1"/>
-                </a:solidFill>
-                <a:ea typeface="Segoe UI" pitchFamily="34" charset="0"/>
-                <a:cs typeface="Segoe UI" pitchFamily="34" charset="0"/>
-              </a:rPr>
-              <a:t> Start presenting to display the poll results on this slide.</a:t>
-            </a:r>
-            <a:endParaRPr lang="es-AR" sz="2000" dirty="0" err="1">
-              <a:solidFill>
-                <a:schemeClr val="tx1"/>
-              </a:solidFill>
-              <a:ea typeface="Segoe UI" pitchFamily="34" charset="0"/>
-              <a:cs typeface="Segoe UI" pitchFamily="34" charset="0"/>
-            </a:endParaRPr>
-          </a:p>
-        </p:txBody>
-      </p:sp>
-    </p:spTree>
-    <p:custDataLst>
-      <p:tags r:id="rId1"/>
-    </p:custDataLst>
-    <p:extLst>
-      <p:ext uri="{BB962C8B-B14F-4D97-AF65-F5344CB8AC3E}">
-        <p14:creationId xmlns:p14="http://schemas.microsoft.com/office/powerpoint/2010/main" val="2506104914"/>
-      </p:ext>
-    </p:extLst>
-  </p:cSld>
-  <p:clrMapOvr>
-    <a:masterClrMapping/>
-  </p:clrMapOvr>
-  <p:transition>
-    <p:fade/>
-  </p:transition>
-  <p:timing>
-    <p:tnLst>
-      <p:par>
-        <p:cTn id="1" dur="indefinite" restart="never" nodeType="tmRoot">
-          <p:childTnLst>
-            <p:seq concurrent="1" nextAc="seek">
-              <p:cTn id="2" dur="indefinite" nodeType="mainSeq">
-                <p:childTnLst>
-                  <p:par>
-                    <p:cTn id="3" fill="hold">
-                      <p:stCondLst>
-                        <p:cond delay="indefinite"/>
-                      </p:stCondLst>
-                      <p:childTnLst>
-                        <p:par>
-                          <p:cTn id="4" fill="hold">
-                            <p:stCondLst>
-                              <p:cond delay="0"/>
-                            </p:stCondLst>
-                            <p:childTnLst>
-                              <p:par>
-                                <p:cTn id="5" presetID="26" presetClass="emph" presetSubtype="0" fill="hold" grpId="0" nodeType="clickEffect">
-                                  <p:stCondLst>
-                                    <p:cond delay="0"/>
-                                  </p:stCondLst>
-                                  <p:childTnLst>
-                                    <p:animEffect transition="out" filter="fade">
-                                      <p:cBhvr>
-                                        <p:cTn id="6" dur="50" tmFilter="0, 0; .2, .5; .8, .5; 1, 0"/>
-                                        <p:tgtEl>
-                                          <p:spTgt spid="6"/>
-                                        </p:tgtEl>
-                                      </p:cBhvr>
-                                    </p:animEffect>
-                                    <p:animScale>
-                                      <p:cBhvr>
-                                        <p:cTn id="7" dur="25" autoRev="1" fill="hold"/>
-                                        <p:tgtEl>
-                                          <p:spTgt spid="6"/>
-                                        </p:tgtEl>
-                                      </p:cBhvr>
-                                      <p:by x="105000" y="105000"/>
-                                    </p:animScale>
-                                  </p:childTnLst>
-                                </p:cTn>
-                              </p:par>
-                            </p:childTnLst>
-                          </p:cTn>
-                        </p:par>
-                      </p:childTnLst>
-                    </p:cTn>
-                  </p:par>
-                  <p:par>
-                    <p:cTn id="8" fill="hold">
-                      <p:stCondLst>
-                        <p:cond delay="indefinite"/>
-                      </p:stCondLst>
-                      <p:childTnLst>
-                        <p:par>
-                          <p:cTn id="9" fill="hold">
-                            <p:stCondLst>
-                              <p:cond delay="0"/>
-                            </p:stCondLst>
-                            <p:childTnLst>
-                              <p:par>
-                                <p:cTn id="10" presetID="26" presetClass="emph" presetSubtype="0" fill="hold" grpId="1" nodeType="clickEffect">
-                                  <p:stCondLst>
-                                    <p:cond delay="0"/>
-                                  </p:stCondLst>
-                                  <p:childTnLst>
-                                    <p:animEffect transition="out" filter="fade">
-                                      <p:cBhvr>
-                                        <p:cTn id="11" dur="50" tmFilter="0, 0; .2, .5; .8, .5; 1, 0"/>
-                                        <p:tgtEl>
-                                          <p:spTgt spid="6"/>
-                                        </p:tgtEl>
-                                      </p:cBhvr>
-                                    </p:animEffect>
-                                    <p:animScale>
-                                      <p:cBhvr>
-                                        <p:cTn id="12" dur="25" autoRev="1" fill="hold"/>
-                                        <p:tgtEl>
-                                          <p:spTgt spid="6"/>
-                                        </p:tgtEl>
-                                      </p:cBhvr>
-                                      <p:by x="105000" y="105000"/>
-                                    </p:animScale>
-                                  </p:childTnLst>
-                                </p:cTn>
-                              </p:par>
-                            </p:childTnLst>
-                          </p:cTn>
-                        </p:par>
-                      </p:childTnLst>
-                    </p:cTn>
-                  </p:par>
-                  <p:par>
-                    <p:cTn id="13" fill="hold">
-                      <p:stCondLst>
-                        <p:cond delay="indefinite"/>
-                      </p:stCondLst>
-                      <p:childTnLst>
-                        <p:par>
-                          <p:cTn id="14" fill="hold">
-                            <p:stCondLst>
-                              <p:cond delay="0"/>
-                            </p:stCondLst>
-                            <p:childTnLst>
-                              <p:par>
-                                <p:cTn id="15" presetID="26" presetClass="emph" presetSubtype="0" fill="hold" grpId="2" nodeType="clickEffect">
-                                  <p:stCondLst>
-                                    <p:cond delay="0"/>
-                                  </p:stCondLst>
-                                  <p:childTnLst>
-                                    <p:animEffect transition="out" filter="fade">
-                                      <p:cBhvr>
-                                        <p:cTn id="16" dur="50" tmFilter="0, 0; .2, .5; .8, .5; 1, 0"/>
-                                        <p:tgtEl>
-                                          <p:spTgt spid="6"/>
-                                        </p:tgtEl>
-                                      </p:cBhvr>
-                                    </p:animEffect>
-                                    <p:animScale>
-                                      <p:cBhvr>
-                                        <p:cTn id="17" dur="25" autoRev="1" fill="hold"/>
-                                        <p:tgtEl>
-                                          <p:spTgt spid="6"/>
-                                        </p:tgtEl>
-                                      </p:cBhvr>
-                                      <p:by x="105000" y="105000"/>
-                                    </p:animScale>
-                                  </p:childTnLst>
-                                </p:cTn>
-                              </p:par>
-                            </p:childTnLst>
-                          </p:cTn>
-                        </p:par>
-                      </p:childTnLst>
-                    </p:cTn>
-                  </p:par>
-                </p:childTnLst>
-              </p:cTn>
-              <p:prevCondLst>
-                <p:cond evt="onPrev" delay="0">
-                  <p:tgtEl>
-                    <p:sldTgt/>
-                  </p:tgtEl>
-                </p:cond>
-              </p:prevCondLst>
-              <p:nextCondLst>
-                <p:cond evt="onNext" delay="0">
-                  <p:tgtEl>
-                    <p:sldTgt/>
-                  </p:tgtEl>
-                </p:cond>
-              </p:nextCondLst>
-            </p:seq>
-          </p:childTnLst>
-        </p:cTn>
-      </p:par>
-    </p:tnLst>
-    <p:bldLst>
-      <p:bldP spid="6" grpId="0"/>
-      <p:bldP spid="6" grpId="1"/>
-      <p:bldP spid="6" grpId="2"/>
-    </p:bldLst>
-  </p:timing>
-</p:sld>
-</file>
-
-<file path=ppt/slides/slide18.xml><?xml version="1.0" encoding="utf-8"?>
-<p:sld xmlns:a="http://schemas.openxmlformats.org/drawingml/2006/main" xmlns:r="http://schemas.openxmlformats.org/officeDocument/2006/relationships" xmlns:p="http://schemas.openxmlformats.org/presentationml/2006/main" showMasterSp="0">
-  <p:cSld>
-    <p:bg>
-      <p:bgPr>
-        <a:solidFill>
-          <a:srgbClr val="FFFFFF"/>
-        </a:solidFill>
-        <a:effectLst/>
-      </p:bgPr>
-    </p:bg>
-    <p:spTree>
-      <p:nvGrpSpPr>
-        <p:cNvPr id="1" name=""/>
-        <p:cNvGrpSpPr/>
-        <p:nvPr/>
-      </p:nvGrpSpPr>
-      <p:grpSpPr>
-        <a:xfrm>
-          <a:off x="0" y="0"/>
-          <a:ext cx="0" cy="0"/>
-          <a:chOff x="0" y="0"/>
-          <a:chExt cx="0" cy="0"/>
-        </a:xfrm>
-      </p:grpSpPr>
-      <p:pic>
-        <p:nvPicPr>
-          <p:cNvPr id="3" name="Gráfico 2">
-            <a:extLst>
-              <a:ext uri="{FF2B5EF4-FFF2-40B4-BE49-F238E27FC236}">
-                <a16:creationId xmlns:a16="http://schemas.microsoft.com/office/drawing/2014/main" id="{428BD225-FA65-3CE1-18EC-C7BCC04E5622}"/>
-              </a:ext>
-            </a:extLst>
-          </p:cNvPr>
-          <p:cNvPicPr>
-            <a:picLocks/>
-          </p:cNvPicPr>
-          <p:nvPr>
-            <p:custDataLst>
-              <p:tags r:id="rId2"/>
-            </p:custDataLst>
-          </p:nvPr>
-        </p:nvPicPr>
-        <p:blipFill>
-          <a:blip r:embed="rId9">
-            <a:extLst>
-              <a:ext uri="{96DAC541-7B7A-43D3-8B79-37D633B846F1}">
-                <asvg:svgBlip xmlns:asvg="http://schemas.microsoft.com/office/drawing/2016/SVG/main" r:embed="rId10"/>
-              </a:ext>
-            </a:extLst>
-          </a:blip>
-          <a:stretch>
-            <a:fillRect/>
-          </a:stretch>
-        </p:blipFill>
-        <p:spPr>
-          <a:xfrm>
-            <a:off x="3979672" y="629507"/>
-            <a:ext cx="1057100" cy="528550"/>
-          </a:xfrm>
-          <a:prstGeom prst="rect">
-            <a:avLst/>
-          </a:prstGeom>
-        </p:spPr>
-      </p:pic>
-      <p:pic>
-        <p:nvPicPr>
-          <p:cNvPr id="5" name="Gráfico 4">
-            <a:extLst>
-              <a:ext uri="{FF2B5EF4-FFF2-40B4-BE49-F238E27FC236}">
-                <a16:creationId xmlns:a16="http://schemas.microsoft.com/office/drawing/2014/main" id="{0CDAAA92-D5D2-73F6-D460-6C0714DA9E7D}"/>
-              </a:ext>
-            </a:extLst>
-          </p:cNvPr>
-          <p:cNvPicPr>
-            <a:picLocks/>
-          </p:cNvPicPr>
-          <p:nvPr>
-            <p:custDataLst>
-              <p:tags r:id="rId3"/>
-            </p:custDataLst>
-          </p:nvPr>
-        </p:nvPicPr>
-        <p:blipFill>
-          <a:blip r:embed="rId11">
-            <a:extLst>
-              <a:ext uri="{96DAC541-7B7A-43D3-8B79-37D633B846F1}">
-                <asvg:svgBlip xmlns:asvg="http://schemas.microsoft.com/office/drawing/2016/SVG/main" r:embed="rId12"/>
-              </a:ext>
-            </a:extLst>
-          </a:blip>
-          <a:stretch>
-            <a:fillRect/>
-          </a:stretch>
-        </p:blipFill>
-        <p:spPr>
-          <a:xfrm>
-            <a:off x="1181465" y="2315797"/>
-            <a:ext cx="2362930" cy="2362930"/>
-          </a:xfrm>
-          <a:prstGeom prst="rect">
-            <a:avLst/>
-          </a:prstGeom>
-        </p:spPr>
-      </p:pic>
-      <p:sp>
-        <p:nvSpPr>
-          <p:cNvPr id="6" name="Rectángulo 5">
-            <a:extLst>
-              <a:ext uri="{FF2B5EF4-FFF2-40B4-BE49-F238E27FC236}">
-                <a16:creationId xmlns:a16="http://schemas.microsoft.com/office/drawing/2014/main" id="{A67AEAC9-A9E6-C48E-DA59-FA450E49733F}"/>
-              </a:ext>
-            </a:extLst>
-          </p:cNvPr>
-          <p:cNvSpPr/>
-          <p:nvPr>
-            <p:custDataLst>
-              <p:tags r:id="rId4"/>
-            </p:custDataLst>
-          </p:nvPr>
-        </p:nvSpPr>
-        <p:spPr bwMode="auto">
-          <a:xfrm>
-            <a:off x="3979672" y="2622947"/>
-            <a:ext cx="7461885" cy="1748631"/>
-          </a:xfrm>
-          <a:prstGeom prst="rect">
-            <a:avLst/>
-          </a:prstGeom>
-          <a:noFill/>
-          <a:ln>
-            <a:noFill/>
-            <a:headEnd type="none" w="med" len="med"/>
-            <a:tailEnd type="none" w="med" len="med"/>
-          </a:ln>
-          <a:effectLst/>
-          <a:extLst>
-            <a:ext uri="{909E8E84-426E-40DD-AFC4-6F175D3DCCD1}">
-              <a14:hiddenFill xmlns:a14="http://schemas.microsoft.com/office/drawing/2010/main">
-                <a:solidFill>
-                  <a:schemeClr val="accent1"/>
-                </a:solidFill>
-              </a14:hiddenFill>
-            </a:ext>
-          </a:extLst>
-        </p:spPr>
-        <p:style>
-          <a:lnRef idx="1">
-            <a:schemeClr val="accent2"/>
-          </a:lnRef>
-          <a:fillRef idx="3">
-            <a:schemeClr val="accent2"/>
-          </a:fillRef>
-          <a:effectRef idx="2">
-            <a:schemeClr val="accent2"/>
-          </a:effectRef>
-          <a:fontRef idx="minor">
-            <a:schemeClr val="lt1"/>
-          </a:fontRef>
-        </p:style>
-        <p:txBody>
-          <a:bodyPr rot="0" spcFirstLastPara="0" vertOverflow="overflow" horzOverflow="overflow" vert="horz" wrap="square" lIns="182880" tIns="146304" rIns="182880" bIns="146304" numCol="1" spcCol="0" rtlCol="0" fromWordArt="0" anchor="t" anchorCtr="0" forceAA="0" compatLnSpc="1">
-            <a:prstTxWarp prst="textNoShape">
-              <a:avLst/>
-            </a:prstTxWarp>
-            <a:noAutofit/>
-          </a:bodyPr>
-          <a:lstStyle/>
-          <a:p>
-            <a:pPr defTabSz="932472" fontAlgn="base">
-              <a:lnSpc>
-                <a:spcPct val="90000"/>
-              </a:lnSpc>
-              <a:spcBef>
-                <a:spcPct val="0"/>
-              </a:spcBef>
-              <a:spcAft>
-                <a:spcPct val="0"/>
-              </a:spcAft>
-            </a:pPr>
-            <a:r>
-              <a:rPr lang="es-AR" sz="2400" b="1" dirty="0">
-                <a:solidFill>
-                  <a:schemeClr val="tx1"/>
-                </a:solidFill>
-                <a:ea typeface="Segoe UI" pitchFamily="34" charset="0"/>
-                <a:cs typeface="Segoe UI" pitchFamily="34" charset="0"/>
-              </a:rPr>
-              <a:t>¿Cuáles de las siguientes son características de una prueba unitaria?
-(Selecciona todas las que correspondan)</a:t>
-            </a:r>
-          </a:p>
-        </p:txBody>
-      </p:sp>
-      <p:sp>
-        <p:nvSpPr>
-          <p:cNvPr id="7" name="Rectángulo redondeado 6">
-            <a:extLst>
-              <a:ext uri="{FF2B5EF4-FFF2-40B4-BE49-F238E27FC236}">
-                <a16:creationId xmlns:a16="http://schemas.microsoft.com/office/drawing/2014/main" id="{2523BE7A-2025-B8BF-A566-5703AA3D6ED0}"/>
-              </a:ext>
-            </a:extLst>
-          </p:cNvPr>
-          <p:cNvSpPr/>
-          <p:nvPr>
-            <p:custDataLst>
-              <p:tags r:id="rId5"/>
-            </p:custDataLst>
-          </p:nvPr>
-        </p:nvSpPr>
-        <p:spPr bwMode="auto">
-          <a:xfrm>
-            <a:off x="6408738" y="439138"/>
-            <a:ext cx="5646737" cy="909288"/>
-          </a:xfrm>
-          <a:prstGeom prst="roundRect">
-            <a:avLst/>
-          </a:prstGeom>
-          <a:solidFill>
-            <a:srgbClr val="F4F4F4"/>
-          </a:solidFill>
-          <a:ln>
-            <a:noFill/>
-            <a:headEnd type="none" w="med" len="med"/>
-            <a:tailEnd type="none" w="med" len="med"/>
-          </a:ln>
-          <a:effectLst/>
-        </p:spPr>
-        <p:style>
-          <a:lnRef idx="1">
-            <a:schemeClr val="accent2"/>
-          </a:lnRef>
-          <a:fillRef idx="3">
-            <a:schemeClr val="accent2"/>
-          </a:fillRef>
-          <a:effectRef idx="2">
-            <a:schemeClr val="accent2"/>
-          </a:effectRef>
-          <a:fontRef idx="minor">
-            <a:schemeClr val="lt1"/>
-          </a:fontRef>
-        </p:style>
-        <p:txBody>
-          <a:bodyPr rot="0" spcFirstLastPara="0" vertOverflow="overflow" horzOverflow="overflow" vert="horz" wrap="square" lIns="317500" tIns="146304" rIns="1143000" bIns="146304" numCol="1" spcCol="0" rtlCol="0" fromWordArt="0" anchor="t" anchorCtr="0" forceAA="0" compatLnSpc="1">
-            <a:prstTxWarp prst="textNoShape">
-              <a:avLst/>
-            </a:prstTxWarp>
-            <a:normAutofit lnSpcReduction="10000"/>
-          </a:bodyPr>
-          <a:lstStyle/>
-          <a:p>
-            <a:pPr defTabSz="932472" fontAlgn="base">
-              <a:lnSpc>
-                <a:spcPct val="90000"/>
-              </a:lnSpc>
-              <a:spcBef>
-                <a:spcPct val="0"/>
-              </a:spcBef>
-              <a:spcAft>
-                <a:spcPct val="0"/>
-              </a:spcAft>
-            </a:pPr>
-            <a:r>
-              <a:rPr lang="es-AR" sz="2000">
-                <a:solidFill>
-                  <a:schemeClr val="tx1"/>
-                </a:solidFill>
-                <a:ea typeface="Segoe UI" pitchFamily="34" charset="0"/>
-                <a:cs typeface="Segoe UI" pitchFamily="34" charset="0"/>
-              </a:rPr>
-              <a:t>Please download and install the Slido app on all computers you use</a:t>
-            </a:r>
-            <a:endParaRPr lang="es-AR" sz="2000" dirty="0" err="1">
-              <a:solidFill>
-                <a:schemeClr val="tx1"/>
-              </a:solidFill>
-              <a:ea typeface="Segoe UI" pitchFamily="34" charset="0"/>
-              <a:cs typeface="Segoe UI" pitchFamily="34" charset="0"/>
-            </a:endParaRPr>
-          </a:p>
-        </p:txBody>
-      </p:sp>
-      <p:pic>
-        <p:nvPicPr>
-          <p:cNvPr id="9" name="Gráfico 8">
-            <a:extLst>
-              <a:ext uri="{FF2B5EF4-FFF2-40B4-BE49-F238E27FC236}">
-                <a16:creationId xmlns:a16="http://schemas.microsoft.com/office/drawing/2014/main" id="{95214EA6-1270-51B9-BB3F-AD55EBA5DAD6}"/>
-              </a:ext>
-            </a:extLst>
-          </p:cNvPr>
-          <p:cNvPicPr>
-            <a:picLocks/>
-          </p:cNvPicPr>
-          <p:nvPr>
-            <p:custDataLst>
-              <p:tags r:id="rId6"/>
-            </p:custDataLst>
-          </p:nvPr>
-        </p:nvPicPr>
-        <p:blipFill>
-          <a:blip r:embed="rId13">
-            <a:extLst>
-              <a:ext uri="{96DAC541-7B7A-43D3-8B79-37D633B846F1}">
-                <asvg:svgBlip xmlns:asvg="http://schemas.microsoft.com/office/drawing/2016/SVG/main" r:embed="rId14"/>
-              </a:ext>
-            </a:extLst>
-          </a:blip>
-          <a:stretch>
-            <a:fillRect/>
-          </a:stretch>
-        </p:blipFill>
-        <p:spPr>
-          <a:xfrm>
-            <a:off x="11054708" y="589171"/>
-            <a:ext cx="609223" cy="609223"/>
-          </a:xfrm>
-          <a:prstGeom prst="rect">
-            <a:avLst/>
-          </a:prstGeom>
-        </p:spPr>
-      </p:pic>
-      <p:sp>
-        <p:nvSpPr>
-          <p:cNvPr id="10" name="Rectángulo 9">
-            <a:extLst>
-              <a:ext uri="{FF2B5EF4-FFF2-40B4-BE49-F238E27FC236}">
-                <a16:creationId xmlns:a16="http://schemas.microsoft.com/office/drawing/2014/main" id="{EB051DC2-260B-F7B1-B8F5-21ACEBDD2A92}"/>
-              </a:ext>
-            </a:extLst>
-          </p:cNvPr>
-          <p:cNvSpPr/>
-          <p:nvPr>
-            <p:custDataLst>
-              <p:tags r:id="rId7"/>
-            </p:custDataLst>
-          </p:nvPr>
-        </p:nvSpPr>
-        <p:spPr bwMode="auto">
-          <a:xfrm>
-            <a:off x="3979672" y="6169025"/>
-            <a:ext cx="7461885" cy="528550"/>
-          </a:xfrm>
-          <a:prstGeom prst="rect">
-            <a:avLst/>
-          </a:prstGeom>
-          <a:solidFill>
-            <a:srgbClr val="FFFFFF"/>
-          </a:solidFill>
-          <a:ln>
-            <a:noFill/>
-            <a:headEnd type="none" w="med" len="med"/>
-            <a:tailEnd type="none" w="med" len="med"/>
-          </a:ln>
-          <a:effectLst/>
-        </p:spPr>
-        <p:style>
-          <a:lnRef idx="1">
-            <a:schemeClr val="accent2"/>
-          </a:lnRef>
-          <a:fillRef idx="3">
-            <a:schemeClr val="accent2"/>
-          </a:fillRef>
-          <a:effectRef idx="2">
-            <a:schemeClr val="accent2"/>
-          </a:effectRef>
-          <a:fontRef idx="minor">
-            <a:schemeClr val="lt1"/>
-          </a:fontRef>
-        </p:style>
-        <p:txBody>
-          <a:bodyPr rot="0" spcFirstLastPara="0" vertOverflow="overflow" horzOverflow="overflow" vert="horz" wrap="square" lIns="182880" tIns="146304" rIns="182880" bIns="146304" numCol="1" spcCol="0" rtlCol="0" fromWordArt="0" anchor="t" anchorCtr="0" forceAA="0" compatLnSpc="1">
-            <a:prstTxWarp prst="textNoShape">
-              <a:avLst/>
-            </a:prstTxWarp>
-            <a:normAutofit fontScale="92500" lnSpcReduction="20000"/>
-          </a:bodyPr>
-          <a:lstStyle/>
-          <a:p>
-            <a:pPr defTabSz="932472" fontAlgn="base">
-              <a:lnSpc>
-                <a:spcPct val="90000"/>
-              </a:lnSpc>
-              <a:spcBef>
-                <a:spcPct val="0"/>
-              </a:spcBef>
-              <a:spcAft>
-                <a:spcPct val="0"/>
-              </a:spcAft>
-            </a:pPr>
-            <a:r>
-              <a:rPr lang="es-AR" sz="2200" b="1" dirty="0">
-                <a:solidFill>
-                  <a:schemeClr val="tx1"/>
-                </a:solidFill>
-                <a:ea typeface="Segoe UI" pitchFamily="34" charset="0"/>
-                <a:cs typeface="Segoe UI" pitchFamily="34" charset="0"/>
-              </a:rPr>
-              <a:t>ⓘ</a:t>
-            </a:r>
-            <a:r>
-              <a:rPr lang="es-AR" sz="2000" dirty="0">
-                <a:solidFill>
-                  <a:schemeClr val="tx1"/>
-                </a:solidFill>
-                <a:ea typeface="Segoe UI" pitchFamily="34" charset="0"/>
-                <a:cs typeface="Segoe UI" pitchFamily="34" charset="0"/>
-              </a:rPr>
-              <a:t> </a:t>
-            </a:r>
-            <a:r>
-              <a:rPr lang="es-AR" sz="2000" dirty="0" err="1">
-                <a:solidFill>
-                  <a:schemeClr val="tx1"/>
-                </a:solidFill>
-                <a:ea typeface="Segoe UI" pitchFamily="34" charset="0"/>
-                <a:cs typeface="Segoe UI" pitchFamily="34" charset="0"/>
-              </a:rPr>
-              <a:t>Start</a:t>
-            </a:r>
-            <a:r>
-              <a:rPr lang="es-AR" sz="2000" dirty="0">
-                <a:solidFill>
-                  <a:schemeClr val="tx1"/>
-                </a:solidFill>
-                <a:ea typeface="Segoe UI" pitchFamily="34" charset="0"/>
-                <a:cs typeface="Segoe UI" pitchFamily="34" charset="0"/>
-              </a:rPr>
-              <a:t> </a:t>
-            </a:r>
-            <a:r>
-              <a:rPr lang="es-AR" sz="2000" dirty="0" err="1">
-                <a:solidFill>
-                  <a:schemeClr val="tx1"/>
-                </a:solidFill>
-                <a:ea typeface="Segoe UI" pitchFamily="34" charset="0"/>
-                <a:cs typeface="Segoe UI" pitchFamily="34" charset="0"/>
-              </a:rPr>
-              <a:t>presenting</a:t>
-            </a:r>
-            <a:r>
-              <a:rPr lang="es-AR" sz="2000" dirty="0">
-                <a:solidFill>
-                  <a:schemeClr val="tx1"/>
-                </a:solidFill>
-                <a:ea typeface="Segoe UI" pitchFamily="34" charset="0"/>
-                <a:cs typeface="Segoe UI" pitchFamily="34" charset="0"/>
-              </a:rPr>
-              <a:t> </a:t>
-            </a:r>
-            <a:r>
-              <a:rPr lang="es-AR" sz="2000" dirty="0" err="1">
-                <a:solidFill>
-                  <a:schemeClr val="tx1"/>
-                </a:solidFill>
-                <a:ea typeface="Segoe UI" pitchFamily="34" charset="0"/>
-                <a:cs typeface="Segoe UI" pitchFamily="34" charset="0"/>
-              </a:rPr>
-              <a:t>to</a:t>
-            </a:r>
-            <a:r>
-              <a:rPr lang="es-AR" sz="2000" dirty="0">
-                <a:solidFill>
-                  <a:schemeClr val="tx1"/>
-                </a:solidFill>
-                <a:ea typeface="Segoe UI" pitchFamily="34" charset="0"/>
-                <a:cs typeface="Segoe UI" pitchFamily="34" charset="0"/>
-              </a:rPr>
-              <a:t> </a:t>
-            </a:r>
-            <a:r>
-              <a:rPr lang="es-AR" sz="2000" dirty="0" err="1">
-                <a:solidFill>
-                  <a:schemeClr val="tx1"/>
-                </a:solidFill>
-                <a:ea typeface="Segoe UI" pitchFamily="34" charset="0"/>
-                <a:cs typeface="Segoe UI" pitchFamily="34" charset="0"/>
-              </a:rPr>
-              <a:t>display</a:t>
-            </a:r>
-            <a:r>
-              <a:rPr lang="es-AR" sz="2000" dirty="0">
-                <a:solidFill>
-                  <a:schemeClr val="tx1"/>
-                </a:solidFill>
-                <a:ea typeface="Segoe UI" pitchFamily="34" charset="0"/>
-                <a:cs typeface="Segoe UI" pitchFamily="34" charset="0"/>
-              </a:rPr>
-              <a:t> </a:t>
-            </a:r>
-            <a:r>
-              <a:rPr lang="es-AR" sz="2000" dirty="0" err="1">
-                <a:solidFill>
-                  <a:schemeClr val="tx1"/>
-                </a:solidFill>
-                <a:ea typeface="Segoe UI" pitchFamily="34" charset="0"/>
-                <a:cs typeface="Segoe UI" pitchFamily="34" charset="0"/>
-              </a:rPr>
-              <a:t>the</a:t>
-            </a:r>
-            <a:r>
-              <a:rPr lang="es-AR" sz="2000" dirty="0">
-                <a:solidFill>
-                  <a:schemeClr val="tx1"/>
-                </a:solidFill>
-                <a:ea typeface="Segoe UI" pitchFamily="34" charset="0"/>
-                <a:cs typeface="Segoe UI" pitchFamily="34" charset="0"/>
-              </a:rPr>
-              <a:t> </a:t>
-            </a:r>
-            <a:r>
-              <a:rPr lang="es-AR" sz="2000" dirty="0" err="1">
-                <a:solidFill>
-                  <a:schemeClr val="tx1"/>
-                </a:solidFill>
-                <a:ea typeface="Segoe UI" pitchFamily="34" charset="0"/>
-                <a:cs typeface="Segoe UI" pitchFamily="34" charset="0"/>
-              </a:rPr>
-              <a:t>poll</a:t>
-            </a:r>
-            <a:r>
-              <a:rPr lang="es-AR" sz="2000" dirty="0">
-                <a:solidFill>
-                  <a:schemeClr val="tx1"/>
-                </a:solidFill>
-                <a:ea typeface="Segoe UI" pitchFamily="34" charset="0"/>
-                <a:cs typeface="Segoe UI" pitchFamily="34" charset="0"/>
-              </a:rPr>
-              <a:t> </a:t>
-            </a:r>
-            <a:r>
-              <a:rPr lang="es-AR" sz="2000" dirty="0" err="1">
-                <a:solidFill>
-                  <a:schemeClr val="tx1"/>
-                </a:solidFill>
-                <a:ea typeface="Segoe UI" pitchFamily="34" charset="0"/>
-                <a:cs typeface="Segoe UI" pitchFamily="34" charset="0"/>
-              </a:rPr>
-              <a:t>results</a:t>
-            </a:r>
-            <a:r>
-              <a:rPr lang="es-AR" sz="2000" dirty="0">
-                <a:solidFill>
-                  <a:schemeClr val="tx1"/>
-                </a:solidFill>
-                <a:ea typeface="Segoe UI" pitchFamily="34" charset="0"/>
-                <a:cs typeface="Segoe UI" pitchFamily="34" charset="0"/>
-              </a:rPr>
-              <a:t> </a:t>
-            </a:r>
-            <a:r>
-              <a:rPr lang="es-AR" sz="2000" dirty="0" err="1">
-                <a:solidFill>
-                  <a:schemeClr val="tx1"/>
-                </a:solidFill>
-                <a:ea typeface="Segoe UI" pitchFamily="34" charset="0"/>
-                <a:cs typeface="Segoe UI" pitchFamily="34" charset="0"/>
-              </a:rPr>
-              <a:t>on</a:t>
-            </a:r>
-            <a:r>
-              <a:rPr lang="es-AR" sz="2000" dirty="0">
-                <a:solidFill>
-                  <a:schemeClr val="tx1"/>
-                </a:solidFill>
-                <a:ea typeface="Segoe UI" pitchFamily="34" charset="0"/>
-                <a:cs typeface="Segoe UI" pitchFamily="34" charset="0"/>
-              </a:rPr>
-              <a:t> </a:t>
-            </a:r>
-            <a:r>
-              <a:rPr lang="es-AR" sz="2000" dirty="0" err="1">
-                <a:solidFill>
-                  <a:schemeClr val="tx1"/>
-                </a:solidFill>
-                <a:ea typeface="Segoe UI" pitchFamily="34" charset="0"/>
-                <a:cs typeface="Segoe UI" pitchFamily="34" charset="0"/>
-              </a:rPr>
-              <a:t>this</a:t>
-            </a:r>
-            <a:r>
-              <a:rPr lang="es-AR" sz="2000" dirty="0">
-                <a:solidFill>
-                  <a:schemeClr val="tx1"/>
-                </a:solidFill>
-                <a:ea typeface="Segoe UI" pitchFamily="34" charset="0"/>
-                <a:cs typeface="Segoe UI" pitchFamily="34" charset="0"/>
-              </a:rPr>
-              <a:t> </a:t>
-            </a:r>
-            <a:r>
-              <a:rPr lang="es-AR" sz="2000" dirty="0" err="1">
-                <a:solidFill>
-                  <a:schemeClr val="tx1"/>
-                </a:solidFill>
-                <a:ea typeface="Segoe UI" pitchFamily="34" charset="0"/>
-                <a:cs typeface="Segoe UI" pitchFamily="34" charset="0"/>
-              </a:rPr>
-              <a:t>slide</a:t>
-            </a:r>
-            <a:r>
-              <a:rPr lang="es-AR" sz="2000" dirty="0">
-                <a:solidFill>
-                  <a:schemeClr val="tx1"/>
-                </a:solidFill>
-                <a:ea typeface="Segoe UI" pitchFamily="34" charset="0"/>
-                <a:cs typeface="Segoe UI" pitchFamily="34" charset="0"/>
-              </a:rPr>
-              <a:t>.</a:t>
-            </a:r>
-          </a:p>
-        </p:txBody>
-      </p:sp>
-    </p:spTree>
-    <p:custDataLst>
-      <p:tags r:id="rId1"/>
-    </p:custDataLst>
-    <p:extLst>
-      <p:ext uri="{BB962C8B-B14F-4D97-AF65-F5344CB8AC3E}">
-        <p14:creationId xmlns:p14="http://schemas.microsoft.com/office/powerpoint/2010/main" val="1114646802"/>
       </p:ext>
     </p:extLst>
   </p:cSld>
@@ -27727,7 +26412,7 @@
           <p:cNvPr id="3" name="Gráfico 2">
             <a:extLst>
               <a:ext uri="{FF2B5EF4-FFF2-40B4-BE49-F238E27FC236}">
-                <a16:creationId xmlns:a16="http://schemas.microsoft.com/office/drawing/2014/main" id="{70640340-CB49-436A-6037-AAF68850F1EE}"/>
+                <a16:creationId xmlns:a16="http://schemas.microsoft.com/office/drawing/2014/main" id="{7DF09267-F825-549B-54A9-6714F711CF0D}"/>
               </a:ext>
             </a:extLst>
           </p:cNvPr>
@@ -27767,7 +26452,7 @@
           <p:cNvPr id="5" name="Gráfico 4">
             <a:extLst>
               <a:ext uri="{FF2B5EF4-FFF2-40B4-BE49-F238E27FC236}">
-                <a16:creationId xmlns:a16="http://schemas.microsoft.com/office/drawing/2014/main" id="{84176A24-8377-2375-50DA-72D2829C2A6A}"/>
+                <a16:creationId xmlns:a16="http://schemas.microsoft.com/office/drawing/2014/main" id="{1A066EC6-7344-D77D-715F-5CF94D2B3154}"/>
               </a:ext>
             </a:extLst>
           </p:cNvPr>
@@ -27807,7 +26492,7 @@
           <p:cNvPr id="6" name="Rectángulo 5">
             <a:extLst>
               <a:ext uri="{FF2B5EF4-FFF2-40B4-BE49-F238E27FC236}">
-                <a16:creationId xmlns:a16="http://schemas.microsoft.com/office/drawing/2014/main" id="{BEF4CDD7-0FEB-A42D-D3A5-88356CAFE6DC}"/>
+                <a16:creationId xmlns:a16="http://schemas.microsoft.com/office/drawing/2014/main" id="{CE1F7B41-A6A2-9A34-9E72-88FC59425E97}"/>
               </a:ext>
             </a:extLst>
           </p:cNvPr>
@@ -27878,15 +26563,14 @@
               </a:spcAft>
             </a:pPr>
             <a:r>
-              <a:rPr lang="es-AR" sz="2900" b="1" dirty="0">
+              <a:rPr lang="es-AR" sz="3600" b="1" dirty="0">
                 <a:solidFill>
                   <a:schemeClr val="tx1"/>
                 </a:solidFill>
                 <a:ea typeface="Segoe UI" pitchFamily="34" charset="0"/>
                 <a:cs typeface="Segoe UI" pitchFamily="34" charset="0"/>
               </a:rPr>
-              <a:t>¿Cuáles son ventajas de las pruebas unitarias?
-(Selecciona todas las que correspondan)</a:t>
+              <a:t>¿Qué patrón se sigue generalmente en una prueba unitaria?</a:t>
             </a:r>
           </a:p>
         </p:txBody>
@@ -27896,7 +26580,7 @@
           <p:cNvPr id="7" name="Rectángulo redondeado 6">
             <a:extLst>
               <a:ext uri="{FF2B5EF4-FFF2-40B4-BE49-F238E27FC236}">
-                <a16:creationId xmlns:a16="http://schemas.microsoft.com/office/drawing/2014/main" id="{6C574916-0B98-D92D-72D9-3D2CD170B85A}"/>
+                <a16:creationId xmlns:a16="http://schemas.microsoft.com/office/drawing/2014/main" id="{7E85F4F1-F204-54C9-5B20-12934207D9EB}"/>
               </a:ext>
             </a:extLst>
           </p:cNvPr>
@@ -27984,7 +26668,7 @@
           <p:cNvPr id="9" name="Gráfico 8">
             <a:extLst>
               <a:ext uri="{FF2B5EF4-FFF2-40B4-BE49-F238E27FC236}">
-                <a16:creationId xmlns:a16="http://schemas.microsoft.com/office/drawing/2014/main" id="{95F4F1D4-69D6-52A5-6658-47962822C062}"/>
+                <a16:creationId xmlns:a16="http://schemas.microsoft.com/office/drawing/2014/main" id="{921E960A-2605-D11F-E6A0-173E4795BB46}"/>
               </a:ext>
             </a:extLst>
           </p:cNvPr>
@@ -28024,7 +26708,7 @@
           <p:cNvPr id="10" name="Rectángulo 9">
             <a:extLst>
               <a:ext uri="{FF2B5EF4-FFF2-40B4-BE49-F238E27FC236}">
-                <a16:creationId xmlns:a16="http://schemas.microsoft.com/office/drawing/2014/main" id="{DC350C80-CBBF-3454-471A-DEAEF1CD5860}"/>
+                <a16:creationId xmlns:a16="http://schemas.microsoft.com/office/drawing/2014/main" id="{2EEAADF3-0428-B235-854C-70954954EAD5}"/>
               </a:ext>
             </a:extLst>
           </p:cNvPr>
@@ -28088,225 +26772,59 @@
               </a:spcAft>
             </a:pPr>
             <a:r>
-              <a:rPr lang="es-AR" sz="2200" b="1" dirty="0">
-                <a:solidFill>
-                  <a:schemeClr val="tx1"/>
-                </a:solidFill>
+              <a:rPr lang="es-AR" sz="2200" b="1">
+                <a:gradFill flip="none" rotWithShape="1">
+                  <a:gsLst>
+                    <a:gs pos="0">
+                      <a:srgbClr val="5B5B5B"/>
+                    </a:gs>
+                    <a:gs pos="100000">
+                      <a:srgbClr val="FFFFFF"/>
+                    </a:gs>
+                  </a:gsLst>
+                  <a:lin ang="5400000" scaled="0"/>
+                  <a:tileRect/>
+                </a:gradFill>
                 <a:ea typeface="Segoe UI" pitchFamily="34" charset="0"/>
                 <a:cs typeface="Segoe UI" pitchFamily="34" charset="0"/>
               </a:rPr>
               <a:t>ⓘ</a:t>
             </a:r>
             <a:r>
-              <a:rPr lang="es-AR" sz="2000" dirty="0">
-                <a:solidFill>
-                  <a:schemeClr val="tx1"/>
-                </a:solidFill>
+              <a:rPr lang="es-AR" sz="2000">
+                <a:gradFill flip="none" rotWithShape="1">
+                  <a:gsLst>
+                    <a:gs pos="0">
+                      <a:srgbClr val="5B5B5B"/>
+                    </a:gs>
+                    <a:gs pos="100000">
+                      <a:srgbClr val="FFFFFF"/>
+                    </a:gs>
+                  </a:gsLst>
+                  <a:lin ang="5400000" scaled="0"/>
+                  <a:tileRect/>
+                </a:gradFill>
                 <a:ea typeface="Segoe UI" pitchFamily="34" charset="0"/>
                 <a:cs typeface="Segoe UI" pitchFamily="34" charset="0"/>
               </a:rPr>
-              <a:t> </a:t>
-            </a:r>
-            <a:r>
-              <a:rPr lang="es-AR" sz="2000" dirty="0" err="1">
-                <a:solidFill>
-                  <a:schemeClr val="tx1"/>
-                </a:solidFill>
-                <a:ea typeface="Segoe UI" pitchFamily="34" charset="0"/>
-                <a:cs typeface="Segoe UI" pitchFamily="34" charset="0"/>
-              </a:rPr>
-              <a:t>Start</a:t>
-            </a:r>
-            <a:r>
-              <a:rPr lang="es-AR" sz="2000" dirty="0">
-                <a:solidFill>
-                  <a:schemeClr val="tx1"/>
-                </a:solidFill>
-                <a:ea typeface="Segoe UI" pitchFamily="34" charset="0"/>
-                <a:cs typeface="Segoe UI" pitchFamily="34" charset="0"/>
-              </a:rPr>
-              <a:t> </a:t>
-            </a:r>
-            <a:r>
-              <a:rPr lang="es-AR" sz="2000" dirty="0" err="1">
-                <a:solidFill>
-                  <a:schemeClr val="tx1"/>
-                </a:solidFill>
-                <a:ea typeface="Segoe UI" pitchFamily="34" charset="0"/>
-                <a:cs typeface="Segoe UI" pitchFamily="34" charset="0"/>
-              </a:rPr>
-              <a:t>presenting</a:t>
-            </a:r>
-            <a:r>
-              <a:rPr lang="es-AR" sz="2000" dirty="0">
-                <a:solidFill>
-                  <a:schemeClr val="tx1"/>
-                </a:solidFill>
-                <a:ea typeface="Segoe UI" pitchFamily="34" charset="0"/>
-                <a:cs typeface="Segoe UI" pitchFamily="34" charset="0"/>
-              </a:rPr>
-              <a:t> </a:t>
-            </a:r>
-            <a:r>
-              <a:rPr lang="es-AR" sz="2000" dirty="0" err="1">
-                <a:solidFill>
-                  <a:schemeClr val="tx1"/>
-                </a:solidFill>
-                <a:ea typeface="Segoe UI" pitchFamily="34" charset="0"/>
-                <a:cs typeface="Segoe UI" pitchFamily="34" charset="0"/>
-              </a:rPr>
-              <a:t>to</a:t>
-            </a:r>
-            <a:r>
-              <a:rPr lang="es-AR" sz="2000" dirty="0">
-                <a:solidFill>
-                  <a:schemeClr val="tx1"/>
-                </a:solidFill>
-                <a:ea typeface="Segoe UI" pitchFamily="34" charset="0"/>
-                <a:cs typeface="Segoe UI" pitchFamily="34" charset="0"/>
-              </a:rPr>
-              <a:t> </a:t>
-            </a:r>
-            <a:r>
-              <a:rPr lang="es-AR" sz="2000" dirty="0" err="1">
-                <a:solidFill>
-                  <a:schemeClr val="tx1"/>
-                </a:solidFill>
-                <a:ea typeface="Segoe UI" pitchFamily="34" charset="0"/>
-                <a:cs typeface="Segoe UI" pitchFamily="34" charset="0"/>
-              </a:rPr>
-              <a:t>display</a:t>
-            </a:r>
-            <a:r>
-              <a:rPr lang="es-AR" sz="2000" dirty="0">
-                <a:solidFill>
-                  <a:schemeClr val="tx1"/>
-                </a:solidFill>
-                <a:ea typeface="Segoe UI" pitchFamily="34" charset="0"/>
-                <a:cs typeface="Segoe UI" pitchFamily="34" charset="0"/>
-              </a:rPr>
-              <a:t> </a:t>
-            </a:r>
-            <a:r>
-              <a:rPr lang="es-AR" sz="2000" dirty="0" err="1">
-                <a:solidFill>
-                  <a:schemeClr val="tx1"/>
-                </a:solidFill>
-                <a:ea typeface="Segoe UI" pitchFamily="34" charset="0"/>
-                <a:cs typeface="Segoe UI" pitchFamily="34" charset="0"/>
-              </a:rPr>
-              <a:t>the</a:t>
-            </a:r>
-            <a:r>
-              <a:rPr lang="es-AR" sz="2000" dirty="0">
-                <a:solidFill>
-                  <a:schemeClr val="tx1"/>
-                </a:solidFill>
-                <a:ea typeface="Segoe UI" pitchFamily="34" charset="0"/>
-                <a:cs typeface="Segoe UI" pitchFamily="34" charset="0"/>
-              </a:rPr>
-              <a:t> </a:t>
-            </a:r>
-            <a:r>
-              <a:rPr lang="es-AR" sz="2000" dirty="0" err="1">
-                <a:solidFill>
-                  <a:schemeClr val="tx1"/>
-                </a:solidFill>
-                <a:ea typeface="Segoe UI" pitchFamily="34" charset="0"/>
-                <a:cs typeface="Segoe UI" pitchFamily="34" charset="0"/>
-              </a:rPr>
-              <a:t>poll</a:t>
-            </a:r>
-            <a:r>
-              <a:rPr lang="es-AR" sz="2000" dirty="0">
-                <a:solidFill>
-                  <a:schemeClr val="tx1"/>
-                </a:solidFill>
-                <a:ea typeface="Segoe UI" pitchFamily="34" charset="0"/>
-                <a:cs typeface="Segoe UI" pitchFamily="34" charset="0"/>
-              </a:rPr>
-              <a:t> </a:t>
-            </a:r>
-            <a:r>
-              <a:rPr lang="es-AR" sz="2000" dirty="0" err="1">
-                <a:solidFill>
-                  <a:schemeClr val="tx1"/>
-                </a:solidFill>
-                <a:ea typeface="Segoe UI" pitchFamily="34" charset="0"/>
-                <a:cs typeface="Segoe UI" pitchFamily="34" charset="0"/>
-              </a:rPr>
-              <a:t>results</a:t>
-            </a:r>
-            <a:r>
-              <a:rPr lang="es-AR" sz="2000" dirty="0">
-                <a:solidFill>
-                  <a:schemeClr val="tx1"/>
-                </a:solidFill>
-                <a:ea typeface="Segoe UI" pitchFamily="34" charset="0"/>
-                <a:cs typeface="Segoe UI" pitchFamily="34" charset="0"/>
-              </a:rPr>
-              <a:t> </a:t>
-            </a:r>
-            <a:r>
-              <a:rPr lang="es-AR" sz="2000" dirty="0" err="1">
-                <a:solidFill>
-                  <a:schemeClr val="tx1"/>
-                </a:solidFill>
-                <a:ea typeface="Segoe UI" pitchFamily="34" charset="0"/>
-                <a:cs typeface="Segoe UI" pitchFamily="34" charset="0"/>
-              </a:rPr>
-              <a:t>on</a:t>
-            </a:r>
-            <a:r>
-              <a:rPr lang="es-AR" sz="2000" dirty="0">
-                <a:solidFill>
-                  <a:schemeClr val="tx1"/>
-                </a:solidFill>
-                <a:ea typeface="Segoe UI" pitchFamily="34" charset="0"/>
-                <a:cs typeface="Segoe UI" pitchFamily="34" charset="0"/>
-              </a:rPr>
-              <a:t> </a:t>
-            </a:r>
-            <a:r>
-              <a:rPr lang="es-AR" sz="2000" dirty="0" err="1">
-                <a:solidFill>
-                  <a:schemeClr val="tx1"/>
-                </a:solidFill>
-                <a:ea typeface="Segoe UI" pitchFamily="34" charset="0"/>
-                <a:cs typeface="Segoe UI" pitchFamily="34" charset="0"/>
-              </a:rPr>
-              <a:t>this</a:t>
-            </a:r>
-            <a:r>
-              <a:rPr lang="es-AR" sz="2000" dirty="0">
-                <a:solidFill>
-                  <a:schemeClr val="tx1"/>
-                </a:solidFill>
-                <a:ea typeface="Segoe UI" pitchFamily="34" charset="0"/>
-                <a:cs typeface="Segoe UI" pitchFamily="34" charset="0"/>
-              </a:rPr>
-              <a:t> </a:t>
-            </a:r>
-            <a:r>
-              <a:rPr lang="es-AR" sz="2000" dirty="0" err="1">
-                <a:solidFill>
-                  <a:schemeClr val="tx1"/>
-                </a:solidFill>
-                <a:ea typeface="Segoe UI" pitchFamily="34" charset="0"/>
-                <a:cs typeface="Segoe UI" pitchFamily="34" charset="0"/>
-              </a:rPr>
-              <a:t>slide</a:t>
-            </a:r>
-            <a:r>
-              <a:rPr lang="es-AR" sz="2000" dirty="0">
-                <a:solidFill>
-                  <a:schemeClr val="tx1"/>
-                </a:solidFill>
-                <a:ea typeface="Segoe UI" pitchFamily="34" charset="0"/>
-                <a:cs typeface="Segoe UI" pitchFamily="34" charset="0"/>
-              </a:rPr>
-              <a:t>.</a:t>
-            </a:r>
+              <a:t> Start presenting to display the poll results on this slide.</a:t>
+            </a:r>
+            <a:endParaRPr lang="es-AR" sz="2000" dirty="0" err="1">
+              <a:gradFill flip="none" rotWithShape="1">
+                <a:gsLst>
+                  <a:gs pos="0">
+                    <a:srgbClr val="5B5B5B"/>
+                  </a:gs>
+                  <a:gs pos="100000">
+                    <a:srgbClr val="FFFFFF"/>
+                  </a:gs>
+                </a:gsLst>
+                <a:lin ang="5400000" scaled="0"/>
+                <a:tileRect/>
+              </a:gradFill>
+              <a:ea typeface="Segoe UI" pitchFamily="34" charset="0"/>
+              <a:cs typeface="Segoe UI" pitchFamily="34" charset="0"/>
+            </a:endParaRPr>
           </a:p>
         </p:txBody>
       </p:sp>
@@ -28316,7 +26834,7 @@
     </p:custDataLst>
     <p:extLst>
       <p:ext uri="{BB962C8B-B14F-4D97-AF65-F5344CB8AC3E}">
-        <p14:creationId xmlns:p14="http://schemas.microsoft.com/office/powerpoint/2010/main" val="3560872929"/>
+        <p14:creationId xmlns:p14="http://schemas.microsoft.com/office/powerpoint/2010/main" val="2965543256"/>
       </p:ext>
     </p:extLst>
   </p:cSld>
@@ -29099,6 +27617,14 @@
 <file path=ppt/slides/slide20.xml><?xml version="1.0" encoding="utf-8"?>
 <p:sld xmlns:a="http://schemas.openxmlformats.org/drawingml/2006/main" xmlns:r="http://schemas.openxmlformats.org/officeDocument/2006/relationships" xmlns:p="http://schemas.openxmlformats.org/presentationml/2006/main" showMasterSp="0">
   <p:cSld>
+    <p:bg>
+      <p:bgPr>
+        <a:solidFill>
+          <a:srgbClr val="FFFFFF"/>
+        </a:solidFill>
+        <a:effectLst/>
+      </p:bgPr>
+    </p:bg>
     <p:spTree>
       <p:nvGrpSpPr>
         <p:cNvPr id="1" name=""/>
@@ -29113,602 +27639,604 @@
           <a:chExt cx="0" cy="0"/>
         </a:xfrm>
       </p:grpSpPr>
-      <p:sp>
-        <p:nvSpPr>
-          <p:cNvPr id="4" name="Title 3">
+      <p:pic>
+        <p:nvPicPr>
+          <p:cNvPr id="3" name="Gráfico 2">
             <a:extLst>
               <a:ext uri="{FF2B5EF4-FFF2-40B4-BE49-F238E27FC236}">
-                <a16:creationId xmlns:a16="http://schemas.microsoft.com/office/drawing/2014/main" id="{DA6A65AD-43AA-423E-8D08-19A36B5745EF}"/>
-              </a:ext>
-            </a:extLst>
-          </p:cNvPr>
-          <p:cNvSpPr>
-            <a:spLocks noGrp="1"/>
-          </p:cNvSpPr>
-          <p:nvPr>
-            <p:ph type="title"/>
-          </p:nvPr>
-        </p:nvSpPr>
-        <p:spPr>
-          <a:xfrm>
-            <a:off x="434974" y="227014"/>
-            <a:ext cx="11802421" cy="754061"/>
-          </a:xfrm>
-        </p:spPr>
-        <p:txBody>
-          <a:bodyPr/>
-          <a:lstStyle/>
-          <a:p>
-            <a:r>
-              <a:rPr lang="es-AR" dirty="0"/>
-              <a:t>Presentación del TP</a:t>
-            </a:r>
-            <a:endParaRPr lang="en-US" dirty="0">
-              <a:solidFill>
-                <a:srgbClr val="2C65E1"/>
-              </a:solidFill>
-            </a:endParaRPr>
-          </a:p>
-        </p:txBody>
-      </p:sp>
-      <p:pic>
-        <p:nvPicPr>
-          <p:cNvPr id="24" name="Imagen 23">
-            <a:extLst>
-              <a:ext uri="{FF2B5EF4-FFF2-40B4-BE49-F238E27FC236}">
-                <a16:creationId xmlns:a16="http://schemas.microsoft.com/office/drawing/2014/main" id="{6380FFF8-722E-A863-F0A5-558D5BC3638A}"/>
+                <a16:creationId xmlns:a16="http://schemas.microsoft.com/office/drawing/2014/main" id="{65D57858-4412-BB88-79E4-F092DB401559}"/>
               </a:ext>
             </a:extLst>
           </p:cNvPr>
           <p:cNvPicPr>
-            <a:picLocks noChangeAspect="1"/>
+            <a:picLocks/>
           </p:cNvPicPr>
-          <p:nvPr/>
+          <p:nvPr>
+            <p:custDataLst>
+              <p:tags r:id="rId2"/>
+            </p:custDataLst>
+          </p:nvPr>
         </p:nvPicPr>
         <p:blipFill>
-          <a:blip r:embed="rId3">
+          <a:blip r:embed="rId9">
             <a:extLst>
-              <a:ext uri="{28A0092B-C50C-407E-A947-70E740481C1C}">
-                <a14:useLocalDpi xmlns:a14="http://schemas.microsoft.com/office/drawing/2010/main" val="0"/>
-              </a:ext>
-              <a:ext uri="{837473B0-CC2E-450A-ABE3-18F120FF3D39}">
-                <a1611:picAttrSrcUrl xmlns:a1611="http://schemas.microsoft.com/office/drawing/2016/11/main" r:id="rId4"/>
+              <a:ext uri="{96DAC541-7B7A-43D3-8B79-37D633B846F1}">
+                <asvg:svgBlip xmlns:asvg="http://schemas.microsoft.com/office/drawing/2016/SVG/main" r:embed="rId10"/>
               </a:ext>
             </a:extLst>
           </a:blip>
-          <a:srcRect/>
-          <a:stretch/>
+          <a:stretch>
+            <a:fillRect/>
+          </a:stretch>
         </p:blipFill>
         <p:spPr>
           <a:xfrm>
-            <a:off x="4787248" y="1661287"/>
-            <a:ext cx="3097871" cy="2789626"/>
+            <a:off x="3979672" y="629507"/>
+            <a:ext cx="1057100" cy="528550"/>
           </a:xfrm>
           <a:prstGeom prst="rect">
             <a:avLst/>
           </a:prstGeom>
         </p:spPr>
       </p:pic>
+      <p:pic>
+        <p:nvPicPr>
+          <p:cNvPr id="5" name="Gráfico 4">
+            <a:extLst>
+              <a:ext uri="{FF2B5EF4-FFF2-40B4-BE49-F238E27FC236}">
+                <a16:creationId xmlns:a16="http://schemas.microsoft.com/office/drawing/2014/main" id="{F49DA989-7C6C-D4A1-95C2-8FC9AD1EAF32}"/>
+              </a:ext>
+            </a:extLst>
+          </p:cNvPr>
+          <p:cNvPicPr>
+            <a:picLocks/>
+          </p:cNvPicPr>
+          <p:nvPr>
+            <p:custDataLst>
+              <p:tags r:id="rId3"/>
+            </p:custDataLst>
+          </p:nvPr>
+        </p:nvPicPr>
+        <p:blipFill>
+          <a:blip r:embed="rId11">
+            <a:extLst>
+              <a:ext uri="{96DAC541-7B7A-43D3-8B79-37D633B846F1}">
+                <asvg:svgBlip xmlns:asvg="http://schemas.microsoft.com/office/drawing/2016/SVG/main" r:embed="rId12"/>
+              </a:ext>
+            </a:extLst>
+          </a:blip>
+          <a:stretch>
+            <a:fillRect/>
+          </a:stretch>
+        </p:blipFill>
+        <p:spPr>
+          <a:xfrm>
+            <a:off x="1181465" y="2315797"/>
+            <a:ext cx="2362930" cy="2362930"/>
+          </a:xfrm>
+          <a:prstGeom prst="rect">
+            <a:avLst/>
+          </a:prstGeom>
+        </p:spPr>
+      </p:pic>
+      <p:sp>
+        <p:nvSpPr>
+          <p:cNvPr id="6" name="Rectángulo 5">
+            <a:extLst>
+              <a:ext uri="{FF2B5EF4-FFF2-40B4-BE49-F238E27FC236}">
+                <a16:creationId xmlns:a16="http://schemas.microsoft.com/office/drawing/2014/main" id="{90D67705-0D6C-AF4C-F301-D75D8B965E28}"/>
+              </a:ext>
+            </a:extLst>
+          </p:cNvPr>
+          <p:cNvSpPr/>
+          <p:nvPr>
+            <p:custDataLst>
+              <p:tags r:id="rId4"/>
+            </p:custDataLst>
+          </p:nvPr>
+        </p:nvSpPr>
+        <p:spPr bwMode="auto">
+          <a:xfrm>
+            <a:off x="3979672" y="2622947"/>
+            <a:ext cx="7461885" cy="1748631"/>
+          </a:xfrm>
+          <a:prstGeom prst="rect">
+            <a:avLst/>
+          </a:prstGeom>
+          <a:noFill/>
+          <a:ln>
+            <a:noFill/>
+            <a:headEnd type="none" w="med" len="med"/>
+            <a:tailEnd type="none" w="med" len="med"/>
+          </a:ln>
+          <a:effectLst/>
+          <a:extLst>
+            <a:ext uri="{909E8E84-426E-40DD-AFC4-6F175D3DCCD1}">
+              <a14:hiddenFill xmlns:a14="http://schemas.microsoft.com/office/drawing/2010/main">
+                <a:solidFill>
+                  <a:schemeClr val="accent1"/>
+                </a:solidFill>
+              </a14:hiddenFill>
+            </a:ext>
+          </a:extLst>
+        </p:spPr>
+        <p:style>
+          <a:lnRef idx="1">
+            <a:schemeClr val="accent2"/>
+          </a:lnRef>
+          <a:fillRef idx="3">
+            <a:schemeClr val="accent2"/>
+          </a:fillRef>
+          <a:effectRef idx="2">
+            <a:schemeClr val="accent2"/>
+          </a:effectRef>
+          <a:fontRef idx="minor">
+            <a:schemeClr val="lt1"/>
+          </a:fontRef>
+        </p:style>
+        <p:txBody>
+          <a:bodyPr rot="0" spcFirstLastPara="0" vertOverflow="overflow" horzOverflow="overflow" vert="horz" wrap="square" lIns="182880" tIns="146304" rIns="182880" bIns="146304" numCol="1" spcCol="0" rtlCol="0" fromWordArt="0" anchor="t" anchorCtr="0" forceAA="0" compatLnSpc="1">
+            <a:prstTxWarp prst="textNoShape">
+              <a:avLst/>
+            </a:prstTxWarp>
+            <a:noAutofit/>
+          </a:bodyPr>
+          <a:lstStyle/>
+          <a:p>
+            <a:pPr defTabSz="932472" fontAlgn="base">
+              <a:lnSpc>
+                <a:spcPct val="90000"/>
+              </a:lnSpc>
+              <a:spcBef>
+                <a:spcPct val="0"/>
+              </a:spcBef>
+              <a:spcAft>
+                <a:spcPct val="0"/>
+              </a:spcAft>
+            </a:pPr>
+            <a:r>
+              <a:rPr lang="es-AR" sz="3600" b="1">
+                <a:solidFill>
+                  <a:schemeClr val="tx1"/>
+                </a:solidFill>
+                <a:ea typeface="Segoe UI" pitchFamily="34" charset="0"/>
+                <a:cs typeface="Segoe UI" pitchFamily="34" charset="0"/>
+              </a:rPr>
+              <a:t>¿Qué NO debe probarse en una prueba unitaria?</a:t>
+            </a:r>
+            <a:endParaRPr lang="es-AR" sz="3600" b="1" dirty="0" err="1">
+              <a:solidFill>
+                <a:schemeClr val="tx1"/>
+              </a:solidFill>
+              <a:ea typeface="Segoe UI" pitchFamily="34" charset="0"/>
+              <a:cs typeface="Segoe UI" pitchFamily="34" charset="0"/>
+            </a:endParaRPr>
+          </a:p>
+        </p:txBody>
+      </p:sp>
+      <p:sp>
+        <p:nvSpPr>
+          <p:cNvPr id="7" name="Rectángulo redondeado 6">
+            <a:extLst>
+              <a:ext uri="{FF2B5EF4-FFF2-40B4-BE49-F238E27FC236}">
+                <a16:creationId xmlns:a16="http://schemas.microsoft.com/office/drawing/2014/main" id="{8403D5D1-C3CF-491D-9BA0-80345E40A45F}"/>
+              </a:ext>
+            </a:extLst>
+          </p:cNvPr>
+          <p:cNvSpPr/>
+          <p:nvPr>
+            <p:custDataLst>
+              <p:tags r:id="rId5"/>
+            </p:custDataLst>
+          </p:nvPr>
+        </p:nvSpPr>
+        <p:spPr bwMode="auto">
+          <a:xfrm>
+            <a:off x="6408738" y="439138"/>
+            <a:ext cx="5646737" cy="909288"/>
+          </a:xfrm>
+          <a:prstGeom prst="roundRect">
+            <a:avLst/>
+          </a:prstGeom>
+          <a:solidFill>
+            <a:srgbClr val="F4F4F4"/>
+          </a:solidFill>
+          <a:ln>
+            <a:noFill/>
+            <a:headEnd type="none" w="med" len="med"/>
+            <a:tailEnd type="none" w="med" len="med"/>
+          </a:ln>
+          <a:effectLst/>
+        </p:spPr>
+        <p:style>
+          <a:lnRef idx="1">
+            <a:schemeClr val="accent2"/>
+          </a:lnRef>
+          <a:fillRef idx="3">
+            <a:schemeClr val="accent2"/>
+          </a:fillRef>
+          <a:effectRef idx="2">
+            <a:schemeClr val="accent2"/>
+          </a:effectRef>
+          <a:fontRef idx="minor">
+            <a:schemeClr val="lt1"/>
+          </a:fontRef>
+        </p:style>
+        <p:txBody>
+          <a:bodyPr rot="0" spcFirstLastPara="0" vertOverflow="overflow" horzOverflow="overflow" vert="horz" wrap="square" lIns="317500" tIns="146304" rIns="1143000" bIns="146304" numCol="1" spcCol="0" rtlCol="0" fromWordArt="0" anchor="t" anchorCtr="0" forceAA="0" compatLnSpc="1">
+            <a:prstTxWarp prst="textNoShape">
+              <a:avLst/>
+            </a:prstTxWarp>
+            <a:normAutofit lnSpcReduction="10000"/>
+          </a:bodyPr>
+          <a:lstStyle/>
+          <a:p>
+            <a:pPr defTabSz="932472" fontAlgn="base">
+              <a:lnSpc>
+                <a:spcPct val="90000"/>
+              </a:lnSpc>
+              <a:spcBef>
+                <a:spcPct val="0"/>
+              </a:spcBef>
+              <a:spcAft>
+                <a:spcPct val="0"/>
+              </a:spcAft>
+            </a:pPr>
+            <a:r>
+              <a:rPr lang="es-AR" sz="2000">
+                <a:solidFill>
+                  <a:schemeClr val="tx1"/>
+                </a:solidFill>
+                <a:ea typeface="Segoe UI" pitchFamily="34" charset="0"/>
+                <a:cs typeface="Segoe UI" pitchFamily="34" charset="0"/>
+              </a:rPr>
+              <a:t>Please download and install the Slido app on all computers you use</a:t>
+            </a:r>
+            <a:endParaRPr lang="es-AR" sz="2000" dirty="0" err="1">
+              <a:solidFill>
+                <a:schemeClr val="tx1"/>
+              </a:solidFill>
+              <a:ea typeface="Segoe UI" pitchFamily="34" charset="0"/>
+              <a:cs typeface="Segoe UI" pitchFamily="34" charset="0"/>
+            </a:endParaRPr>
+          </a:p>
+        </p:txBody>
+      </p:sp>
+      <p:pic>
+        <p:nvPicPr>
+          <p:cNvPr id="9" name="Gráfico 8">
+            <a:extLst>
+              <a:ext uri="{FF2B5EF4-FFF2-40B4-BE49-F238E27FC236}">
+                <a16:creationId xmlns:a16="http://schemas.microsoft.com/office/drawing/2014/main" id="{C5531736-8579-C0AB-67A9-92D25B27D103}"/>
+              </a:ext>
+            </a:extLst>
+          </p:cNvPr>
+          <p:cNvPicPr>
+            <a:picLocks/>
+          </p:cNvPicPr>
+          <p:nvPr>
+            <p:custDataLst>
+              <p:tags r:id="rId6"/>
+            </p:custDataLst>
+          </p:nvPr>
+        </p:nvPicPr>
+        <p:blipFill>
+          <a:blip r:embed="rId13">
+            <a:extLst>
+              <a:ext uri="{96DAC541-7B7A-43D3-8B79-37D633B846F1}">
+                <asvg:svgBlip xmlns:asvg="http://schemas.microsoft.com/office/drawing/2016/SVG/main" r:embed="rId14"/>
+              </a:ext>
+            </a:extLst>
+          </a:blip>
+          <a:stretch>
+            <a:fillRect/>
+          </a:stretch>
+        </p:blipFill>
+        <p:spPr>
+          <a:xfrm>
+            <a:off x="11054708" y="589171"/>
+            <a:ext cx="609223" cy="609223"/>
+          </a:xfrm>
+          <a:prstGeom prst="rect">
+            <a:avLst/>
+          </a:prstGeom>
+        </p:spPr>
+      </p:pic>
+      <p:sp>
+        <p:nvSpPr>
+          <p:cNvPr id="10" name="Rectángulo 9">
+            <a:extLst>
+              <a:ext uri="{FF2B5EF4-FFF2-40B4-BE49-F238E27FC236}">
+                <a16:creationId xmlns:a16="http://schemas.microsoft.com/office/drawing/2014/main" id="{33494546-EE7D-7036-C34E-2A640C177506}"/>
+              </a:ext>
+            </a:extLst>
+          </p:cNvPr>
+          <p:cNvSpPr/>
+          <p:nvPr>
+            <p:custDataLst>
+              <p:tags r:id="rId7"/>
+            </p:custDataLst>
+          </p:nvPr>
+        </p:nvSpPr>
+        <p:spPr bwMode="auto">
+          <a:xfrm>
+            <a:off x="3979672" y="6169025"/>
+            <a:ext cx="7461885" cy="528550"/>
+          </a:xfrm>
+          <a:prstGeom prst="rect">
+            <a:avLst/>
+          </a:prstGeom>
+          <a:solidFill>
+            <a:srgbClr val="FFFFFF"/>
+          </a:solidFill>
+          <a:ln>
+            <a:noFill/>
+            <a:headEnd type="none" w="med" len="med"/>
+            <a:tailEnd type="none" w="med" len="med"/>
+          </a:ln>
+          <a:effectLst/>
+        </p:spPr>
+        <p:style>
+          <a:lnRef idx="1">
+            <a:schemeClr val="accent2"/>
+          </a:lnRef>
+          <a:fillRef idx="3">
+            <a:schemeClr val="accent2"/>
+          </a:fillRef>
+          <a:effectRef idx="2">
+            <a:schemeClr val="accent2"/>
+          </a:effectRef>
+          <a:fontRef idx="minor">
+            <a:schemeClr val="lt1"/>
+          </a:fontRef>
+        </p:style>
+        <p:txBody>
+          <a:bodyPr rot="0" spcFirstLastPara="0" vertOverflow="overflow" horzOverflow="overflow" vert="horz" wrap="square" lIns="182880" tIns="146304" rIns="182880" bIns="146304" numCol="1" spcCol="0" rtlCol="0" fromWordArt="0" anchor="t" anchorCtr="0" forceAA="0" compatLnSpc="1">
+            <a:prstTxWarp prst="textNoShape">
+              <a:avLst/>
+            </a:prstTxWarp>
+            <a:normAutofit fontScale="92500" lnSpcReduction="20000"/>
+          </a:bodyPr>
+          <a:lstStyle/>
+          <a:p>
+            <a:pPr defTabSz="932472" fontAlgn="base">
+              <a:lnSpc>
+                <a:spcPct val="90000"/>
+              </a:lnSpc>
+              <a:spcBef>
+                <a:spcPct val="0"/>
+              </a:spcBef>
+              <a:spcAft>
+                <a:spcPct val="0"/>
+              </a:spcAft>
+            </a:pPr>
+            <a:r>
+              <a:rPr lang="es-AR" sz="2200" b="1">
+                <a:solidFill>
+                  <a:schemeClr val="tx1"/>
+                </a:solidFill>
+                <a:ea typeface="Segoe UI" pitchFamily="34" charset="0"/>
+                <a:cs typeface="Segoe UI" pitchFamily="34" charset="0"/>
+              </a:rPr>
+              <a:t>ⓘ</a:t>
+            </a:r>
+            <a:r>
+              <a:rPr lang="es-AR" sz="2000">
+                <a:solidFill>
+                  <a:schemeClr val="tx1"/>
+                </a:solidFill>
+                <a:ea typeface="Segoe UI" pitchFamily="34" charset="0"/>
+                <a:cs typeface="Segoe UI" pitchFamily="34" charset="0"/>
+              </a:rPr>
+              <a:t> Start presenting to display the poll results on this slide.</a:t>
+            </a:r>
+            <a:endParaRPr lang="es-AR" sz="2000" dirty="0" err="1">
+              <a:solidFill>
+                <a:schemeClr val="tx1"/>
+              </a:solidFill>
+              <a:ea typeface="Segoe UI" pitchFamily="34" charset="0"/>
+              <a:cs typeface="Segoe UI" pitchFamily="34" charset="0"/>
+            </a:endParaRPr>
+          </a:p>
+        </p:txBody>
+      </p:sp>
     </p:spTree>
+    <p:custDataLst>
+      <p:tags r:id="rId1"/>
+    </p:custDataLst>
     <p:extLst>
       <p:ext uri="{BB962C8B-B14F-4D97-AF65-F5344CB8AC3E}">
-        <p14:creationId xmlns:p14="http://schemas.microsoft.com/office/powerpoint/2010/main" val="1146899652"/>
+        <p14:creationId xmlns:p14="http://schemas.microsoft.com/office/powerpoint/2010/main" val="2506104914"/>
       </p:ext>
     </p:extLst>
   </p:cSld>
   <p:clrMapOvr>
     <a:masterClrMapping/>
   </p:clrMapOvr>
-  <mc:AlternateContent xmlns:mc="http://schemas.openxmlformats.org/markup-compatibility/2006" xmlns:p14="http://schemas.microsoft.com/office/powerpoint/2010/main">
-    <mc:Choice Requires="p14">
-      <p:transition spd="med" p14:dur="700">
-        <p:fade/>
-      </p:transition>
-    </mc:Choice>
-    <mc:Fallback xmlns="">
-      <p:transition spd="med">
-        <p:fade/>
-      </p:transition>
-    </mc:Fallback>
-  </mc:AlternateContent>
+  <p:transition>
+    <p:fade/>
+  </p:transition>
+  <p:timing>
+    <p:tnLst>
+      <p:par>
+        <p:cTn id="1" dur="indefinite" restart="never" nodeType="tmRoot">
+          <p:childTnLst>
+            <p:seq concurrent="1" nextAc="seek">
+              <p:cTn id="2" dur="indefinite" nodeType="mainSeq">
+                <p:childTnLst>
+                  <p:par>
+                    <p:cTn id="3" fill="hold">
+                      <p:stCondLst>
+                        <p:cond delay="indefinite"/>
+                      </p:stCondLst>
+                      <p:childTnLst>
+                        <p:par>
+                          <p:cTn id="4" fill="hold">
+                            <p:stCondLst>
+                              <p:cond delay="0"/>
+                            </p:stCondLst>
+                            <p:childTnLst>
+                              <p:par>
+                                <p:cTn id="5" presetID="26" presetClass="emph" presetSubtype="0" fill="hold" grpId="0" nodeType="clickEffect">
+                                  <p:stCondLst>
+                                    <p:cond delay="0"/>
+                                  </p:stCondLst>
+                                  <p:childTnLst>
+                                    <p:animEffect transition="out" filter="fade">
+                                      <p:cBhvr>
+                                        <p:cTn id="6" dur="50" tmFilter="0, 0; .2, .5; .8, .5; 1, 0"/>
+                                        <p:tgtEl>
+                                          <p:spTgt spid="6"/>
+                                        </p:tgtEl>
+                                      </p:cBhvr>
+                                    </p:animEffect>
+                                    <p:animScale>
+                                      <p:cBhvr>
+                                        <p:cTn id="7" dur="25" autoRev="1" fill="hold"/>
+                                        <p:tgtEl>
+                                          <p:spTgt spid="6"/>
+                                        </p:tgtEl>
+                                      </p:cBhvr>
+                                      <p:by x="105000" y="105000"/>
+                                    </p:animScale>
+                                  </p:childTnLst>
+                                </p:cTn>
+                              </p:par>
+                            </p:childTnLst>
+                          </p:cTn>
+                        </p:par>
+                      </p:childTnLst>
+                    </p:cTn>
+                  </p:par>
+                  <p:par>
+                    <p:cTn id="8" fill="hold">
+                      <p:stCondLst>
+                        <p:cond delay="indefinite"/>
+                      </p:stCondLst>
+                      <p:childTnLst>
+                        <p:par>
+                          <p:cTn id="9" fill="hold">
+                            <p:stCondLst>
+                              <p:cond delay="0"/>
+                            </p:stCondLst>
+                            <p:childTnLst>
+                              <p:par>
+                                <p:cTn id="10" presetID="26" presetClass="emph" presetSubtype="0" fill="hold" grpId="1" nodeType="clickEffect">
+                                  <p:stCondLst>
+                                    <p:cond delay="0"/>
+                                  </p:stCondLst>
+                                  <p:childTnLst>
+                                    <p:animEffect transition="out" filter="fade">
+                                      <p:cBhvr>
+                                        <p:cTn id="11" dur="50" tmFilter="0, 0; .2, .5; .8, .5; 1, 0"/>
+                                        <p:tgtEl>
+                                          <p:spTgt spid="6"/>
+                                        </p:tgtEl>
+                                      </p:cBhvr>
+                                    </p:animEffect>
+                                    <p:animScale>
+                                      <p:cBhvr>
+                                        <p:cTn id="12" dur="25" autoRev="1" fill="hold"/>
+                                        <p:tgtEl>
+                                          <p:spTgt spid="6"/>
+                                        </p:tgtEl>
+                                      </p:cBhvr>
+                                      <p:by x="105000" y="105000"/>
+                                    </p:animScale>
+                                  </p:childTnLst>
+                                </p:cTn>
+                              </p:par>
+                            </p:childTnLst>
+                          </p:cTn>
+                        </p:par>
+                      </p:childTnLst>
+                    </p:cTn>
+                  </p:par>
+                  <p:par>
+                    <p:cTn id="13" fill="hold">
+                      <p:stCondLst>
+                        <p:cond delay="indefinite"/>
+                      </p:stCondLst>
+                      <p:childTnLst>
+                        <p:par>
+                          <p:cTn id="14" fill="hold">
+                            <p:stCondLst>
+                              <p:cond delay="0"/>
+                            </p:stCondLst>
+                            <p:childTnLst>
+                              <p:par>
+                                <p:cTn id="15" presetID="26" presetClass="emph" presetSubtype="0" fill="hold" grpId="2" nodeType="clickEffect">
+                                  <p:stCondLst>
+                                    <p:cond delay="0"/>
+                                  </p:stCondLst>
+                                  <p:childTnLst>
+                                    <p:animEffect transition="out" filter="fade">
+                                      <p:cBhvr>
+                                        <p:cTn id="16" dur="50" tmFilter="0, 0; .2, .5; .8, .5; 1, 0"/>
+                                        <p:tgtEl>
+                                          <p:spTgt spid="6"/>
+                                        </p:tgtEl>
+                                      </p:cBhvr>
+                                    </p:animEffect>
+                                    <p:animScale>
+                                      <p:cBhvr>
+                                        <p:cTn id="17" dur="25" autoRev="1" fill="hold"/>
+                                        <p:tgtEl>
+                                          <p:spTgt spid="6"/>
+                                        </p:tgtEl>
+                                      </p:cBhvr>
+                                      <p:by x="105000" y="105000"/>
+                                    </p:animScale>
+                                  </p:childTnLst>
+                                </p:cTn>
+                              </p:par>
+                            </p:childTnLst>
+                          </p:cTn>
+                        </p:par>
+                      </p:childTnLst>
+                    </p:cTn>
+                  </p:par>
+                </p:childTnLst>
+              </p:cTn>
+              <p:prevCondLst>
+                <p:cond evt="onPrev" delay="0">
+                  <p:tgtEl>
+                    <p:sldTgt/>
+                  </p:tgtEl>
+                </p:cond>
+              </p:prevCondLst>
+              <p:nextCondLst>
+                <p:cond evt="onNext" delay="0">
+                  <p:tgtEl>
+                    <p:sldTgt/>
+                  </p:tgtEl>
+                </p:cond>
+              </p:nextCondLst>
+            </p:seq>
+          </p:childTnLst>
+        </p:cTn>
+      </p:par>
+    </p:tnLst>
+    <p:bldLst>
+      <p:bldP spid="6" grpId="0"/>
+      <p:bldP spid="6" grpId="1"/>
+      <p:bldP spid="6" grpId="2"/>
+    </p:bldLst>
+  </p:timing>
 </p:sld>
 </file>
 
 <file path=ppt/slides/slide21.xml><?xml version="1.0" encoding="utf-8"?>
 <p:sld xmlns:a="http://schemas.openxmlformats.org/drawingml/2006/main" xmlns:r="http://schemas.openxmlformats.org/officeDocument/2006/relationships" xmlns:p="http://schemas.openxmlformats.org/presentationml/2006/main" showMasterSp="0">
   <p:cSld>
-    <p:spTree>
-      <p:nvGrpSpPr>
-        <p:cNvPr id="1" name="">
-          <a:extLst>
-            <a:ext uri="{FF2B5EF4-FFF2-40B4-BE49-F238E27FC236}">
-              <a16:creationId xmlns:a16="http://schemas.microsoft.com/office/drawing/2014/main" id="{8236D03A-225A-22D8-C4BD-90AD0EC909A6}"/>
-            </a:ext>
-          </a:extLst>
-        </p:cNvPr>
-        <p:cNvGrpSpPr/>
-        <p:nvPr/>
-      </p:nvGrpSpPr>
-      <p:grpSpPr>
-        <a:xfrm>
-          <a:off x="0" y="0"/>
-          <a:ext cx="0" cy="0"/>
-          <a:chOff x="0" y="0"/>
-          <a:chExt cx="0" cy="0"/>
-        </a:xfrm>
-      </p:grpSpPr>
-      <p:sp>
-        <p:nvSpPr>
-          <p:cNvPr id="4" name="Title 3">
-            <a:extLst>
-              <a:ext uri="{FF2B5EF4-FFF2-40B4-BE49-F238E27FC236}">
-                <a16:creationId xmlns:a16="http://schemas.microsoft.com/office/drawing/2014/main" id="{2810C4D7-9248-7043-EFF3-EDF39D288676}"/>
-              </a:ext>
-            </a:extLst>
-          </p:cNvPr>
-          <p:cNvSpPr>
-            <a:spLocks noGrp="1"/>
-          </p:cNvSpPr>
-          <p:nvPr>
-            <p:ph type="title"/>
-          </p:nvPr>
-        </p:nvSpPr>
-        <p:spPr>
-          <a:xfrm>
-            <a:off x="434975" y="227014"/>
-            <a:ext cx="11563350" cy="754061"/>
-          </a:xfrm>
-        </p:spPr>
-        <p:txBody>
-          <a:bodyPr/>
-          <a:lstStyle/>
-          <a:p>
-            <a:r>
-              <a:rPr lang="es-AR" dirty="0"/>
-              <a:t>Consigna y Desarrollo del Trabajo Práctico</a:t>
-            </a:r>
-            <a:endParaRPr lang="en-US" dirty="0">
-              <a:solidFill>
-                <a:srgbClr val="2C65E1"/>
-              </a:solidFill>
-            </a:endParaRPr>
-          </a:p>
-        </p:txBody>
-      </p:sp>
-      <p:sp>
-        <p:nvSpPr>
-          <p:cNvPr id="5" name="Text Placeholder 4">
-            <a:extLst>
-              <a:ext uri="{FF2B5EF4-FFF2-40B4-BE49-F238E27FC236}">
-                <a16:creationId xmlns:a16="http://schemas.microsoft.com/office/drawing/2014/main" id="{E4510C4A-DFF3-D93A-97F5-C9DEAD0882F7}"/>
-              </a:ext>
-            </a:extLst>
-          </p:cNvPr>
-          <p:cNvSpPr>
-            <a:spLocks noGrp="1"/>
-          </p:cNvSpPr>
-          <p:nvPr>
-            <p:ph type="body" sz="quarter" idx="10"/>
-          </p:nvPr>
-        </p:nvSpPr>
-        <p:spPr>
-          <a:xfrm>
-            <a:off x="445129" y="972295"/>
-            <a:ext cx="11405976" cy="544162"/>
-          </a:xfrm>
-        </p:spPr>
-        <p:txBody>
-          <a:bodyPr/>
-          <a:lstStyle/>
-          <a:p>
-            <a:r>
-              <a:rPr lang="es-AR" sz="1800" dirty="0">
-                <a:solidFill>
-                  <a:schemeClr val="tx1">
-                    <a:lumMod val="65000"/>
-                    <a:lumOff val="35000"/>
-                  </a:schemeClr>
-                </a:solidFill>
-              </a:rPr>
-              <a:t>Pruebas Unitarias en </a:t>
-            </a:r>
-            <a:r>
-              <a:rPr lang="es-AR" sz="1800" dirty="0" err="1">
-                <a:solidFill>
-                  <a:schemeClr val="tx1">
-                    <a:lumMod val="65000"/>
-                    <a:lumOff val="35000"/>
-                  </a:schemeClr>
-                </a:solidFill>
-              </a:rPr>
-              <a:t>Backend</a:t>
-            </a:r>
-            <a:r>
-              <a:rPr lang="es-AR" sz="1800" dirty="0">
-                <a:solidFill>
-                  <a:schemeClr val="tx1">
-                    <a:lumMod val="65000"/>
-                    <a:lumOff val="35000"/>
-                  </a:schemeClr>
-                </a:solidFill>
-              </a:rPr>
-              <a:t> y </a:t>
-            </a:r>
-            <a:r>
-              <a:rPr lang="es-AR" sz="1800" dirty="0" err="1">
-                <a:solidFill>
-                  <a:schemeClr val="tx1">
-                    <a:lumMod val="65000"/>
-                    <a:lumOff val="35000"/>
-                  </a:schemeClr>
-                </a:solidFill>
-              </a:rPr>
-              <a:t>Frontend</a:t>
-            </a:r>
-            <a:r>
-              <a:rPr lang="es-AR" sz="1800" dirty="0">
-                <a:solidFill>
-                  <a:schemeClr val="tx1">
-                    <a:lumMod val="65000"/>
-                    <a:lumOff val="35000"/>
-                  </a:schemeClr>
-                </a:solidFill>
-              </a:rPr>
-              <a:t> con Simulación de Dependencias.</a:t>
-            </a:r>
-          </a:p>
-          <a:p>
-            <a:pPr>
-              <a:lnSpc>
-                <a:spcPct val="100000"/>
-              </a:lnSpc>
-              <a:spcAft>
-                <a:spcPts val="800"/>
-              </a:spcAft>
-            </a:pPr>
-            <a:endParaRPr lang="es-AR" sz="1800" dirty="0">
-              <a:solidFill>
-                <a:schemeClr val="tx1">
-                  <a:lumMod val="65000"/>
-                  <a:lumOff val="35000"/>
-                </a:schemeClr>
-              </a:solidFill>
-            </a:endParaRPr>
-          </a:p>
-        </p:txBody>
-      </p:sp>
-      <p:sp>
-        <p:nvSpPr>
-          <p:cNvPr id="3" name="CuadroTexto 2">
-            <a:extLst>
-              <a:ext uri="{FF2B5EF4-FFF2-40B4-BE49-F238E27FC236}">
-                <a16:creationId xmlns:a16="http://schemas.microsoft.com/office/drawing/2014/main" id="{A132146F-1E7D-A134-F16E-9594298EBB8F}"/>
-              </a:ext>
-            </a:extLst>
-          </p:cNvPr>
-          <p:cNvSpPr txBox="1"/>
-          <p:nvPr/>
-        </p:nvSpPr>
-        <p:spPr>
-          <a:xfrm>
-            <a:off x="297909" y="1307427"/>
-            <a:ext cx="11553196" cy="5016758"/>
-          </a:xfrm>
-          <a:prstGeom prst="rect">
-            <a:avLst/>
-          </a:prstGeom>
-          <a:noFill/>
-        </p:spPr>
-        <p:txBody>
-          <a:bodyPr wrap="square">
-            <a:spAutoFit/>
-          </a:bodyPr>
-          <a:lstStyle/>
-          <a:p>
-            <a:r>
-              <a:rPr lang="es-AR" sz="1600" b="1" dirty="0" err="1"/>
-              <a:t>Backend</a:t>
-            </a:r>
-            <a:r>
-              <a:rPr lang="es-AR" sz="1600" b="1" dirty="0"/>
-              <a:t>: Pruebas Unitarias con </a:t>
-            </a:r>
-            <a:r>
-              <a:rPr lang="es-AR" sz="1600" b="1" dirty="0" err="1"/>
-              <a:t>xUnit</a:t>
-            </a:r>
-            <a:r>
-              <a:rPr lang="es-AR" sz="1600" b="1" dirty="0"/>
-              <a:t> y </a:t>
-            </a:r>
-            <a:r>
-              <a:rPr lang="es-AR" sz="1600" b="1" dirty="0" err="1"/>
-              <a:t>Moq</a:t>
-            </a:r>
-            <a:endParaRPr lang="es-AR" sz="1600" b="1" dirty="0"/>
-          </a:p>
-          <a:p>
-            <a:endParaRPr lang="es-AR" sz="1600" b="1" dirty="0"/>
-          </a:p>
-          <a:p>
-            <a:pPr marL="285750" indent="-285750">
-              <a:buFont typeface="Arial" panose="020B0604020202020204" pitchFamily="34" charset="0"/>
-              <a:buChar char="•"/>
-            </a:pPr>
-            <a:r>
-              <a:rPr lang="es-AR" sz="1600" b="1" dirty="0"/>
-              <a:t>Objetivo</a:t>
-            </a:r>
-            <a:r>
-              <a:rPr lang="es-AR" sz="1600" dirty="0"/>
-              <a:t>: Crear un proyecto de pruebas unitarias para la API utilizando </a:t>
-            </a:r>
-            <a:r>
-              <a:rPr lang="es-AR" sz="1600" b="1" dirty="0" err="1"/>
-              <a:t>xUnit</a:t>
-            </a:r>
-            <a:r>
-              <a:rPr lang="es-AR" sz="1600" dirty="0"/>
-              <a:t> y </a:t>
-            </a:r>
-            <a:r>
-              <a:rPr lang="es-AR" sz="1600" b="1" dirty="0" err="1"/>
-              <a:t>Moq</a:t>
-            </a:r>
-            <a:r>
-              <a:rPr lang="es-AR" sz="1600" dirty="0"/>
-              <a:t>.</a:t>
-            </a:r>
-          </a:p>
-          <a:p>
-            <a:pPr marL="285750" indent="-285750">
-              <a:buFont typeface="Arial" panose="020B0604020202020204" pitchFamily="34" charset="0"/>
-              <a:buChar char="•"/>
-            </a:pPr>
-            <a:r>
-              <a:rPr lang="es-AR" sz="1600" b="1" dirty="0"/>
-              <a:t>Desarrollo</a:t>
-            </a:r>
-            <a:r>
-              <a:rPr lang="es-AR" sz="1600" dirty="0"/>
-              <a:t>:</a:t>
-            </a:r>
-          </a:p>
-          <a:p>
-            <a:pPr marL="742950" lvl="1" indent="-285750">
-              <a:buFont typeface="Arial" panose="020B0604020202020204" pitchFamily="34" charset="0"/>
-              <a:buChar char="•"/>
-            </a:pPr>
-            <a:r>
-              <a:rPr lang="es-AR" sz="1600" dirty="0"/>
-              <a:t>Implementar pruebas sobre los métodos CRUD del controlador, simulando la base de datos con </a:t>
-            </a:r>
-            <a:r>
-              <a:rPr lang="es-AR" sz="1600" b="1" dirty="0" err="1"/>
-              <a:t>Entity</a:t>
-            </a:r>
-            <a:r>
-              <a:rPr lang="es-AR" sz="1600" b="1" dirty="0"/>
-              <a:t> Framework Core </a:t>
-            </a:r>
-            <a:r>
-              <a:rPr lang="es-AR" sz="1600" b="1" dirty="0" err="1"/>
-              <a:t>InMemory</a:t>
-            </a:r>
-            <a:r>
-              <a:rPr lang="es-AR" sz="1600" dirty="0"/>
-              <a:t>.</a:t>
-            </a:r>
-          </a:p>
-          <a:p>
-            <a:pPr marL="742950" lvl="1" indent="-285750">
-              <a:buFont typeface="Arial" panose="020B0604020202020204" pitchFamily="34" charset="0"/>
-              <a:buChar char="•"/>
-            </a:pPr>
-            <a:r>
-              <a:rPr lang="es-AR" sz="1600" dirty="0"/>
-              <a:t>Probar operaciones como obtener empleados, agregar, actualizar y eliminar.</a:t>
-            </a:r>
-          </a:p>
-          <a:p>
-            <a:pPr marL="742950" lvl="1" indent="-285750">
-              <a:buFont typeface="Arial" panose="020B0604020202020204" pitchFamily="34" charset="0"/>
-              <a:buChar char="•"/>
-            </a:pPr>
-            <a:r>
-              <a:rPr lang="es-AR" sz="1600" dirty="0"/>
-              <a:t>Validar que no se puedan agregar empleados duplicados y que los nombres y apellidos tengan el formato correcto.</a:t>
-            </a:r>
-          </a:p>
-          <a:p>
-            <a:pPr marL="276606" indent="-285750">
-              <a:buFont typeface="Arial" panose="020B0604020202020204" pitchFamily="34" charset="0"/>
-              <a:buChar char="•"/>
-            </a:pPr>
-            <a:r>
-              <a:rPr lang="es-AR" sz="1600" b="1" dirty="0"/>
-              <a:t>Resultado esperado</a:t>
-            </a:r>
-            <a:r>
-              <a:rPr lang="es-AR" sz="1600" dirty="0"/>
-              <a:t>: Las operaciones CRUD funcionen correctamente en aislamiento y las validaciones indicadas estén implementadas.</a:t>
-            </a:r>
-          </a:p>
-          <a:p>
-            <a:endParaRPr lang="es-AR" sz="1600" b="1" dirty="0"/>
-          </a:p>
-          <a:p>
-            <a:r>
-              <a:rPr lang="es-AR" sz="1600" b="1" dirty="0" err="1"/>
-              <a:t>Frontend</a:t>
-            </a:r>
-            <a:r>
-              <a:rPr lang="es-AR" sz="1600" b="1" dirty="0"/>
-              <a:t>: Pruebas Unitarias con Jasmine y </a:t>
-            </a:r>
-            <a:r>
-              <a:rPr lang="es-AR" sz="1600" b="1" dirty="0" err="1"/>
-              <a:t>HttpClientTestingModule</a:t>
-            </a:r>
-            <a:endParaRPr lang="es-AR" sz="1600" b="1" dirty="0"/>
-          </a:p>
-          <a:p>
-            <a:endParaRPr lang="es-AR" sz="1600" b="1" dirty="0"/>
-          </a:p>
-          <a:p>
-            <a:pPr marL="285750" indent="-285750">
-              <a:buFont typeface="Arial" panose="020B0604020202020204" pitchFamily="34" charset="0"/>
-              <a:buChar char="•"/>
-            </a:pPr>
-            <a:r>
-              <a:rPr lang="es-AR" sz="1600" b="1" dirty="0"/>
-              <a:t>Objetivo</a:t>
-            </a:r>
-            <a:r>
-              <a:rPr lang="es-AR" sz="1600" dirty="0"/>
-              <a:t>: Crear pruebas unitarias para el </a:t>
-            </a:r>
-            <a:r>
-              <a:rPr lang="es-AR" sz="1600" dirty="0" err="1"/>
-              <a:t>frontend</a:t>
-            </a:r>
-            <a:r>
-              <a:rPr lang="es-AR" sz="1600" dirty="0"/>
-              <a:t> en </a:t>
-            </a:r>
-            <a:r>
-              <a:rPr lang="es-AR" sz="1600" b="1" dirty="0"/>
-              <a:t>Angular</a:t>
-            </a:r>
-            <a:r>
-              <a:rPr lang="es-AR" sz="1600" dirty="0"/>
-              <a:t> utilizando </a:t>
-            </a:r>
-            <a:r>
-              <a:rPr lang="es-AR" sz="1600" b="1" dirty="0"/>
-              <a:t>Jasmine</a:t>
-            </a:r>
-            <a:r>
-              <a:rPr lang="es-AR" sz="1600" dirty="0"/>
-              <a:t>.</a:t>
-            </a:r>
-          </a:p>
-          <a:p>
-            <a:pPr marL="285750" indent="-285750">
-              <a:buFont typeface="Arial" panose="020B0604020202020204" pitchFamily="34" charset="0"/>
-              <a:buChar char="•"/>
-            </a:pPr>
-            <a:r>
-              <a:rPr lang="es-AR" sz="1600" b="1" dirty="0"/>
-              <a:t>Desarrollo</a:t>
-            </a:r>
-            <a:r>
-              <a:rPr lang="es-AR" sz="1600" dirty="0"/>
-              <a:t>:</a:t>
-            </a:r>
-          </a:p>
-          <a:p>
-            <a:pPr marL="742950" lvl="1" indent="-285750">
-              <a:buFont typeface="Arial" panose="020B0604020202020204" pitchFamily="34" charset="0"/>
-              <a:buChar char="•"/>
-            </a:pPr>
-            <a:r>
-              <a:rPr lang="es-AR" sz="1600" dirty="0"/>
-              <a:t>Verificar la correcta funcionalidad de los componentes y las validaciones de nombres sin caracteres especiales.</a:t>
-            </a:r>
-          </a:p>
-          <a:p>
-            <a:pPr marL="742950" lvl="1" indent="-285750">
-              <a:buFont typeface="Arial" panose="020B0604020202020204" pitchFamily="34" charset="0"/>
-              <a:buChar char="•"/>
-            </a:pPr>
-            <a:r>
-              <a:rPr lang="es-AR" sz="1600" dirty="0" err="1"/>
-              <a:t>Mockear</a:t>
-            </a:r>
-            <a:r>
-              <a:rPr lang="es-AR" sz="1600" dirty="0"/>
-              <a:t> servicios HTTP usando </a:t>
-            </a:r>
-            <a:r>
-              <a:rPr lang="es-AR" sz="1600" b="1" dirty="0" err="1"/>
-              <a:t>HttpClientTestingModule</a:t>
-            </a:r>
-            <a:r>
-              <a:rPr lang="es-AR" sz="1600" dirty="0"/>
-              <a:t>.</a:t>
-            </a:r>
-          </a:p>
-          <a:p>
-            <a:pPr marL="742950" lvl="1" indent="-285750">
-              <a:buFont typeface="Arial" panose="020B0604020202020204" pitchFamily="34" charset="0"/>
-              <a:buChar char="•"/>
-            </a:pPr>
-            <a:r>
-              <a:rPr lang="es-AR" sz="1600" dirty="0"/>
-              <a:t>Probar que los componentes manejen correctamente los datos y visualicen errores en un </a:t>
-            </a:r>
-            <a:r>
-              <a:rPr lang="es-AR" sz="1600" dirty="0" err="1"/>
-              <a:t>toast</a:t>
-            </a:r>
-            <a:r>
-              <a:rPr lang="es-AR" sz="1600" dirty="0"/>
-              <a:t> antes de enviar datos a la API.</a:t>
-            </a:r>
-          </a:p>
-          <a:p>
-            <a:pPr marL="276606" indent="-285750">
-              <a:buFont typeface="Arial" panose="020B0604020202020204" pitchFamily="34" charset="0"/>
-              <a:buChar char="•"/>
-            </a:pPr>
-            <a:r>
-              <a:rPr lang="es-AR" sz="1600" b="1" dirty="0"/>
-              <a:t>Resultado esperado</a:t>
-            </a:r>
-            <a:r>
-              <a:rPr lang="es-AR" sz="1600" dirty="0"/>
-              <a:t>: Las validaciones del </a:t>
-            </a:r>
-            <a:r>
-              <a:rPr lang="es-AR" sz="1600" dirty="0" err="1"/>
-              <a:t>frontend</a:t>
-            </a:r>
-            <a:r>
-              <a:rPr lang="es-AR" sz="1600" dirty="0"/>
-              <a:t> funcionen correctamente antes de interactuar con la API.</a:t>
-            </a:r>
-          </a:p>
-        </p:txBody>
-      </p:sp>
-    </p:spTree>
-    <p:extLst>
-      <p:ext uri="{BB962C8B-B14F-4D97-AF65-F5344CB8AC3E}">
-        <p14:creationId xmlns:p14="http://schemas.microsoft.com/office/powerpoint/2010/main" val="2855033522"/>
-      </p:ext>
-    </p:extLst>
-  </p:cSld>
-  <p:clrMapOvr>
-    <a:masterClrMapping/>
-  </p:clrMapOvr>
-  <mc:AlternateContent xmlns:mc="http://schemas.openxmlformats.org/markup-compatibility/2006">
-    <mc:Choice xmlns:p14="http://schemas.microsoft.com/office/powerpoint/2010/main" Requires="p14">
-      <p:transition spd="med" p14:dur="700">
-        <p:fade/>
-      </p:transition>
-    </mc:Choice>
-    <mc:Fallback>
-      <p:transition spd="med">
-        <p:fade/>
-      </p:transition>
-    </mc:Fallback>
-  </mc:AlternateContent>
-</p:sld>
-</file>
-
-<file path=ppt/slides/slide22.xml><?xml version="1.0" encoding="utf-8"?>
-<p:sld xmlns:a="http://schemas.openxmlformats.org/drawingml/2006/main" xmlns:r="http://schemas.openxmlformats.org/officeDocument/2006/relationships" xmlns:p="http://schemas.openxmlformats.org/presentationml/2006/main" showMasterSp="0">
-  <p:cSld>
+    <p:bg>
+      <p:bgPr>
+        <a:solidFill>
+          <a:srgbClr val="FFFFFF"/>
+        </a:solidFill>
+        <a:effectLst/>
+      </p:bgPr>
+    </p:bg>
     <p:spTree>
       <p:nvGrpSpPr>
         <p:cNvPr id="1" name=""/>
@@ -29723,104 +28251,1576 @@
           <a:chExt cx="0" cy="0"/>
         </a:xfrm>
       </p:grpSpPr>
-      <p:sp>
-        <p:nvSpPr>
-          <p:cNvPr id="4" name="Title 3">
+      <p:pic>
+        <p:nvPicPr>
+          <p:cNvPr id="3" name="Gráfico 2">
             <a:extLst>
               <a:ext uri="{FF2B5EF4-FFF2-40B4-BE49-F238E27FC236}">
-                <a16:creationId xmlns:a16="http://schemas.microsoft.com/office/drawing/2014/main" id="{DA6A65AD-43AA-423E-8D08-19A36B5745EF}"/>
-              </a:ext>
-            </a:extLst>
-          </p:cNvPr>
-          <p:cNvSpPr>
-            <a:spLocks noGrp="1"/>
-          </p:cNvSpPr>
-          <p:nvPr>
-            <p:ph type="title"/>
-          </p:nvPr>
-        </p:nvSpPr>
-        <p:spPr>
-          <a:xfrm>
-            <a:off x="434974" y="227014"/>
-            <a:ext cx="11802421" cy="754061"/>
-          </a:xfrm>
-        </p:spPr>
-        <p:txBody>
-          <a:bodyPr/>
-          <a:lstStyle/>
-          <a:p>
-            <a:r>
-              <a:rPr lang="es-AR" dirty="0"/>
-              <a:t>Espacio para preguntas, dudas y consultas</a:t>
-            </a:r>
-            <a:endParaRPr lang="en-US" dirty="0">
-              <a:solidFill>
-                <a:srgbClr val="2C65E1"/>
-              </a:solidFill>
-            </a:endParaRPr>
-          </a:p>
-        </p:txBody>
-      </p:sp>
-      <p:pic>
-        <p:nvPicPr>
-          <p:cNvPr id="24" name="Imagen 23">
-            <a:extLst>
-              <a:ext uri="{FF2B5EF4-FFF2-40B4-BE49-F238E27FC236}">
-                <a16:creationId xmlns:a16="http://schemas.microsoft.com/office/drawing/2014/main" id="{6380FFF8-722E-A863-F0A5-558D5BC3638A}"/>
+                <a16:creationId xmlns:a16="http://schemas.microsoft.com/office/drawing/2014/main" id="{428BD225-FA65-3CE1-18EC-C7BCC04E5622}"/>
               </a:ext>
             </a:extLst>
           </p:cNvPr>
           <p:cNvPicPr>
-            <a:picLocks noChangeAspect="1"/>
+            <a:picLocks/>
           </p:cNvPicPr>
-          <p:nvPr/>
+          <p:nvPr>
+            <p:custDataLst>
+              <p:tags r:id="rId2"/>
+            </p:custDataLst>
+          </p:nvPr>
         </p:nvPicPr>
         <p:blipFill>
-          <a:blip r:embed="rId3">
+          <a:blip r:embed="rId9">
             <a:extLst>
-              <a:ext uri="{28A0092B-C50C-407E-A947-70E740481C1C}">
-                <a14:useLocalDpi xmlns:a14="http://schemas.microsoft.com/office/drawing/2010/main" val="0"/>
-              </a:ext>
-              <a:ext uri="{837473B0-CC2E-450A-ABE3-18F120FF3D39}">
-                <a1611:picAttrSrcUrl xmlns:a1611="http://schemas.microsoft.com/office/drawing/2016/11/main" r:id="rId4"/>
+              <a:ext uri="{96DAC541-7B7A-43D3-8B79-37D633B846F1}">
+                <asvg:svgBlip xmlns:asvg="http://schemas.microsoft.com/office/drawing/2016/SVG/main" r:embed="rId10"/>
               </a:ext>
             </a:extLst>
           </a:blip>
-          <a:srcRect/>
-          <a:stretch/>
+          <a:stretch>
+            <a:fillRect/>
+          </a:stretch>
         </p:blipFill>
         <p:spPr>
           <a:xfrm>
-            <a:off x="3836785" y="1910896"/>
-            <a:ext cx="4762904" cy="3172732"/>
+            <a:off x="3979672" y="629507"/>
+            <a:ext cx="1057100" cy="528550"/>
           </a:xfrm>
           <a:prstGeom prst="rect">
             <a:avLst/>
           </a:prstGeom>
         </p:spPr>
       </p:pic>
+      <p:pic>
+        <p:nvPicPr>
+          <p:cNvPr id="5" name="Gráfico 4">
+            <a:extLst>
+              <a:ext uri="{FF2B5EF4-FFF2-40B4-BE49-F238E27FC236}">
+                <a16:creationId xmlns:a16="http://schemas.microsoft.com/office/drawing/2014/main" id="{0CDAAA92-D5D2-73F6-D460-6C0714DA9E7D}"/>
+              </a:ext>
+            </a:extLst>
+          </p:cNvPr>
+          <p:cNvPicPr>
+            <a:picLocks/>
+          </p:cNvPicPr>
+          <p:nvPr>
+            <p:custDataLst>
+              <p:tags r:id="rId3"/>
+            </p:custDataLst>
+          </p:nvPr>
+        </p:nvPicPr>
+        <p:blipFill>
+          <a:blip r:embed="rId11">
+            <a:extLst>
+              <a:ext uri="{96DAC541-7B7A-43D3-8B79-37D633B846F1}">
+                <asvg:svgBlip xmlns:asvg="http://schemas.microsoft.com/office/drawing/2016/SVG/main" r:embed="rId12"/>
+              </a:ext>
+            </a:extLst>
+          </a:blip>
+          <a:stretch>
+            <a:fillRect/>
+          </a:stretch>
+        </p:blipFill>
+        <p:spPr>
+          <a:xfrm>
+            <a:off x="1181465" y="2315797"/>
+            <a:ext cx="2362930" cy="2362930"/>
+          </a:xfrm>
+          <a:prstGeom prst="rect">
+            <a:avLst/>
+          </a:prstGeom>
+        </p:spPr>
+      </p:pic>
+      <p:sp>
+        <p:nvSpPr>
+          <p:cNvPr id="6" name="Rectángulo 5">
+            <a:extLst>
+              <a:ext uri="{FF2B5EF4-FFF2-40B4-BE49-F238E27FC236}">
+                <a16:creationId xmlns:a16="http://schemas.microsoft.com/office/drawing/2014/main" id="{A67AEAC9-A9E6-C48E-DA59-FA450E49733F}"/>
+              </a:ext>
+            </a:extLst>
+          </p:cNvPr>
+          <p:cNvSpPr/>
+          <p:nvPr>
+            <p:custDataLst>
+              <p:tags r:id="rId4"/>
+            </p:custDataLst>
+          </p:nvPr>
+        </p:nvSpPr>
+        <p:spPr bwMode="auto">
+          <a:xfrm>
+            <a:off x="3979672" y="2622947"/>
+            <a:ext cx="7461885" cy="1748631"/>
+          </a:xfrm>
+          <a:prstGeom prst="rect">
+            <a:avLst/>
+          </a:prstGeom>
+          <a:noFill/>
+          <a:ln>
+            <a:noFill/>
+            <a:headEnd type="none" w="med" len="med"/>
+            <a:tailEnd type="none" w="med" len="med"/>
+          </a:ln>
+          <a:effectLst/>
+          <a:extLst>
+            <a:ext uri="{909E8E84-426E-40DD-AFC4-6F175D3DCCD1}">
+              <a14:hiddenFill xmlns:a14="http://schemas.microsoft.com/office/drawing/2010/main">
+                <a:solidFill>
+                  <a:schemeClr val="accent1"/>
+                </a:solidFill>
+              </a14:hiddenFill>
+            </a:ext>
+          </a:extLst>
+        </p:spPr>
+        <p:style>
+          <a:lnRef idx="1">
+            <a:schemeClr val="accent2"/>
+          </a:lnRef>
+          <a:fillRef idx="3">
+            <a:schemeClr val="accent2"/>
+          </a:fillRef>
+          <a:effectRef idx="2">
+            <a:schemeClr val="accent2"/>
+          </a:effectRef>
+          <a:fontRef idx="minor">
+            <a:schemeClr val="lt1"/>
+          </a:fontRef>
+        </p:style>
+        <p:txBody>
+          <a:bodyPr rot="0" spcFirstLastPara="0" vertOverflow="overflow" horzOverflow="overflow" vert="horz" wrap="square" lIns="182880" tIns="146304" rIns="182880" bIns="146304" numCol="1" spcCol="0" rtlCol="0" fromWordArt="0" anchor="t" anchorCtr="0" forceAA="0" compatLnSpc="1">
+            <a:prstTxWarp prst="textNoShape">
+              <a:avLst/>
+            </a:prstTxWarp>
+            <a:noAutofit/>
+          </a:bodyPr>
+          <a:lstStyle/>
+          <a:p>
+            <a:pPr defTabSz="932472" fontAlgn="base">
+              <a:lnSpc>
+                <a:spcPct val="90000"/>
+              </a:lnSpc>
+              <a:spcBef>
+                <a:spcPct val="0"/>
+              </a:spcBef>
+              <a:spcAft>
+                <a:spcPct val="0"/>
+              </a:spcAft>
+            </a:pPr>
+            <a:r>
+              <a:rPr lang="es-AR" sz="2400" b="1" dirty="0">
+                <a:solidFill>
+                  <a:schemeClr val="tx1"/>
+                </a:solidFill>
+                <a:ea typeface="Segoe UI" pitchFamily="34" charset="0"/>
+                <a:cs typeface="Segoe UI" pitchFamily="34" charset="0"/>
+              </a:rPr>
+              <a:t>¿Cuáles de las siguientes son características de una prueba unitaria?
+(Selecciona todas las que correspondan)</a:t>
+            </a:r>
+          </a:p>
+        </p:txBody>
+      </p:sp>
+      <p:sp>
+        <p:nvSpPr>
+          <p:cNvPr id="7" name="Rectángulo redondeado 6">
+            <a:extLst>
+              <a:ext uri="{FF2B5EF4-FFF2-40B4-BE49-F238E27FC236}">
+                <a16:creationId xmlns:a16="http://schemas.microsoft.com/office/drawing/2014/main" id="{2523BE7A-2025-B8BF-A566-5703AA3D6ED0}"/>
+              </a:ext>
+            </a:extLst>
+          </p:cNvPr>
+          <p:cNvSpPr/>
+          <p:nvPr>
+            <p:custDataLst>
+              <p:tags r:id="rId5"/>
+            </p:custDataLst>
+          </p:nvPr>
+        </p:nvSpPr>
+        <p:spPr bwMode="auto">
+          <a:xfrm>
+            <a:off x="6408738" y="439138"/>
+            <a:ext cx="5646737" cy="909288"/>
+          </a:xfrm>
+          <a:prstGeom prst="roundRect">
+            <a:avLst/>
+          </a:prstGeom>
+          <a:solidFill>
+            <a:srgbClr val="F4F4F4"/>
+          </a:solidFill>
+          <a:ln>
+            <a:noFill/>
+            <a:headEnd type="none" w="med" len="med"/>
+            <a:tailEnd type="none" w="med" len="med"/>
+          </a:ln>
+          <a:effectLst/>
+        </p:spPr>
+        <p:style>
+          <a:lnRef idx="1">
+            <a:schemeClr val="accent2"/>
+          </a:lnRef>
+          <a:fillRef idx="3">
+            <a:schemeClr val="accent2"/>
+          </a:fillRef>
+          <a:effectRef idx="2">
+            <a:schemeClr val="accent2"/>
+          </a:effectRef>
+          <a:fontRef idx="minor">
+            <a:schemeClr val="lt1"/>
+          </a:fontRef>
+        </p:style>
+        <p:txBody>
+          <a:bodyPr rot="0" spcFirstLastPara="0" vertOverflow="overflow" horzOverflow="overflow" vert="horz" wrap="square" lIns="317500" tIns="146304" rIns="1143000" bIns="146304" numCol="1" spcCol="0" rtlCol="0" fromWordArt="0" anchor="t" anchorCtr="0" forceAA="0" compatLnSpc="1">
+            <a:prstTxWarp prst="textNoShape">
+              <a:avLst/>
+            </a:prstTxWarp>
+            <a:normAutofit lnSpcReduction="10000"/>
+          </a:bodyPr>
+          <a:lstStyle/>
+          <a:p>
+            <a:pPr defTabSz="932472" fontAlgn="base">
+              <a:lnSpc>
+                <a:spcPct val="90000"/>
+              </a:lnSpc>
+              <a:spcBef>
+                <a:spcPct val="0"/>
+              </a:spcBef>
+              <a:spcAft>
+                <a:spcPct val="0"/>
+              </a:spcAft>
+            </a:pPr>
+            <a:r>
+              <a:rPr lang="es-AR" sz="2000">
+                <a:solidFill>
+                  <a:schemeClr val="tx1"/>
+                </a:solidFill>
+                <a:ea typeface="Segoe UI" pitchFamily="34" charset="0"/>
+                <a:cs typeface="Segoe UI" pitchFamily="34" charset="0"/>
+              </a:rPr>
+              <a:t>Please download and install the Slido app on all computers you use</a:t>
+            </a:r>
+            <a:endParaRPr lang="es-AR" sz="2000" dirty="0" err="1">
+              <a:solidFill>
+                <a:schemeClr val="tx1"/>
+              </a:solidFill>
+              <a:ea typeface="Segoe UI" pitchFamily="34" charset="0"/>
+              <a:cs typeface="Segoe UI" pitchFamily="34" charset="0"/>
+            </a:endParaRPr>
+          </a:p>
+        </p:txBody>
+      </p:sp>
+      <p:pic>
+        <p:nvPicPr>
+          <p:cNvPr id="9" name="Gráfico 8">
+            <a:extLst>
+              <a:ext uri="{FF2B5EF4-FFF2-40B4-BE49-F238E27FC236}">
+                <a16:creationId xmlns:a16="http://schemas.microsoft.com/office/drawing/2014/main" id="{95214EA6-1270-51B9-BB3F-AD55EBA5DAD6}"/>
+              </a:ext>
+            </a:extLst>
+          </p:cNvPr>
+          <p:cNvPicPr>
+            <a:picLocks/>
+          </p:cNvPicPr>
+          <p:nvPr>
+            <p:custDataLst>
+              <p:tags r:id="rId6"/>
+            </p:custDataLst>
+          </p:nvPr>
+        </p:nvPicPr>
+        <p:blipFill>
+          <a:blip r:embed="rId13">
+            <a:extLst>
+              <a:ext uri="{96DAC541-7B7A-43D3-8B79-37D633B846F1}">
+                <asvg:svgBlip xmlns:asvg="http://schemas.microsoft.com/office/drawing/2016/SVG/main" r:embed="rId14"/>
+              </a:ext>
+            </a:extLst>
+          </a:blip>
+          <a:stretch>
+            <a:fillRect/>
+          </a:stretch>
+        </p:blipFill>
+        <p:spPr>
+          <a:xfrm>
+            <a:off x="11054708" y="589171"/>
+            <a:ext cx="609223" cy="609223"/>
+          </a:xfrm>
+          <a:prstGeom prst="rect">
+            <a:avLst/>
+          </a:prstGeom>
+        </p:spPr>
+      </p:pic>
+      <p:sp>
+        <p:nvSpPr>
+          <p:cNvPr id="10" name="Rectángulo 9">
+            <a:extLst>
+              <a:ext uri="{FF2B5EF4-FFF2-40B4-BE49-F238E27FC236}">
+                <a16:creationId xmlns:a16="http://schemas.microsoft.com/office/drawing/2014/main" id="{EB051DC2-260B-F7B1-B8F5-21ACEBDD2A92}"/>
+              </a:ext>
+            </a:extLst>
+          </p:cNvPr>
+          <p:cNvSpPr/>
+          <p:nvPr>
+            <p:custDataLst>
+              <p:tags r:id="rId7"/>
+            </p:custDataLst>
+          </p:nvPr>
+        </p:nvSpPr>
+        <p:spPr bwMode="auto">
+          <a:xfrm>
+            <a:off x="3979672" y="6169025"/>
+            <a:ext cx="7461885" cy="528550"/>
+          </a:xfrm>
+          <a:prstGeom prst="rect">
+            <a:avLst/>
+          </a:prstGeom>
+          <a:solidFill>
+            <a:srgbClr val="FFFFFF"/>
+          </a:solidFill>
+          <a:ln>
+            <a:noFill/>
+            <a:headEnd type="none" w="med" len="med"/>
+            <a:tailEnd type="none" w="med" len="med"/>
+          </a:ln>
+          <a:effectLst/>
+        </p:spPr>
+        <p:style>
+          <a:lnRef idx="1">
+            <a:schemeClr val="accent2"/>
+          </a:lnRef>
+          <a:fillRef idx="3">
+            <a:schemeClr val="accent2"/>
+          </a:fillRef>
+          <a:effectRef idx="2">
+            <a:schemeClr val="accent2"/>
+          </a:effectRef>
+          <a:fontRef idx="minor">
+            <a:schemeClr val="lt1"/>
+          </a:fontRef>
+        </p:style>
+        <p:txBody>
+          <a:bodyPr rot="0" spcFirstLastPara="0" vertOverflow="overflow" horzOverflow="overflow" vert="horz" wrap="square" lIns="182880" tIns="146304" rIns="182880" bIns="146304" numCol="1" spcCol="0" rtlCol="0" fromWordArt="0" anchor="t" anchorCtr="0" forceAA="0" compatLnSpc="1">
+            <a:prstTxWarp prst="textNoShape">
+              <a:avLst/>
+            </a:prstTxWarp>
+            <a:normAutofit fontScale="92500" lnSpcReduction="20000"/>
+          </a:bodyPr>
+          <a:lstStyle/>
+          <a:p>
+            <a:pPr defTabSz="932472" fontAlgn="base">
+              <a:lnSpc>
+                <a:spcPct val="90000"/>
+              </a:lnSpc>
+              <a:spcBef>
+                <a:spcPct val="0"/>
+              </a:spcBef>
+              <a:spcAft>
+                <a:spcPct val="0"/>
+              </a:spcAft>
+            </a:pPr>
+            <a:r>
+              <a:rPr lang="es-AR" sz="2200" b="1" dirty="0">
+                <a:solidFill>
+                  <a:schemeClr val="tx1"/>
+                </a:solidFill>
+                <a:ea typeface="Segoe UI" pitchFamily="34" charset="0"/>
+                <a:cs typeface="Segoe UI" pitchFamily="34" charset="0"/>
+              </a:rPr>
+              <a:t>ⓘ</a:t>
+            </a:r>
+            <a:r>
+              <a:rPr lang="es-AR" sz="2000" dirty="0">
+                <a:solidFill>
+                  <a:schemeClr val="tx1"/>
+                </a:solidFill>
+                <a:ea typeface="Segoe UI" pitchFamily="34" charset="0"/>
+                <a:cs typeface="Segoe UI" pitchFamily="34" charset="0"/>
+              </a:rPr>
+              <a:t> </a:t>
+            </a:r>
+            <a:r>
+              <a:rPr lang="es-AR" sz="2000" dirty="0" err="1">
+                <a:solidFill>
+                  <a:schemeClr val="tx1"/>
+                </a:solidFill>
+                <a:ea typeface="Segoe UI" pitchFamily="34" charset="0"/>
+                <a:cs typeface="Segoe UI" pitchFamily="34" charset="0"/>
+              </a:rPr>
+              <a:t>Start</a:t>
+            </a:r>
+            <a:r>
+              <a:rPr lang="es-AR" sz="2000" dirty="0">
+                <a:solidFill>
+                  <a:schemeClr val="tx1"/>
+                </a:solidFill>
+                <a:ea typeface="Segoe UI" pitchFamily="34" charset="0"/>
+                <a:cs typeface="Segoe UI" pitchFamily="34" charset="0"/>
+              </a:rPr>
+              <a:t> </a:t>
+            </a:r>
+            <a:r>
+              <a:rPr lang="es-AR" sz="2000" dirty="0" err="1">
+                <a:solidFill>
+                  <a:schemeClr val="tx1"/>
+                </a:solidFill>
+                <a:ea typeface="Segoe UI" pitchFamily="34" charset="0"/>
+                <a:cs typeface="Segoe UI" pitchFamily="34" charset="0"/>
+              </a:rPr>
+              <a:t>presenting</a:t>
+            </a:r>
+            <a:r>
+              <a:rPr lang="es-AR" sz="2000" dirty="0">
+                <a:solidFill>
+                  <a:schemeClr val="tx1"/>
+                </a:solidFill>
+                <a:ea typeface="Segoe UI" pitchFamily="34" charset="0"/>
+                <a:cs typeface="Segoe UI" pitchFamily="34" charset="0"/>
+              </a:rPr>
+              <a:t> </a:t>
+            </a:r>
+            <a:r>
+              <a:rPr lang="es-AR" sz="2000" dirty="0" err="1">
+                <a:solidFill>
+                  <a:schemeClr val="tx1"/>
+                </a:solidFill>
+                <a:ea typeface="Segoe UI" pitchFamily="34" charset="0"/>
+                <a:cs typeface="Segoe UI" pitchFamily="34" charset="0"/>
+              </a:rPr>
+              <a:t>to</a:t>
+            </a:r>
+            <a:r>
+              <a:rPr lang="es-AR" sz="2000" dirty="0">
+                <a:solidFill>
+                  <a:schemeClr val="tx1"/>
+                </a:solidFill>
+                <a:ea typeface="Segoe UI" pitchFamily="34" charset="0"/>
+                <a:cs typeface="Segoe UI" pitchFamily="34" charset="0"/>
+              </a:rPr>
+              <a:t> </a:t>
+            </a:r>
+            <a:r>
+              <a:rPr lang="es-AR" sz="2000" dirty="0" err="1">
+                <a:solidFill>
+                  <a:schemeClr val="tx1"/>
+                </a:solidFill>
+                <a:ea typeface="Segoe UI" pitchFamily="34" charset="0"/>
+                <a:cs typeface="Segoe UI" pitchFamily="34" charset="0"/>
+              </a:rPr>
+              <a:t>display</a:t>
+            </a:r>
+            <a:r>
+              <a:rPr lang="es-AR" sz="2000" dirty="0">
+                <a:solidFill>
+                  <a:schemeClr val="tx1"/>
+                </a:solidFill>
+                <a:ea typeface="Segoe UI" pitchFamily="34" charset="0"/>
+                <a:cs typeface="Segoe UI" pitchFamily="34" charset="0"/>
+              </a:rPr>
+              <a:t> </a:t>
+            </a:r>
+            <a:r>
+              <a:rPr lang="es-AR" sz="2000" dirty="0" err="1">
+                <a:solidFill>
+                  <a:schemeClr val="tx1"/>
+                </a:solidFill>
+                <a:ea typeface="Segoe UI" pitchFamily="34" charset="0"/>
+                <a:cs typeface="Segoe UI" pitchFamily="34" charset="0"/>
+              </a:rPr>
+              <a:t>the</a:t>
+            </a:r>
+            <a:r>
+              <a:rPr lang="es-AR" sz="2000" dirty="0">
+                <a:solidFill>
+                  <a:schemeClr val="tx1"/>
+                </a:solidFill>
+                <a:ea typeface="Segoe UI" pitchFamily="34" charset="0"/>
+                <a:cs typeface="Segoe UI" pitchFamily="34" charset="0"/>
+              </a:rPr>
+              <a:t> </a:t>
+            </a:r>
+            <a:r>
+              <a:rPr lang="es-AR" sz="2000" dirty="0" err="1">
+                <a:solidFill>
+                  <a:schemeClr val="tx1"/>
+                </a:solidFill>
+                <a:ea typeface="Segoe UI" pitchFamily="34" charset="0"/>
+                <a:cs typeface="Segoe UI" pitchFamily="34" charset="0"/>
+              </a:rPr>
+              <a:t>poll</a:t>
+            </a:r>
+            <a:r>
+              <a:rPr lang="es-AR" sz="2000" dirty="0">
+                <a:solidFill>
+                  <a:schemeClr val="tx1"/>
+                </a:solidFill>
+                <a:ea typeface="Segoe UI" pitchFamily="34" charset="0"/>
+                <a:cs typeface="Segoe UI" pitchFamily="34" charset="0"/>
+              </a:rPr>
+              <a:t> </a:t>
+            </a:r>
+            <a:r>
+              <a:rPr lang="es-AR" sz="2000" dirty="0" err="1">
+                <a:solidFill>
+                  <a:schemeClr val="tx1"/>
+                </a:solidFill>
+                <a:ea typeface="Segoe UI" pitchFamily="34" charset="0"/>
+                <a:cs typeface="Segoe UI" pitchFamily="34" charset="0"/>
+              </a:rPr>
+              <a:t>results</a:t>
+            </a:r>
+            <a:r>
+              <a:rPr lang="es-AR" sz="2000" dirty="0">
+                <a:solidFill>
+                  <a:schemeClr val="tx1"/>
+                </a:solidFill>
+                <a:ea typeface="Segoe UI" pitchFamily="34" charset="0"/>
+                <a:cs typeface="Segoe UI" pitchFamily="34" charset="0"/>
+              </a:rPr>
+              <a:t> </a:t>
+            </a:r>
+            <a:r>
+              <a:rPr lang="es-AR" sz="2000" dirty="0" err="1">
+                <a:solidFill>
+                  <a:schemeClr val="tx1"/>
+                </a:solidFill>
+                <a:ea typeface="Segoe UI" pitchFamily="34" charset="0"/>
+                <a:cs typeface="Segoe UI" pitchFamily="34" charset="0"/>
+              </a:rPr>
+              <a:t>on</a:t>
+            </a:r>
+            <a:r>
+              <a:rPr lang="es-AR" sz="2000" dirty="0">
+                <a:solidFill>
+                  <a:schemeClr val="tx1"/>
+                </a:solidFill>
+                <a:ea typeface="Segoe UI" pitchFamily="34" charset="0"/>
+                <a:cs typeface="Segoe UI" pitchFamily="34" charset="0"/>
+              </a:rPr>
+              <a:t> </a:t>
+            </a:r>
+            <a:r>
+              <a:rPr lang="es-AR" sz="2000" dirty="0" err="1">
+                <a:solidFill>
+                  <a:schemeClr val="tx1"/>
+                </a:solidFill>
+                <a:ea typeface="Segoe UI" pitchFamily="34" charset="0"/>
+                <a:cs typeface="Segoe UI" pitchFamily="34" charset="0"/>
+              </a:rPr>
+              <a:t>this</a:t>
+            </a:r>
+            <a:r>
+              <a:rPr lang="es-AR" sz="2000" dirty="0">
+                <a:solidFill>
+                  <a:schemeClr val="tx1"/>
+                </a:solidFill>
+                <a:ea typeface="Segoe UI" pitchFamily="34" charset="0"/>
+                <a:cs typeface="Segoe UI" pitchFamily="34" charset="0"/>
+              </a:rPr>
+              <a:t> </a:t>
+            </a:r>
+            <a:r>
+              <a:rPr lang="es-AR" sz="2000" dirty="0" err="1">
+                <a:solidFill>
+                  <a:schemeClr val="tx1"/>
+                </a:solidFill>
+                <a:ea typeface="Segoe UI" pitchFamily="34" charset="0"/>
+                <a:cs typeface="Segoe UI" pitchFamily="34" charset="0"/>
+              </a:rPr>
+              <a:t>slide</a:t>
+            </a:r>
+            <a:r>
+              <a:rPr lang="es-AR" sz="2000" dirty="0">
+                <a:solidFill>
+                  <a:schemeClr val="tx1"/>
+                </a:solidFill>
+                <a:ea typeface="Segoe UI" pitchFamily="34" charset="0"/>
+                <a:cs typeface="Segoe UI" pitchFamily="34" charset="0"/>
+              </a:rPr>
+              <a:t>.</a:t>
+            </a:r>
+          </a:p>
+        </p:txBody>
+      </p:sp>
     </p:spTree>
+    <p:custDataLst>
+      <p:tags r:id="rId1"/>
+    </p:custDataLst>
     <p:extLst>
       <p:ext uri="{BB962C8B-B14F-4D97-AF65-F5344CB8AC3E}">
-        <p14:creationId xmlns:p14="http://schemas.microsoft.com/office/powerpoint/2010/main" val="2961903864"/>
+        <p14:creationId xmlns:p14="http://schemas.microsoft.com/office/powerpoint/2010/main" val="1114646802"/>
       </p:ext>
     </p:extLst>
   </p:cSld>
   <p:clrMapOvr>
     <a:masterClrMapping/>
   </p:clrMapOvr>
-  <mc:AlternateContent xmlns:mc="http://schemas.openxmlformats.org/markup-compatibility/2006" xmlns:p14="http://schemas.microsoft.com/office/powerpoint/2010/main">
-    <mc:Choice Requires="p14">
-      <p:transition spd="med" p14:dur="700">
-        <p:fade/>
-      </p:transition>
-    </mc:Choice>
-    <mc:Fallback xmlns="">
-      <p:transition spd="med">
-        <p:fade/>
-      </p:transition>
-    </mc:Fallback>
-  </mc:AlternateContent>
+  <p:transition>
+    <p:fade/>
+  </p:transition>
+  <p:timing>
+    <p:tnLst>
+      <p:par>
+        <p:cTn id="1" dur="indefinite" restart="never" nodeType="tmRoot">
+          <p:childTnLst>
+            <p:seq concurrent="1" nextAc="seek">
+              <p:cTn id="2" dur="indefinite" nodeType="mainSeq">
+                <p:childTnLst>
+                  <p:par>
+                    <p:cTn id="3" fill="hold">
+                      <p:stCondLst>
+                        <p:cond delay="indefinite"/>
+                      </p:stCondLst>
+                      <p:childTnLst>
+                        <p:par>
+                          <p:cTn id="4" fill="hold">
+                            <p:stCondLst>
+                              <p:cond delay="0"/>
+                            </p:stCondLst>
+                            <p:childTnLst>
+                              <p:par>
+                                <p:cTn id="5" presetID="26" presetClass="emph" presetSubtype="0" fill="hold" grpId="0" nodeType="clickEffect">
+                                  <p:stCondLst>
+                                    <p:cond delay="0"/>
+                                  </p:stCondLst>
+                                  <p:childTnLst>
+                                    <p:animEffect transition="out" filter="fade">
+                                      <p:cBhvr>
+                                        <p:cTn id="6" dur="50" tmFilter="0, 0; .2, .5; .8, .5; 1, 0"/>
+                                        <p:tgtEl>
+                                          <p:spTgt spid="6"/>
+                                        </p:tgtEl>
+                                      </p:cBhvr>
+                                    </p:animEffect>
+                                    <p:animScale>
+                                      <p:cBhvr>
+                                        <p:cTn id="7" dur="25" autoRev="1" fill="hold"/>
+                                        <p:tgtEl>
+                                          <p:spTgt spid="6"/>
+                                        </p:tgtEl>
+                                      </p:cBhvr>
+                                      <p:by x="105000" y="105000"/>
+                                    </p:animScale>
+                                  </p:childTnLst>
+                                </p:cTn>
+                              </p:par>
+                            </p:childTnLst>
+                          </p:cTn>
+                        </p:par>
+                      </p:childTnLst>
+                    </p:cTn>
+                  </p:par>
+                  <p:par>
+                    <p:cTn id="8" fill="hold">
+                      <p:stCondLst>
+                        <p:cond delay="indefinite"/>
+                      </p:stCondLst>
+                      <p:childTnLst>
+                        <p:par>
+                          <p:cTn id="9" fill="hold">
+                            <p:stCondLst>
+                              <p:cond delay="0"/>
+                            </p:stCondLst>
+                            <p:childTnLst>
+                              <p:par>
+                                <p:cTn id="10" presetID="26" presetClass="emph" presetSubtype="0" fill="hold" grpId="1" nodeType="clickEffect">
+                                  <p:stCondLst>
+                                    <p:cond delay="0"/>
+                                  </p:stCondLst>
+                                  <p:childTnLst>
+                                    <p:animEffect transition="out" filter="fade">
+                                      <p:cBhvr>
+                                        <p:cTn id="11" dur="50" tmFilter="0, 0; .2, .5; .8, .5; 1, 0"/>
+                                        <p:tgtEl>
+                                          <p:spTgt spid="6"/>
+                                        </p:tgtEl>
+                                      </p:cBhvr>
+                                    </p:animEffect>
+                                    <p:animScale>
+                                      <p:cBhvr>
+                                        <p:cTn id="12" dur="25" autoRev="1" fill="hold"/>
+                                        <p:tgtEl>
+                                          <p:spTgt spid="6"/>
+                                        </p:tgtEl>
+                                      </p:cBhvr>
+                                      <p:by x="105000" y="105000"/>
+                                    </p:animScale>
+                                  </p:childTnLst>
+                                </p:cTn>
+                              </p:par>
+                            </p:childTnLst>
+                          </p:cTn>
+                        </p:par>
+                      </p:childTnLst>
+                    </p:cTn>
+                  </p:par>
+                  <p:par>
+                    <p:cTn id="13" fill="hold">
+                      <p:stCondLst>
+                        <p:cond delay="indefinite"/>
+                      </p:stCondLst>
+                      <p:childTnLst>
+                        <p:par>
+                          <p:cTn id="14" fill="hold">
+                            <p:stCondLst>
+                              <p:cond delay="0"/>
+                            </p:stCondLst>
+                            <p:childTnLst>
+                              <p:par>
+                                <p:cTn id="15" presetID="26" presetClass="emph" presetSubtype="0" fill="hold" grpId="2" nodeType="clickEffect">
+                                  <p:stCondLst>
+                                    <p:cond delay="0"/>
+                                  </p:stCondLst>
+                                  <p:childTnLst>
+                                    <p:animEffect transition="out" filter="fade">
+                                      <p:cBhvr>
+                                        <p:cTn id="16" dur="50" tmFilter="0, 0; .2, .5; .8, .5; 1, 0"/>
+                                        <p:tgtEl>
+                                          <p:spTgt spid="6"/>
+                                        </p:tgtEl>
+                                      </p:cBhvr>
+                                    </p:animEffect>
+                                    <p:animScale>
+                                      <p:cBhvr>
+                                        <p:cTn id="17" dur="25" autoRev="1" fill="hold"/>
+                                        <p:tgtEl>
+                                          <p:spTgt spid="6"/>
+                                        </p:tgtEl>
+                                      </p:cBhvr>
+                                      <p:by x="105000" y="105000"/>
+                                    </p:animScale>
+                                  </p:childTnLst>
+                                </p:cTn>
+                              </p:par>
+                            </p:childTnLst>
+                          </p:cTn>
+                        </p:par>
+                      </p:childTnLst>
+                    </p:cTn>
+                  </p:par>
+                </p:childTnLst>
+              </p:cTn>
+              <p:prevCondLst>
+                <p:cond evt="onPrev" delay="0">
+                  <p:tgtEl>
+                    <p:sldTgt/>
+                  </p:tgtEl>
+                </p:cond>
+              </p:prevCondLst>
+              <p:nextCondLst>
+                <p:cond evt="onNext" delay="0">
+                  <p:tgtEl>
+                    <p:sldTgt/>
+                  </p:tgtEl>
+                </p:cond>
+              </p:nextCondLst>
+            </p:seq>
+          </p:childTnLst>
+        </p:cTn>
+      </p:par>
+    </p:tnLst>
+    <p:bldLst>
+      <p:bldP spid="6" grpId="0"/>
+      <p:bldP spid="6" grpId="1"/>
+      <p:bldP spid="6" grpId="2"/>
+    </p:bldLst>
+  </p:timing>
+</p:sld>
+</file>
+
+<file path=ppt/slides/slide22.xml><?xml version="1.0" encoding="utf-8"?>
+<p:sld xmlns:a="http://schemas.openxmlformats.org/drawingml/2006/main" xmlns:r="http://schemas.openxmlformats.org/officeDocument/2006/relationships" xmlns:p="http://schemas.openxmlformats.org/presentationml/2006/main" showMasterSp="0">
+  <p:cSld>
+    <p:bg>
+      <p:bgPr>
+        <a:solidFill>
+          <a:srgbClr val="FFFFFF"/>
+        </a:solidFill>
+        <a:effectLst/>
+      </p:bgPr>
+    </p:bg>
+    <p:spTree>
+      <p:nvGrpSpPr>
+        <p:cNvPr id="1" name=""/>
+        <p:cNvGrpSpPr/>
+        <p:nvPr/>
+      </p:nvGrpSpPr>
+      <p:grpSpPr>
+        <a:xfrm>
+          <a:off x="0" y="0"/>
+          <a:ext cx="0" cy="0"/>
+          <a:chOff x="0" y="0"/>
+          <a:chExt cx="0" cy="0"/>
+        </a:xfrm>
+      </p:grpSpPr>
+      <p:pic>
+        <p:nvPicPr>
+          <p:cNvPr id="3" name="Gráfico 2">
+            <a:extLst>
+              <a:ext uri="{FF2B5EF4-FFF2-40B4-BE49-F238E27FC236}">
+                <a16:creationId xmlns:a16="http://schemas.microsoft.com/office/drawing/2014/main" id="{70640340-CB49-436A-6037-AAF68850F1EE}"/>
+              </a:ext>
+            </a:extLst>
+          </p:cNvPr>
+          <p:cNvPicPr>
+            <a:picLocks/>
+          </p:cNvPicPr>
+          <p:nvPr>
+            <p:custDataLst>
+              <p:tags r:id="rId2"/>
+            </p:custDataLst>
+          </p:nvPr>
+        </p:nvPicPr>
+        <p:blipFill>
+          <a:blip r:embed="rId9">
+            <a:extLst>
+              <a:ext uri="{96DAC541-7B7A-43D3-8B79-37D633B846F1}">
+                <asvg:svgBlip xmlns:asvg="http://schemas.microsoft.com/office/drawing/2016/SVG/main" r:embed="rId10"/>
+              </a:ext>
+            </a:extLst>
+          </a:blip>
+          <a:stretch>
+            <a:fillRect/>
+          </a:stretch>
+        </p:blipFill>
+        <p:spPr>
+          <a:xfrm>
+            <a:off x="3979672" y="629507"/>
+            <a:ext cx="1057100" cy="528550"/>
+          </a:xfrm>
+          <a:prstGeom prst="rect">
+            <a:avLst/>
+          </a:prstGeom>
+        </p:spPr>
+      </p:pic>
+      <p:pic>
+        <p:nvPicPr>
+          <p:cNvPr id="5" name="Gráfico 4">
+            <a:extLst>
+              <a:ext uri="{FF2B5EF4-FFF2-40B4-BE49-F238E27FC236}">
+                <a16:creationId xmlns:a16="http://schemas.microsoft.com/office/drawing/2014/main" id="{84176A24-8377-2375-50DA-72D2829C2A6A}"/>
+              </a:ext>
+            </a:extLst>
+          </p:cNvPr>
+          <p:cNvPicPr>
+            <a:picLocks/>
+          </p:cNvPicPr>
+          <p:nvPr>
+            <p:custDataLst>
+              <p:tags r:id="rId3"/>
+            </p:custDataLst>
+          </p:nvPr>
+        </p:nvPicPr>
+        <p:blipFill>
+          <a:blip r:embed="rId11">
+            <a:extLst>
+              <a:ext uri="{96DAC541-7B7A-43D3-8B79-37D633B846F1}">
+                <asvg:svgBlip xmlns:asvg="http://schemas.microsoft.com/office/drawing/2016/SVG/main" r:embed="rId12"/>
+              </a:ext>
+            </a:extLst>
+          </a:blip>
+          <a:stretch>
+            <a:fillRect/>
+          </a:stretch>
+        </p:blipFill>
+        <p:spPr>
+          <a:xfrm>
+            <a:off x="1181465" y="2315797"/>
+            <a:ext cx="2362930" cy="2362930"/>
+          </a:xfrm>
+          <a:prstGeom prst="rect">
+            <a:avLst/>
+          </a:prstGeom>
+        </p:spPr>
+      </p:pic>
+      <p:sp>
+        <p:nvSpPr>
+          <p:cNvPr id="6" name="Rectángulo 5">
+            <a:extLst>
+              <a:ext uri="{FF2B5EF4-FFF2-40B4-BE49-F238E27FC236}">
+                <a16:creationId xmlns:a16="http://schemas.microsoft.com/office/drawing/2014/main" id="{BEF4CDD7-0FEB-A42D-D3A5-88356CAFE6DC}"/>
+              </a:ext>
+            </a:extLst>
+          </p:cNvPr>
+          <p:cNvSpPr/>
+          <p:nvPr>
+            <p:custDataLst>
+              <p:tags r:id="rId4"/>
+            </p:custDataLst>
+          </p:nvPr>
+        </p:nvSpPr>
+        <p:spPr bwMode="auto">
+          <a:xfrm>
+            <a:off x="3979672" y="2622947"/>
+            <a:ext cx="7461885" cy="1748631"/>
+          </a:xfrm>
+          <a:prstGeom prst="rect">
+            <a:avLst/>
+          </a:prstGeom>
+          <a:noFill/>
+          <a:ln>
+            <a:noFill/>
+            <a:headEnd type="none" w="med" len="med"/>
+            <a:tailEnd type="none" w="med" len="med"/>
+          </a:ln>
+          <a:effectLst/>
+          <a:extLst>
+            <a:ext uri="{909E8E84-426E-40DD-AFC4-6F175D3DCCD1}">
+              <a14:hiddenFill xmlns:a14="http://schemas.microsoft.com/office/drawing/2010/main">
+                <a:solidFill>
+                  <a:schemeClr val="accent1"/>
+                </a:solidFill>
+              </a14:hiddenFill>
+            </a:ext>
+          </a:extLst>
+        </p:spPr>
+        <p:style>
+          <a:lnRef idx="1">
+            <a:schemeClr val="accent2"/>
+          </a:lnRef>
+          <a:fillRef idx="3">
+            <a:schemeClr val="accent2"/>
+          </a:fillRef>
+          <a:effectRef idx="2">
+            <a:schemeClr val="accent2"/>
+          </a:effectRef>
+          <a:fontRef idx="minor">
+            <a:schemeClr val="lt1"/>
+          </a:fontRef>
+        </p:style>
+        <p:txBody>
+          <a:bodyPr rot="0" spcFirstLastPara="0" vertOverflow="overflow" horzOverflow="overflow" vert="horz" wrap="square" lIns="182880" tIns="146304" rIns="182880" bIns="146304" numCol="1" spcCol="0" rtlCol="0" fromWordArt="0" anchor="t" anchorCtr="0" forceAA="0" compatLnSpc="1">
+            <a:prstTxWarp prst="textNoShape">
+              <a:avLst/>
+            </a:prstTxWarp>
+            <a:noAutofit/>
+          </a:bodyPr>
+          <a:lstStyle/>
+          <a:p>
+            <a:pPr defTabSz="932472" fontAlgn="base">
+              <a:lnSpc>
+                <a:spcPct val="90000"/>
+              </a:lnSpc>
+              <a:spcBef>
+                <a:spcPct val="0"/>
+              </a:spcBef>
+              <a:spcAft>
+                <a:spcPct val="0"/>
+              </a:spcAft>
+            </a:pPr>
+            <a:r>
+              <a:rPr lang="es-AR" sz="2900" b="1" dirty="0">
+                <a:solidFill>
+                  <a:schemeClr val="tx1"/>
+                </a:solidFill>
+                <a:ea typeface="Segoe UI" pitchFamily="34" charset="0"/>
+                <a:cs typeface="Segoe UI" pitchFamily="34" charset="0"/>
+              </a:rPr>
+              <a:t>¿Cuáles son ventajas de las pruebas unitarias?
+(Selecciona todas las que correspondan)</a:t>
+            </a:r>
+          </a:p>
+        </p:txBody>
+      </p:sp>
+      <p:sp>
+        <p:nvSpPr>
+          <p:cNvPr id="7" name="Rectángulo redondeado 6">
+            <a:extLst>
+              <a:ext uri="{FF2B5EF4-FFF2-40B4-BE49-F238E27FC236}">
+                <a16:creationId xmlns:a16="http://schemas.microsoft.com/office/drawing/2014/main" id="{6C574916-0B98-D92D-72D9-3D2CD170B85A}"/>
+              </a:ext>
+            </a:extLst>
+          </p:cNvPr>
+          <p:cNvSpPr/>
+          <p:nvPr>
+            <p:custDataLst>
+              <p:tags r:id="rId5"/>
+            </p:custDataLst>
+          </p:nvPr>
+        </p:nvSpPr>
+        <p:spPr bwMode="auto">
+          <a:xfrm>
+            <a:off x="6408738" y="439138"/>
+            <a:ext cx="5646737" cy="909288"/>
+          </a:xfrm>
+          <a:prstGeom prst="roundRect">
+            <a:avLst/>
+          </a:prstGeom>
+          <a:solidFill>
+            <a:srgbClr val="F4F4F4"/>
+          </a:solidFill>
+          <a:ln>
+            <a:noFill/>
+            <a:headEnd type="none" w="med" len="med"/>
+            <a:tailEnd type="none" w="med" len="med"/>
+          </a:ln>
+          <a:effectLst/>
+        </p:spPr>
+        <p:style>
+          <a:lnRef idx="1">
+            <a:schemeClr val="accent2"/>
+          </a:lnRef>
+          <a:fillRef idx="3">
+            <a:schemeClr val="accent2"/>
+          </a:fillRef>
+          <a:effectRef idx="2">
+            <a:schemeClr val="accent2"/>
+          </a:effectRef>
+          <a:fontRef idx="minor">
+            <a:schemeClr val="lt1"/>
+          </a:fontRef>
+        </p:style>
+        <p:txBody>
+          <a:bodyPr rot="0" spcFirstLastPara="0" vertOverflow="overflow" horzOverflow="overflow" vert="horz" wrap="square" lIns="317500" tIns="146304" rIns="1143000" bIns="146304" numCol="1" spcCol="0" rtlCol="0" fromWordArt="0" anchor="t" anchorCtr="0" forceAA="0" compatLnSpc="1">
+            <a:prstTxWarp prst="textNoShape">
+              <a:avLst/>
+            </a:prstTxWarp>
+            <a:normAutofit lnSpcReduction="10000"/>
+          </a:bodyPr>
+          <a:lstStyle/>
+          <a:p>
+            <a:pPr defTabSz="932472" fontAlgn="base">
+              <a:lnSpc>
+                <a:spcPct val="90000"/>
+              </a:lnSpc>
+              <a:spcBef>
+                <a:spcPct val="0"/>
+              </a:spcBef>
+              <a:spcAft>
+                <a:spcPct val="0"/>
+              </a:spcAft>
+            </a:pPr>
+            <a:r>
+              <a:rPr lang="es-AR" sz="2000">
+                <a:solidFill>
+                  <a:schemeClr val="tx1"/>
+                </a:solidFill>
+                <a:ea typeface="Segoe UI" pitchFamily="34" charset="0"/>
+                <a:cs typeface="Segoe UI" pitchFamily="34" charset="0"/>
+              </a:rPr>
+              <a:t>Please download and install the Slido app on all computers you use</a:t>
+            </a:r>
+            <a:endParaRPr lang="es-AR" sz="2000" dirty="0" err="1">
+              <a:solidFill>
+                <a:schemeClr val="tx1"/>
+              </a:solidFill>
+              <a:ea typeface="Segoe UI" pitchFamily="34" charset="0"/>
+              <a:cs typeface="Segoe UI" pitchFamily="34" charset="0"/>
+            </a:endParaRPr>
+          </a:p>
+        </p:txBody>
+      </p:sp>
+      <p:pic>
+        <p:nvPicPr>
+          <p:cNvPr id="9" name="Gráfico 8">
+            <a:extLst>
+              <a:ext uri="{FF2B5EF4-FFF2-40B4-BE49-F238E27FC236}">
+                <a16:creationId xmlns:a16="http://schemas.microsoft.com/office/drawing/2014/main" id="{95F4F1D4-69D6-52A5-6658-47962822C062}"/>
+              </a:ext>
+            </a:extLst>
+          </p:cNvPr>
+          <p:cNvPicPr>
+            <a:picLocks/>
+          </p:cNvPicPr>
+          <p:nvPr>
+            <p:custDataLst>
+              <p:tags r:id="rId6"/>
+            </p:custDataLst>
+          </p:nvPr>
+        </p:nvPicPr>
+        <p:blipFill>
+          <a:blip r:embed="rId13">
+            <a:extLst>
+              <a:ext uri="{96DAC541-7B7A-43D3-8B79-37D633B846F1}">
+                <asvg:svgBlip xmlns:asvg="http://schemas.microsoft.com/office/drawing/2016/SVG/main" r:embed="rId14"/>
+              </a:ext>
+            </a:extLst>
+          </a:blip>
+          <a:stretch>
+            <a:fillRect/>
+          </a:stretch>
+        </p:blipFill>
+        <p:spPr>
+          <a:xfrm>
+            <a:off x="11054708" y="589171"/>
+            <a:ext cx="609223" cy="609223"/>
+          </a:xfrm>
+          <a:prstGeom prst="rect">
+            <a:avLst/>
+          </a:prstGeom>
+        </p:spPr>
+      </p:pic>
+      <p:sp>
+        <p:nvSpPr>
+          <p:cNvPr id="10" name="Rectángulo 9">
+            <a:extLst>
+              <a:ext uri="{FF2B5EF4-FFF2-40B4-BE49-F238E27FC236}">
+                <a16:creationId xmlns:a16="http://schemas.microsoft.com/office/drawing/2014/main" id="{DC350C80-CBBF-3454-471A-DEAEF1CD5860}"/>
+              </a:ext>
+            </a:extLst>
+          </p:cNvPr>
+          <p:cNvSpPr/>
+          <p:nvPr>
+            <p:custDataLst>
+              <p:tags r:id="rId7"/>
+            </p:custDataLst>
+          </p:nvPr>
+        </p:nvSpPr>
+        <p:spPr bwMode="auto">
+          <a:xfrm>
+            <a:off x="3979672" y="6169025"/>
+            <a:ext cx="7461885" cy="528550"/>
+          </a:xfrm>
+          <a:prstGeom prst="rect">
+            <a:avLst/>
+          </a:prstGeom>
+          <a:solidFill>
+            <a:srgbClr val="FFFFFF"/>
+          </a:solidFill>
+          <a:ln>
+            <a:noFill/>
+            <a:headEnd type="none" w="med" len="med"/>
+            <a:tailEnd type="none" w="med" len="med"/>
+          </a:ln>
+          <a:effectLst/>
+        </p:spPr>
+        <p:style>
+          <a:lnRef idx="1">
+            <a:schemeClr val="accent2"/>
+          </a:lnRef>
+          <a:fillRef idx="3">
+            <a:schemeClr val="accent2"/>
+          </a:fillRef>
+          <a:effectRef idx="2">
+            <a:schemeClr val="accent2"/>
+          </a:effectRef>
+          <a:fontRef idx="minor">
+            <a:schemeClr val="lt1"/>
+          </a:fontRef>
+        </p:style>
+        <p:txBody>
+          <a:bodyPr rot="0" spcFirstLastPara="0" vertOverflow="overflow" horzOverflow="overflow" vert="horz" wrap="square" lIns="182880" tIns="146304" rIns="182880" bIns="146304" numCol="1" spcCol="0" rtlCol="0" fromWordArt="0" anchor="t" anchorCtr="0" forceAA="0" compatLnSpc="1">
+            <a:prstTxWarp prst="textNoShape">
+              <a:avLst/>
+            </a:prstTxWarp>
+            <a:normAutofit fontScale="92500" lnSpcReduction="20000"/>
+          </a:bodyPr>
+          <a:lstStyle/>
+          <a:p>
+            <a:pPr defTabSz="932472" fontAlgn="base">
+              <a:lnSpc>
+                <a:spcPct val="90000"/>
+              </a:lnSpc>
+              <a:spcBef>
+                <a:spcPct val="0"/>
+              </a:spcBef>
+              <a:spcAft>
+                <a:spcPct val="0"/>
+              </a:spcAft>
+            </a:pPr>
+            <a:r>
+              <a:rPr lang="es-AR" sz="2200" b="1" dirty="0">
+                <a:solidFill>
+                  <a:schemeClr val="tx1"/>
+                </a:solidFill>
+                <a:ea typeface="Segoe UI" pitchFamily="34" charset="0"/>
+                <a:cs typeface="Segoe UI" pitchFamily="34" charset="0"/>
+              </a:rPr>
+              <a:t>ⓘ</a:t>
+            </a:r>
+            <a:r>
+              <a:rPr lang="es-AR" sz="2000" dirty="0">
+                <a:solidFill>
+                  <a:schemeClr val="tx1"/>
+                </a:solidFill>
+                <a:ea typeface="Segoe UI" pitchFamily="34" charset="0"/>
+                <a:cs typeface="Segoe UI" pitchFamily="34" charset="0"/>
+              </a:rPr>
+              <a:t> </a:t>
+            </a:r>
+            <a:r>
+              <a:rPr lang="es-AR" sz="2000" dirty="0" err="1">
+                <a:solidFill>
+                  <a:schemeClr val="tx1"/>
+                </a:solidFill>
+                <a:ea typeface="Segoe UI" pitchFamily="34" charset="0"/>
+                <a:cs typeface="Segoe UI" pitchFamily="34" charset="0"/>
+              </a:rPr>
+              <a:t>Start</a:t>
+            </a:r>
+            <a:r>
+              <a:rPr lang="es-AR" sz="2000" dirty="0">
+                <a:solidFill>
+                  <a:schemeClr val="tx1"/>
+                </a:solidFill>
+                <a:ea typeface="Segoe UI" pitchFamily="34" charset="0"/>
+                <a:cs typeface="Segoe UI" pitchFamily="34" charset="0"/>
+              </a:rPr>
+              <a:t> </a:t>
+            </a:r>
+            <a:r>
+              <a:rPr lang="es-AR" sz="2000" dirty="0" err="1">
+                <a:solidFill>
+                  <a:schemeClr val="tx1"/>
+                </a:solidFill>
+                <a:ea typeface="Segoe UI" pitchFamily="34" charset="0"/>
+                <a:cs typeface="Segoe UI" pitchFamily="34" charset="0"/>
+              </a:rPr>
+              <a:t>presenting</a:t>
+            </a:r>
+            <a:r>
+              <a:rPr lang="es-AR" sz="2000" dirty="0">
+                <a:solidFill>
+                  <a:schemeClr val="tx1"/>
+                </a:solidFill>
+                <a:ea typeface="Segoe UI" pitchFamily="34" charset="0"/>
+                <a:cs typeface="Segoe UI" pitchFamily="34" charset="0"/>
+              </a:rPr>
+              <a:t> </a:t>
+            </a:r>
+            <a:r>
+              <a:rPr lang="es-AR" sz="2000" dirty="0" err="1">
+                <a:solidFill>
+                  <a:schemeClr val="tx1"/>
+                </a:solidFill>
+                <a:ea typeface="Segoe UI" pitchFamily="34" charset="0"/>
+                <a:cs typeface="Segoe UI" pitchFamily="34" charset="0"/>
+              </a:rPr>
+              <a:t>to</a:t>
+            </a:r>
+            <a:r>
+              <a:rPr lang="es-AR" sz="2000" dirty="0">
+                <a:solidFill>
+                  <a:schemeClr val="tx1"/>
+                </a:solidFill>
+                <a:ea typeface="Segoe UI" pitchFamily="34" charset="0"/>
+                <a:cs typeface="Segoe UI" pitchFamily="34" charset="0"/>
+              </a:rPr>
+              <a:t> </a:t>
+            </a:r>
+            <a:r>
+              <a:rPr lang="es-AR" sz="2000" dirty="0" err="1">
+                <a:solidFill>
+                  <a:schemeClr val="tx1"/>
+                </a:solidFill>
+                <a:ea typeface="Segoe UI" pitchFamily="34" charset="0"/>
+                <a:cs typeface="Segoe UI" pitchFamily="34" charset="0"/>
+              </a:rPr>
+              <a:t>display</a:t>
+            </a:r>
+            <a:r>
+              <a:rPr lang="es-AR" sz="2000" dirty="0">
+                <a:solidFill>
+                  <a:schemeClr val="tx1"/>
+                </a:solidFill>
+                <a:ea typeface="Segoe UI" pitchFamily="34" charset="0"/>
+                <a:cs typeface="Segoe UI" pitchFamily="34" charset="0"/>
+              </a:rPr>
+              <a:t> </a:t>
+            </a:r>
+            <a:r>
+              <a:rPr lang="es-AR" sz="2000" dirty="0" err="1">
+                <a:solidFill>
+                  <a:schemeClr val="tx1"/>
+                </a:solidFill>
+                <a:ea typeface="Segoe UI" pitchFamily="34" charset="0"/>
+                <a:cs typeface="Segoe UI" pitchFamily="34" charset="0"/>
+              </a:rPr>
+              <a:t>the</a:t>
+            </a:r>
+            <a:r>
+              <a:rPr lang="es-AR" sz="2000" dirty="0">
+                <a:solidFill>
+                  <a:schemeClr val="tx1"/>
+                </a:solidFill>
+                <a:ea typeface="Segoe UI" pitchFamily="34" charset="0"/>
+                <a:cs typeface="Segoe UI" pitchFamily="34" charset="0"/>
+              </a:rPr>
+              <a:t> </a:t>
+            </a:r>
+            <a:r>
+              <a:rPr lang="es-AR" sz="2000" dirty="0" err="1">
+                <a:solidFill>
+                  <a:schemeClr val="tx1"/>
+                </a:solidFill>
+                <a:ea typeface="Segoe UI" pitchFamily="34" charset="0"/>
+                <a:cs typeface="Segoe UI" pitchFamily="34" charset="0"/>
+              </a:rPr>
+              <a:t>poll</a:t>
+            </a:r>
+            <a:r>
+              <a:rPr lang="es-AR" sz="2000" dirty="0">
+                <a:solidFill>
+                  <a:schemeClr val="tx1"/>
+                </a:solidFill>
+                <a:ea typeface="Segoe UI" pitchFamily="34" charset="0"/>
+                <a:cs typeface="Segoe UI" pitchFamily="34" charset="0"/>
+              </a:rPr>
+              <a:t> </a:t>
+            </a:r>
+            <a:r>
+              <a:rPr lang="es-AR" sz="2000" dirty="0" err="1">
+                <a:solidFill>
+                  <a:schemeClr val="tx1"/>
+                </a:solidFill>
+                <a:ea typeface="Segoe UI" pitchFamily="34" charset="0"/>
+                <a:cs typeface="Segoe UI" pitchFamily="34" charset="0"/>
+              </a:rPr>
+              <a:t>results</a:t>
+            </a:r>
+            <a:r>
+              <a:rPr lang="es-AR" sz="2000" dirty="0">
+                <a:solidFill>
+                  <a:schemeClr val="tx1"/>
+                </a:solidFill>
+                <a:ea typeface="Segoe UI" pitchFamily="34" charset="0"/>
+                <a:cs typeface="Segoe UI" pitchFamily="34" charset="0"/>
+              </a:rPr>
+              <a:t> </a:t>
+            </a:r>
+            <a:r>
+              <a:rPr lang="es-AR" sz="2000" dirty="0" err="1">
+                <a:solidFill>
+                  <a:schemeClr val="tx1"/>
+                </a:solidFill>
+                <a:ea typeface="Segoe UI" pitchFamily="34" charset="0"/>
+                <a:cs typeface="Segoe UI" pitchFamily="34" charset="0"/>
+              </a:rPr>
+              <a:t>on</a:t>
+            </a:r>
+            <a:r>
+              <a:rPr lang="es-AR" sz="2000" dirty="0">
+                <a:solidFill>
+                  <a:schemeClr val="tx1"/>
+                </a:solidFill>
+                <a:ea typeface="Segoe UI" pitchFamily="34" charset="0"/>
+                <a:cs typeface="Segoe UI" pitchFamily="34" charset="0"/>
+              </a:rPr>
+              <a:t> </a:t>
+            </a:r>
+            <a:r>
+              <a:rPr lang="es-AR" sz="2000" dirty="0" err="1">
+                <a:solidFill>
+                  <a:schemeClr val="tx1"/>
+                </a:solidFill>
+                <a:ea typeface="Segoe UI" pitchFamily="34" charset="0"/>
+                <a:cs typeface="Segoe UI" pitchFamily="34" charset="0"/>
+              </a:rPr>
+              <a:t>this</a:t>
+            </a:r>
+            <a:r>
+              <a:rPr lang="es-AR" sz="2000" dirty="0">
+                <a:solidFill>
+                  <a:schemeClr val="tx1"/>
+                </a:solidFill>
+                <a:ea typeface="Segoe UI" pitchFamily="34" charset="0"/>
+                <a:cs typeface="Segoe UI" pitchFamily="34" charset="0"/>
+              </a:rPr>
+              <a:t> </a:t>
+            </a:r>
+            <a:r>
+              <a:rPr lang="es-AR" sz="2000" dirty="0" err="1">
+                <a:solidFill>
+                  <a:schemeClr val="tx1"/>
+                </a:solidFill>
+                <a:ea typeface="Segoe UI" pitchFamily="34" charset="0"/>
+                <a:cs typeface="Segoe UI" pitchFamily="34" charset="0"/>
+              </a:rPr>
+              <a:t>slide</a:t>
+            </a:r>
+            <a:r>
+              <a:rPr lang="es-AR" sz="2000" dirty="0">
+                <a:solidFill>
+                  <a:schemeClr val="tx1"/>
+                </a:solidFill>
+                <a:ea typeface="Segoe UI" pitchFamily="34" charset="0"/>
+                <a:cs typeface="Segoe UI" pitchFamily="34" charset="0"/>
+              </a:rPr>
+              <a:t>.</a:t>
+            </a:r>
+          </a:p>
+        </p:txBody>
+      </p:sp>
+    </p:spTree>
+    <p:custDataLst>
+      <p:tags r:id="rId1"/>
+    </p:custDataLst>
+    <p:extLst>
+      <p:ext uri="{BB962C8B-B14F-4D97-AF65-F5344CB8AC3E}">
+        <p14:creationId xmlns:p14="http://schemas.microsoft.com/office/powerpoint/2010/main" val="3560872929"/>
+      </p:ext>
+    </p:extLst>
+  </p:cSld>
+  <p:clrMapOvr>
+    <a:masterClrMapping/>
+  </p:clrMapOvr>
+  <p:transition>
+    <p:fade/>
+  </p:transition>
+  <p:timing>
+    <p:tnLst>
+      <p:par>
+        <p:cTn id="1" dur="indefinite" restart="never" nodeType="tmRoot">
+          <p:childTnLst>
+            <p:seq concurrent="1" nextAc="seek">
+              <p:cTn id="2" dur="indefinite" nodeType="mainSeq">
+                <p:childTnLst>
+                  <p:par>
+                    <p:cTn id="3" fill="hold">
+                      <p:stCondLst>
+                        <p:cond delay="indefinite"/>
+                      </p:stCondLst>
+                      <p:childTnLst>
+                        <p:par>
+                          <p:cTn id="4" fill="hold">
+                            <p:stCondLst>
+                              <p:cond delay="0"/>
+                            </p:stCondLst>
+                            <p:childTnLst>
+                              <p:par>
+                                <p:cTn id="5" presetID="26" presetClass="emph" presetSubtype="0" fill="hold" grpId="0" nodeType="clickEffect">
+                                  <p:stCondLst>
+                                    <p:cond delay="0"/>
+                                  </p:stCondLst>
+                                  <p:childTnLst>
+                                    <p:animEffect transition="out" filter="fade">
+                                      <p:cBhvr>
+                                        <p:cTn id="6" dur="50" tmFilter="0, 0; .2, .5; .8, .5; 1, 0"/>
+                                        <p:tgtEl>
+                                          <p:spTgt spid="6"/>
+                                        </p:tgtEl>
+                                      </p:cBhvr>
+                                    </p:animEffect>
+                                    <p:animScale>
+                                      <p:cBhvr>
+                                        <p:cTn id="7" dur="25" autoRev="1" fill="hold"/>
+                                        <p:tgtEl>
+                                          <p:spTgt spid="6"/>
+                                        </p:tgtEl>
+                                      </p:cBhvr>
+                                      <p:by x="105000" y="105000"/>
+                                    </p:animScale>
+                                  </p:childTnLst>
+                                </p:cTn>
+                              </p:par>
+                            </p:childTnLst>
+                          </p:cTn>
+                        </p:par>
+                      </p:childTnLst>
+                    </p:cTn>
+                  </p:par>
+                  <p:par>
+                    <p:cTn id="8" fill="hold">
+                      <p:stCondLst>
+                        <p:cond delay="indefinite"/>
+                      </p:stCondLst>
+                      <p:childTnLst>
+                        <p:par>
+                          <p:cTn id="9" fill="hold">
+                            <p:stCondLst>
+                              <p:cond delay="0"/>
+                            </p:stCondLst>
+                            <p:childTnLst>
+                              <p:par>
+                                <p:cTn id="10" presetID="26" presetClass="emph" presetSubtype="0" fill="hold" grpId="1" nodeType="clickEffect">
+                                  <p:stCondLst>
+                                    <p:cond delay="0"/>
+                                  </p:stCondLst>
+                                  <p:childTnLst>
+                                    <p:animEffect transition="out" filter="fade">
+                                      <p:cBhvr>
+                                        <p:cTn id="11" dur="50" tmFilter="0, 0; .2, .5; .8, .5; 1, 0"/>
+                                        <p:tgtEl>
+                                          <p:spTgt spid="6"/>
+                                        </p:tgtEl>
+                                      </p:cBhvr>
+                                    </p:animEffect>
+                                    <p:animScale>
+                                      <p:cBhvr>
+                                        <p:cTn id="12" dur="25" autoRev="1" fill="hold"/>
+                                        <p:tgtEl>
+                                          <p:spTgt spid="6"/>
+                                        </p:tgtEl>
+                                      </p:cBhvr>
+                                      <p:by x="105000" y="105000"/>
+                                    </p:animScale>
+                                  </p:childTnLst>
+                                </p:cTn>
+                              </p:par>
+                            </p:childTnLst>
+                          </p:cTn>
+                        </p:par>
+                      </p:childTnLst>
+                    </p:cTn>
+                  </p:par>
+                  <p:par>
+                    <p:cTn id="13" fill="hold">
+                      <p:stCondLst>
+                        <p:cond delay="indefinite"/>
+                      </p:stCondLst>
+                      <p:childTnLst>
+                        <p:par>
+                          <p:cTn id="14" fill="hold">
+                            <p:stCondLst>
+                              <p:cond delay="0"/>
+                            </p:stCondLst>
+                            <p:childTnLst>
+                              <p:par>
+                                <p:cTn id="15" presetID="26" presetClass="emph" presetSubtype="0" fill="hold" grpId="2" nodeType="clickEffect">
+                                  <p:stCondLst>
+                                    <p:cond delay="0"/>
+                                  </p:stCondLst>
+                                  <p:childTnLst>
+                                    <p:animEffect transition="out" filter="fade">
+                                      <p:cBhvr>
+                                        <p:cTn id="16" dur="50" tmFilter="0, 0; .2, .5; .8, .5; 1, 0"/>
+                                        <p:tgtEl>
+                                          <p:spTgt spid="6"/>
+                                        </p:tgtEl>
+                                      </p:cBhvr>
+                                    </p:animEffect>
+                                    <p:animScale>
+                                      <p:cBhvr>
+                                        <p:cTn id="17" dur="25" autoRev="1" fill="hold"/>
+                                        <p:tgtEl>
+                                          <p:spTgt spid="6"/>
+                                        </p:tgtEl>
+                                      </p:cBhvr>
+                                      <p:by x="105000" y="105000"/>
+                                    </p:animScale>
+                                  </p:childTnLst>
+                                </p:cTn>
+                              </p:par>
+                            </p:childTnLst>
+                          </p:cTn>
+                        </p:par>
+                      </p:childTnLst>
+                    </p:cTn>
+                  </p:par>
+                </p:childTnLst>
+              </p:cTn>
+              <p:prevCondLst>
+                <p:cond evt="onPrev" delay="0">
+                  <p:tgtEl>
+                    <p:sldTgt/>
+                  </p:tgtEl>
+                </p:cond>
+              </p:prevCondLst>
+              <p:nextCondLst>
+                <p:cond evt="onNext" delay="0">
+                  <p:tgtEl>
+                    <p:sldTgt/>
+                  </p:tgtEl>
+                </p:cond>
+              </p:nextCondLst>
+            </p:seq>
+          </p:childTnLst>
+        </p:cTn>
+      </p:par>
+    </p:tnLst>
+    <p:bldLst>
+      <p:bldP spid="6" grpId="0"/>
+      <p:bldP spid="6" grpId="1"/>
+      <p:bldP spid="6" grpId="2"/>
+    </p:bldLst>
+  </p:timing>
 </p:sld>
 </file>
 
@@ -32091,13 +32091,13 @@
   <p:clrMapOvr>
     <a:masterClrMapping/>
   </p:clrMapOvr>
-  <mc:AlternateContent xmlns:mc="http://schemas.openxmlformats.org/markup-compatibility/2006">
-    <mc:Choice xmlns:p14="http://schemas.microsoft.com/office/powerpoint/2010/main" Requires="p14">
+  <mc:AlternateContent xmlns:mc="http://schemas.openxmlformats.org/markup-compatibility/2006" xmlns:p14="http://schemas.microsoft.com/office/powerpoint/2010/main">
+    <mc:Choice Requires="p14">
       <p:transition spd="med" p14:dur="700">
         <p:fade/>
       </p:transition>
     </mc:Choice>
-    <mc:Fallback>
+    <mc:Fallback xmlns="">
       <p:transition spd="med">
         <p:fade/>
       </p:transition>
@@ -32470,13 +32470,13 @@
   <p:clrMapOvr>
     <a:masterClrMapping/>
   </p:clrMapOvr>
-  <mc:AlternateContent xmlns:mc="http://schemas.openxmlformats.org/markup-compatibility/2006">
-    <mc:Choice xmlns:p14="http://schemas.microsoft.com/office/powerpoint/2010/main" Requires="p14">
+  <mc:AlternateContent xmlns:mc="http://schemas.openxmlformats.org/markup-compatibility/2006" xmlns:p14="http://schemas.microsoft.com/office/powerpoint/2010/main">
+    <mc:Choice Requires="p14">
       <p:transition spd="med" p14:dur="700">
         <p:fade/>
       </p:transition>
     </mc:Choice>
-    <mc:Fallback>
+    <mc:Fallback xmlns="">
       <p:transition spd="med">
         <p:fade/>
       </p:transition>
@@ -33462,13 +33462,13 @@
   <p:clrMapOvr>
     <a:masterClrMapping/>
   </p:clrMapOvr>
-  <mc:AlternateContent xmlns:mc="http://schemas.openxmlformats.org/markup-compatibility/2006">
-    <mc:Choice xmlns:p14="http://schemas.microsoft.com/office/powerpoint/2010/main" Requires="p14">
+  <mc:AlternateContent xmlns:mc="http://schemas.openxmlformats.org/markup-compatibility/2006" xmlns:p14="http://schemas.microsoft.com/office/powerpoint/2010/main">
+    <mc:Choice Requires="p14">
       <p:transition spd="med" p14:dur="700">
         <p:fade/>
       </p:transition>
     </mc:Choice>
-    <mc:Fallback>
+    <mc:Fallback xmlns="">
       <p:transition spd="med">
         <p:fade/>
       </p:transition>
@@ -33877,13 +33877,13 @@
   <p:clrMapOvr>
     <a:masterClrMapping/>
   </p:clrMapOvr>
-  <mc:AlternateContent xmlns:mc="http://schemas.openxmlformats.org/markup-compatibility/2006">
-    <mc:Choice xmlns:p14="http://schemas.microsoft.com/office/powerpoint/2010/main" Requires="p14">
+  <mc:AlternateContent xmlns:mc="http://schemas.openxmlformats.org/markup-compatibility/2006" xmlns:p14="http://schemas.microsoft.com/office/powerpoint/2010/main">
+    <mc:Choice Requires="p14">
       <p:transition spd="med" p14:dur="700">
         <p:fade/>
       </p:transition>
     </mc:Choice>
-    <mc:Fallback>
+    <mc:Fallback xmlns="">
       <p:transition spd="med">
         <p:fade/>
       </p:transition>
@@ -35363,15 +35363,6 @@
 </file>
 
 <file path=customXml/item2.xml><?xml version="1.0" encoding="utf-8"?>
-<?mso-contentType ?>
-<FormTemplates xmlns="http://schemas.microsoft.com/sharepoint/v3/contenttype/forms">
-  <Display>DocumentLibraryForm</Display>
-  <Edit>DocumentLibraryForm</Edit>
-  <New>DocumentLibraryForm</New>
-</FormTemplates>
-</file>
-
-<file path=customXml/item3.xml><?xml version="1.0" encoding="utf-8"?>
 <p:properties xmlns:p="http://schemas.microsoft.com/office/2006/metadata/properties" xmlns:xsi="http://www.w3.org/2001/XMLSchema-instance" xmlns:pc="http://schemas.microsoft.com/office/infopath/2007/PartnerControls">
   <documentManagement>
     <_ip_UnifiedCompliancePolicyUIAction xmlns="http://schemas.microsoft.com/sharepoint/v3" xsi:nil="true"/>
@@ -35383,6 +35374,15 @@
     <_ip_UnifiedCompliancePolicyProperties xmlns="http://schemas.microsoft.com/sharepoint/v3" xsi:nil="true"/>
   </documentManagement>
 </p:properties>
+</file>
+
+<file path=customXml/item3.xml><?xml version="1.0" encoding="utf-8"?>
+<?mso-contentType ?>
+<FormTemplates xmlns="http://schemas.microsoft.com/sharepoint/v3/contenttype/forms">
+  <Display>DocumentLibraryForm</Display>
+  <Edit>DocumentLibraryForm</Edit>
+  <New>DocumentLibraryForm</New>
+</FormTemplates>
 </file>
 
 <file path=customXml/itemProps1.xml><?xml version="1.0" encoding="utf-8"?>
@@ -35407,14 +35407,6 @@
 </file>
 
 <file path=customXml/itemProps2.xml><?xml version="1.0" encoding="utf-8"?>
-<ds:datastoreItem xmlns:ds="http://schemas.openxmlformats.org/officeDocument/2006/customXml" ds:itemID="{A0CFF515-FEE6-4B9C-8B96-C300A0063377}">
-  <ds:schemaRefs>
-    <ds:schemaRef ds:uri="http://schemas.microsoft.com/sharepoint/v3/contenttype/forms"/>
-  </ds:schemaRefs>
-</ds:datastoreItem>
-</file>
-
-<file path=customXml/itemProps3.xml><?xml version="1.0" encoding="utf-8"?>
 <ds:datastoreItem xmlns:ds="http://schemas.openxmlformats.org/officeDocument/2006/customXml" ds:itemID="{32A15399-885A-441B-A114-CB6E80EBF6A5}">
   <ds:schemaRefs>
     <ds:schemaRef ds:uri="http://schemas.microsoft.com/office/infopath/2007/PartnerControls"/>
@@ -35431,4 +35423,12 @@
     <ds:schemaRef ds:uri="af610f50-4aee-43ff-9d65-64420adb70d2"/>
   </ds:schemaRefs>
 </ds:datastoreItem>
+</file>
+
+<file path=customXml/itemProps3.xml><?xml version="1.0" encoding="utf-8"?>
+<ds:datastoreItem xmlns:ds="http://schemas.openxmlformats.org/officeDocument/2006/customXml" ds:itemID="{A0CFF515-FEE6-4B9C-8B96-C300A0063377}">
+  <ds:schemaRefs>
+    <ds:schemaRef ds:uri="http://schemas.microsoft.com/sharepoint/v3/contenttype/forms"/>
+  </ds:schemaRefs>
+</ds:datastoreItem>
 </file>